--- a/Documentation/Architecture/Sapelli platform architecture.pptx
+++ b/Documentation/Architecture/Sapelli platform architecture.pptx
@@ -106,6 +106,11 @@
       </a:defRPr>
     </a:lvl9pPr>
   </p:defaultTextStyle>
+  <p:extLst>
+    <p:ext uri="{EFAFB233-063F-42B5-8137-9DF3F51BA10A}">
+      <p15:sldGuideLst xmlns:p15="http://schemas.microsoft.com/office/powerpoint/2012/main"/>
+    </p:ext>
+  </p:extLst>
 </p:presentation>
 </file>
 
@@ -240,7 +245,7 @@
           <a:p>
             <a:fld id="{F2864D7C-35FA-46B5-8554-43A1771F0FBB}" type="datetimeFigureOut">
               <a:rPr lang="en-GB" smtClean="0"/>
-              <a:t>15/04/2015</a:t>
+              <a:t>06/05/2015</a:t>
             </a:fld>
             <a:endParaRPr lang="en-GB"/>
           </a:p>
@@ -410,7 +415,7 @@
           <a:p>
             <a:fld id="{F2864D7C-35FA-46B5-8554-43A1771F0FBB}" type="datetimeFigureOut">
               <a:rPr lang="en-GB" smtClean="0"/>
-              <a:t>15/04/2015</a:t>
+              <a:t>06/05/2015</a:t>
             </a:fld>
             <a:endParaRPr lang="en-GB"/>
           </a:p>
@@ -590,7 +595,7 @@
           <a:p>
             <a:fld id="{F2864D7C-35FA-46B5-8554-43A1771F0FBB}" type="datetimeFigureOut">
               <a:rPr lang="en-GB" smtClean="0"/>
-              <a:t>15/04/2015</a:t>
+              <a:t>06/05/2015</a:t>
             </a:fld>
             <a:endParaRPr lang="en-GB"/>
           </a:p>
@@ -760,7 +765,7 @@
           <a:p>
             <a:fld id="{F2864D7C-35FA-46B5-8554-43A1771F0FBB}" type="datetimeFigureOut">
               <a:rPr lang="en-GB" smtClean="0"/>
-              <a:t>15/04/2015</a:t>
+              <a:t>06/05/2015</a:t>
             </a:fld>
             <a:endParaRPr lang="en-GB"/>
           </a:p>
@@ -1006,7 +1011,7 @@
           <a:p>
             <a:fld id="{F2864D7C-35FA-46B5-8554-43A1771F0FBB}" type="datetimeFigureOut">
               <a:rPr lang="en-GB" smtClean="0"/>
-              <a:t>15/04/2015</a:t>
+              <a:t>06/05/2015</a:t>
             </a:fld>
             <a:endParaRPr lang="en-GB"/>
           </a:p>
@@ -1238,7 +1243,7 @@
           <a:p>
             <a:fld id="{F2864D7C-35FA-46B5-8554-43A1771F0FBB}" type="datetimeFigureOut">
               <a:rPr lang="en-GB" smtClean="0"/>
-              <a:t>15/04/2015</a:t>
+              <a:t>06/05/2015</a:t>
             </a:fld>
             <a:endParaRPr lang="en-GB"/>
           </a:p>
@@ -1605,7 +1610,7 @@
           <a:p>
             <a:fld id="{F2864D7C-35FA-46B5-8554-43A1771F0FBB}" type="datetimeFigureOut">
               <a:rPr lang="en-GB" smtClean="0"/>
-              <a:t>15/04/2015</a:t>
+              <a:t>06/05/2015</a:t>
             </a:fld>
             <a:endParaRPr lang="en-GB"/>
           </a:p>
@@ -1723,7 +1728,7 @@
           <a:p>
             <a:fld id="{F2864D7C-35FA-46B5-8554-43A1771F0FBB}" type="datetimeFigureOut">
               <a:rPr lang="en-GB" smtClean="0"/>
-              <a:t>15/04/2015</a:t>
+              <a:t>06/05/2015</a:t>
             </a:fld>
             <a:endParaRPr lang="en-GB"/>
           </a:p>
@@ -1818,7 +1823,7 @@
           <a:p>
             <a:fld id="{F2864D7C-35FA-46B5-8554-43A1771F0FBB}" type="datetimeFigureOut">
               <a:rPr lang="en-GB" smtClean="0"/>
-              <a:t>15/04/2015</a:t>
+              <a:t>06/05/2015</a:t>
             </a:fld>
             <a:endParaRPr lang="en-GB"/>
           </a:p>
@@ -2095,7 +2100,7 @@
           <a:p>
             <a:fld id="{F2864D7C-35FA-46B5-8554-43A1771F0FBB}" type="datetimeFigureOut">
               <a:rPr lang="en-GB" smtClean="0"/>
-              <a:t>15/04/2015</a:t>
+              <a:t>06/05/2015</a:t>
             </a:fld>
             <a:endParaRPr lang="en-GB"/>
           </a:p>
@@ -2348,7 +2353,7 @@
           <a:p>
             <a:fld id="{F2864D7C-35FA-46B5-8554-43A1771F0FBB}" type="datetimeFigureOut">
               <a:rPr lang="en-GB" smtClean="0"/>
-              <a:t>15/04/2015</a:t>
+              <a:t>06/05/2015</a:t>
             </a:fld>
             <a:endParaRPr lang="en-GB"/>
           </a:p>
@@ -2561,7 +2566,7 @@
           <a:p>
             <a:fld id="{F2864D7C-35FA-46B5-8554-43A1771F0FBB}" type="datetimeFigureOut">
               <a:rPr lang="en-GB" smtClean="0"/>
-              <a:t>15/04/2015</a:t>
+              <a:t>06/05/2015</a:t>
             </a:fld>
             <a:endParaRPr lang="en-GB"/>
           </a:p>
@@ -3746,11 +3751,6 @@
                   </a:rPr>
                   <a:t> Collector</a:t>
                 </a:r>
-                <a:endParaRPr lang="en-GB" sz="1400" i="1" dirty="0">
-                  <a:solidFill>
-                    <a:prstClr val="black"/>
-                  </a:solidFill>
-                </a:endParaRPr>
               </a:p>
             </p:txBody>
           </p:sp>
@@ -4739,13 +4739,8 @@
                 <a:pPr algn="ctr"/>
                 <a:r>
                   <a:rPr lang="en-GB" sz="1600" dirty="0" smtClean="0"/>
-                  <a:t>HTTP </a:t>
+                  <a:t>HTTP over Wi-Fi/cellular</a:t>
                 </a:r>
-                <a:r>
-                  <a:rPr lang="en-GB" sz="1600" dirty="0" smtClean="0"/>
-                  <a:t>over Wi-Fi/cellular</a:t>
-                </a:r>
-                <a:endParaRPr lang="en-GB" sz="1600" dirty="0" smtClean="0"/>
               </a:p>
             </p:txBody>
           </p:sp>
@@ -5003,11 +4998,6 @@
                   </a:rPr>
                   <a:t> Collector</a:t>
                 </a:r>
-                <a:endParaRPr lang="en-GB" sz="1400" i="1" dirty="0">
-                  <a:solidFill>
-                    <a:prstClr val="black"/>
-                  </a:solidFill>
-                </a:endParaRPr>
               </a:p>
             </p:txBody>
           </p:sp>
@@ -5875,7 +5865,7 @@
                   <a:t>Using </a:t>
                 </a:r>
                 <a:r>
-                  <a:rPr lang="en-GB" sz="1400" dirty="0" err="1" smtClean="0">
+                  <a:rPr lang="en-GB" sz="1400" i="1" dirty="0" err="1" smtClean="0">
                     <a:solidFill>
                       <a:prstClr val="black"/>
                     </a:solidFill>

--- a/Documentation/Architecture/Sapelli platform architecture.pptx
+++ b/Documentation/Architecture/Sapelli platform architecture.pptx
@@ -4,10 +4,13 @@
   <p:sldMasterIdLst>
     <p:sldMasterId id="2147483648" r:id="rId1"/>
   </p:sldMasterIdLst>
+  <p:notesMasterIdLst>
+    <p:notesMasterId r:id="rId5"/>
+  </p:notesMasterIdLst>
   <p:sldIdLst>
-    <p:sldId id="258" r:id="rId2"/>
-    <p:sldId id="259" r:id="rId3"/>
-    <p:sldId id="261" r:id="rId4"/>
+    <p:sldId id="264" r:id="rId2"/>
+    <p:sldId id="265" r:id="rId3"/>
+    <p:sldId id="263" r:id="rId4"/>
   </p:sldIdLst>
   <p:sldSz cx="12192000" cy="6858000"/>
   <p:notesSz cx="6858000" cy="9144000"/>
@@ -114,6 +117,356 @@
 </p:presentation>
 </file>
 
+<file path=ppt/notesMasters/notesMaster1.xml><?xml version="1.0" encoding="utf-8"?>
+<p:notesMaster xmlns:a="http://schemas.openxmlformats.org/drawingml/2006/main" xmlns:r="http://schemas.openxmlformats.org/officeDocument/2006/relationships" xmlns:p="http://schemas.openxmlformats.org/presentationml/2006/main">
+  <p:cSld>
+    <p:bg>
+      <p:bgRef idx="1001">
+        <a:schemeClr val="bg1"/>
+      </p:bgRef>
+    </p:bg>
+    <p:spTree>
+      <p:nvGrpSpPr>
+        <p:cNvPr id="1" name=""/>
+        <p:cNvGrpSpPr/>
+        <p:nvPr/>
+      </p:nvGrpSpPr>
+      <p:grpSpPr>
+        <a:xfrm>
+          <a:off x="0" y="0"/>
+          <a:ext cx="0" cy="0"/>
+          <a:chOff x="0" y="0"/>
+          <a:chExt cx="0" cy="0"/>
+        </a:xfrm>
+      </p:grpSpPr>
+      <p:sp>
+        <p:nvSpPr>
+          <p:cNvPr id="2" name="Header Placeholder 1"/>
+          <p:cNvSpPr>
+            <a:spLocks noGrp="1"/>
+          </p:cNvSpPr>
+          <p:nvPr>
+            <p:ph type="hdr" sz="quarter"/>
+          </p:nvPr>
+        </p:nvSpPr>
+        <p:spPr>
+          <a:xfrm>
+            <a:off x="0" y="0"/>
+            <a:ext cx="2971800" cy="458788"/>
+          </a:xfrm>
+          <a:prstGeom prst="rect">
+            <a:avLst/>
+          </a:prstGeom>
+        </p:spPr>
+        <p:txBody>
+          <a:bodyPr vert="horz" lIns="91440" tIns="45720" rIns="91440" bIns="45720" rtlCol="0"/>
+          <a:lstStyle>
+            <a:lvl1pPr algn="l">
+              <a:defRPr sz="1200"/>
+            </a:lvl1pPr>
+          </a:lstStyle>
+          <a:p>
+            <a:endParaRPr lang="en-GB"/>
+          </a:p>
+        </p:txBody>
+      </p:sp>
+      <p:sp>
+        <p:nvSpPr>
+          <p:cNvPr id="3" name="Date Placeholder 2"/>
+          <p:cNvSpPr>
+            <a:spLocks noGrp="1"/>
+          </p:cNvSpPr>
+          <p:nvPr>
+            <p:ph type="dt" idx="1"/>
+          </p:nvPr>
+        </p:nvSpPr>
+        <p:spPr>
+          <a:xfrm>
+            <a:off x="3884613" y="0"/>
+            <a:ext cx="2971800" cy="458788"/>
+          </a:xfrm>
+          <a:prstGeom prst="rect">
+            <a:avLst/>
+          </a:prstGeom>
+        </p:spPr>
+        <p:txBody>
+          <a:bodyPr vert="horz" lIns="91440" tIns="45720" rIns="91440" bIns="45720" rtlCol="0"/>
+          <a:lstStyle>
+            <a:lvl1pPr algn="r">
+              <a:defRPr sz="1200"/>
+            </a:lvl1pPr>
+          </a:lstStyle>
+          <a:p>
+            <a:fld id="{A0150DCD-CBCE-4B96-8B93-FE6B92062C67}" type="datetimeFigureOut">
+              <a:rPr lang="en-GB" smtClean="0"/>
+              <a:t>05/06/2015</a:t>
+            </a:fld>
+            <a:endParaRPr lang="en-GB"/>
+          </a:p>
+        </p:txBody>
+      </p:sp>
+      <p:sp>
+        <p:nvSpPr>
+          <p:cNvPr id="4" name="Slide Image Placeholder 3"/>
+          <p:cNvSpPr>
+            <a:spLocks noGrp="1" noRot="1" noChangeAspect="1"/>
+          </p:cNvSpPr>
+          <p:nvPr>
+            <p:ph type="sldImg" idx="2"/>
+          </p:nvPr>
+        </p:nvSpPr>
+        <p:spPr>
+          <a:xfrm>
+            <a:off x="685800" y="1143000"/>
+            <a:ext cx="5486400" cy="3086100"/>
+          </a:xfrm>
+          <a:prstGeom prst="rect">
+            <a:avLst/>
+          </a:prstGeom>
+          <a:noFill/>
+          <a:ln w="12700">
+            <a:solidFill>
+              <a:prstClr val="black"/>
+            </a:solidFill>
+          </a:ln>
+        </p:spPr>
+        <p:txBody>
+          <a:bodyPr vert="horz" lIns="91440" tIns="45720" rIns="91440" bIns="45720" rtlCol="0" anchor="ctr"/>
+          <a:lstStyle/>
+          <a:p>
+            <a:endParaRPr lang="en-GB"/>
+          </a:p>
+        </p:txBody>
+      </p:sp>
+      <p:sp>
+        <p:nvSpPr>
+          <p:cNvPr id="5" name="Notes Placeholder 4"/>
+          <p:cNvSpPr>
+            <a:spLocks noGrp="1"/>
+          </p:cNvSpPr>
+          <p:nvPr>
+            <p:ph type="body" sz="quarter" idx="3"/>
+          </p:nvPr>
+        </p:nvSpPr>
+        <p:spPr>
+          <a:xfrm>
+            <a:off x="685800" y="4400550"/>
+            <a:ext cx="5486400" cy="3600450"/>
+          </a:xfrm>
+          <a:prstGeom prst="rect">
+            <a:avLst/>
+          </a:prstGeom>
+        </p:spPr>
+        <p:txBody>
+          <a:bodyPr vert="horz" lIns="91440" tIns="45720" rIns="91440" bIns="45720" rtlCol="0"/>
+          <a:lstStyle/>
+          <a:p>
+            <a:pPr lvl="0"/>
+            <a:r>
+              <a:rPr lang="en-US" smtClean="0"/>
+              <a:t>Click to edit Master text styles</a:t>
+            </a:r>
+          </a:p>
+          <a:p>
+            <a:pPr lvl="1"/>
+            <a:r>
+              <a:rPr lang="en-US" smtClean="0"/>
+              <a:t>Second level</a:t>
+            </a:r>
+          </a:p>
+          <a:p>
+            <a:pPr lvl="2"/>
+            <a:r>
+              <a:rPr lang="en-US" smtClean="0"/>
+              <a:t>Third level</a:t>
+            </a:r>
+          </a:p>
+          <a:p>
+            <a:pPr lvl="3"/>
+            <a:r>
+              <a:rPr lang="en-US" smtClean="0"/>
+              <a:t>Fourth level</a:t>
+            </a:r>
+          </a:p>
+          <a:p>
+            <a:pPr lvl="4"/>
+            <a:r>
+              <a:rPr lang="en-US" smtClean="0"/>
+              <a:t>Fifth level</a:t>
+            </a:r>
+            <a:endParaRPr lang="en-GB"/>
+          </a:p>
+        </p:txBody>
+      </p:sp>
+      <p:sp>
+        <p:nvSpPr>
+          <p:cNvPr id="6" name="Footer Placeholder 5"/>
+          <p:cNvSpPr>
+            <a:spLocks noGrp="1"/>
+          </p:cNvSpPr>
+          <p:nvPr>
+            <p:ph type="ftr" sz="quarter" idx="4"/>
+          </p:nvPr>
+        </p:nvSpPr>
+        <p:spPr>
+          <a:xfrm>
+            <a:off x="0" y="8685213"/>
+            <a:ext cx="2971800" cy="458787"/>
+          </a:xfrm>
+          <a:prstGeom prst="rect">
+            <a:avLst/>
+          </a:prstGeom>
+        </p:spPr>
+        <p:txBody>
+          <a:bodyPr vert="horz" lIns="91440" tIns="45720" rIns="91440" bIns="45720" rtlCol="0" anchor="b"/>
+          <a:lstStyle>
+            <a:lvl1pPr algn="l">
+              <a:defRPr sz="1200"/>
+            </a:lvl1pPr>
+          </a:lstStyle>
+          <a:p>
+            <a:endParaRPr lang="en-GB"/>
+          </a:p>
+        </p:txBody>
+      </p:sp>
+      <p:sp>
+        <p:nvSpPr>
+          <p:cNvPr id="7" name="Slide Number Placeholder 6"/>
+          <p:cNvSpPr>
+            <a:spLocks noGrp="1"/>
+          </p:cNvSpPr>
+          <p:nvPr>
+            <p:ph type="sldNum" sz="quarter" idx="5"/>
+          </p:nvPr>
+        </p:nvSpPr>
+        <p:spPr>
+          <a:xfrm>
+            <a:off x="3884613" y="8685213"/>
+            <a:ext cx="2971800" cy="458787"/>
+          </a:xfrm>
+          <a:prstGeom prst="rect">
+            <a:avLst/>
+          </a:prstGeom>
+        </p:spPr>
+        <p:txBody>
+          <a:bodyPr vert="horz" lIns="91440" tIns="45720" rIns="91440" bIns="45720" rtlCol="0" anchor="b"/>
+          <a:lstStyle>
+            <a:lvl1pPr algn="r">
+              <a:defRPr sz="1200"/>
+            </a:lvl1pPr>
+          </a:lstStyle>
+          <a:p>
+            <a:fld id="{F7287262-5B90-410E-A591-01881CA2DF2A}" type="slidenum">
+              <a:rPr lang="en-GB" smtClean="0"/>
+              <a:t>‹#›</a:t>
+            </a:fld>
+            <a:endParaRPr lang="en-GB"/>
+          </a:p>
+        </p:txBody>
+      </p:sp>
+    </p:spTree>
+    <p:extLst>
+      <p:ext uri="{BB962C8B-B14F-4D97-AF65-F5344CB8AC3E}">
+        <p14:creationId xmlns:p14="http://schemas.microsoft.com/office/powerpoint/2010/main" val="2017951070"/>
+      </p:ext>
+    </p:extLst>
+  </p:cSld>
+  <p:clrMap bg1="lt1" tx1="dk1" bg2="lt2" tx2="dk2" accent1="accent1" accent2="accent2" accent3="accent3" accent4="accent4" accent5="accent5" accent6="accent6" hlink="hlink" folHlink="folHlink"/>
+  <p:notesStyle>
+    <a:lvl1pPr marL="0" algn="l" defTabSz="914400" rtl="0" eaLnBrk="1" latinLnBrk="0" hangingPunct="1">
+      <a:defRPr sz="1200" kern="1200">
+        <a:solidFill>
+          <a:schemeClr val="tx1"/>
+        </a:solidFill>
+        <a:latin typeface="+mn-lt"/>
+        <a:ea typeface="+mn-ea"/>
+        <a:cs typeface="+mn-cs"/>
+      </a:defRPr>
+    </a:lvl1pPr>
+    <a:lvl2pPr marL="457200" algn="l" defTabSz="914400" rtl="0" eaLnBrk="1" latinLnBrk="0" hangingPunct="1">
+      <a:defRPr sz="1200" kern="1200">
+        <a:solidFill>
+          <a:schemeClr val="tx1"/>
+        </a:solidFill>
+        <a:latin typeface="+mn-lt"/>
+        <a:ea typeface="+mn-ea"/>
+        <a:cs typeface="+mn-cs"/>
+      </a:defRPr>
+    </a:lvl2pPr>
+    <a:lvl3pPr marL="914400" algn="l" defTabSz="914400" rtl="0" eaLnBrk="1" latinLnBrk="0" hangingPunct="1">
+      <a:defRPr sz="1200" kern="1200">
+        <a:solidFill>
+          <a:schemeClr val="tx1"/>
+        </a:solidFill>
+        <a:latin typeface="+mn-lt"/>
+        <a:ea typeface="+mn-ea"/>
+        <a:cs typeface="+mn-cs"/>
+      </a:defRPr>
+    </a:lvl3pPr>
+    <a:lvl4pPr marL="1371600" algn="l" defTabSz="914400" rtl="0" eaLnBrk="1" latinLnBrk="0" hangingPunct="1">
+      <a:defRPr sz="1200" kern="1200">
+        <a:solidFill>
+          <a:schemeClr val="tx1"/>
+        </a:solidFill>
+        <a:latin typeface="+mn-lt"/>
+        <a:ea typeface="+mn-ea"/>
+        <a:cs typeface="+mn-cs"/>
+      </a:defRPr>
+    </a:lvl4pPr>
+    <a:lvl5pPr marL="1828800" algn="l" defTabSz="914400" rtl="0" eaLnBrk="1" latinLnBrk="0" hangingPunct="1">
+      <a:defRPr sz="1200" kern="1200">
+        <a:solidFill>
+          <a:schemeClr val="tx1"/>
+        </a:solidFill>
+        <a:latin typeface="+mn-lt"/>
+        <a:ea typeface="+mn-ea"/>
+        <a:cs typeface="+mn-cs"/>
+      </a:defRPr>
+    </a:lvl5pPr>
+    <a:lvl6pPr marL="2286000" algn="l" defTabSz="914400" rtl="0" eaLnBrk="1" latinLnBrk="0" hangingPunct="1">
+      <a:defRPr sz="1200" kern="1200">
+        <a:solidFill>
+          <a:schemeClr val="tx1"/>
+        </a:solidFill>
+        <a:latin typeface="+mn-lt"/>
+        <a:ea typeface="+mn-ea"/>
+        <a:cs typeface="+mn-cs"/>
+      </a:defRPr>
+    </a:lvl6pPr>
+    <a:lvl7pPr marL="2743200" algn="l" defTabSz="914400" rtl="0" eaLnBrk="1" latinLnBrk="0" hangingPunct="1">
+      <a:defRPr sz="1200" kern="1200">
+        <a:solidFill>
+          <a:schemeClr val="tx1"/>
+        </a:solidFill>
+        <a:latin typeface="+mn-lt"/>
+        <a:ea typeface="+mn-ea"/>
+        <a:cs typeface="+mn-cs"/>
+      </a:defRPr>
+    </a:lvl7pPr>
+    <a:lvl8pPr marL="3200400" algn="l" defTabSz="914400" rtl="0" eaLnBrk="1" latinLnBrk="0" hangingPunct="1">
+      <a:defRPr sz="1200" kern="1200">
+        <a:solidFill>
+          <a:schemeClr val="tx1"/>
+        </a:solidFill>
+        <a:latin typeface="+mn-lt"/>
+        <a:ea typeface="+mn-ea"/>
+        <a:cs typeface="+mn-cs"/>
+      </a:defRPr>
+    </a:lvl8pPr>
+    <a:lvl9pPr marL="3657600" algn="l" defTabSz="914400" rtl="0" eaLnBrk="1" latinLnBrk="0" hangingPunct="1">
+      <a:defRPr sz="1200" kern="1200">
+        <a:solidFill>
+          <a:schemeClr val="tx1"/>
+        </a:solidFill>
+        <a:latin typeface="+mn-lt"/>
+        <a:ea typeface="+mn-ea"/>
+        <a:cs typeface="+mn-cs"/>
+      </a:defRPr>
+    </a:lvl9pPr>
+  </p:notesStyle>
+</p:notesMaster>
+</file>
+
 <file path=ppt/slideLayouts/slideLayout1.xml><?xml version="1.0" encoding="utf-8"?>
 <p:sldLayout xmlns:a="http://schemas.openxmlformats.org/drawingml/2006/main" xmlns:r="http://schemas.openxmlformats.org/officeDocument/2006/relationships" xmlns:p="http://schemas.openxmlformats.org/presentationml/2006/main" type="title" preserve="1">
   <p:cSld name="Title Slide">
@@ -245,7 +598,7 @@
           <a:p>
             <a:fld id="{F2864D7C-35FA-46B5-8554-43A1771F0FBB}" type="datetimeFigureOut">
               <a:rPr lang="en-GB" smtClean="0"/>
-              <a:t>06/05/2015</a:t>
+              <a:t>05/06/2015</a:t>
             </a:fld>
             <a:endParaRPr lang="en-GB"/>
           </a:p>
@@ -415,7 +768,7 @@
           <a:p>
             <a:fld id="{F2864D7C-35FA-46B5-8554-43A1771F0FBB}" type="datetimeFigureOut">
               <a:rPr lang="en-GB" smtClean="0"/>
-              <a:t>06/05/2015</a:t>
+              <a:t>05/06/2015</a:t>
             </a:fld>
             <a:endParaRPr lang="en-GB"/>
           </a:p>
@@ -595,7 +948,7 @@
           <a:p>
             <a:fld id="{F2864D7C-35FA-46B5-8554-43A1771F0FBB}" type="datetimeFigureOut">
               <a:rPr lang="en-GB" smtClean="0"/>
-              <a:t>06/05/2015</a:t>
+              <a:t>05/06/2015</a:t>
             </a:fld>
             <a:endParaRPr lang="en-GB"/>
           </a:p>
@@ -765,7 +1118,7 @@
           <a:p>
             <a:fld id="{F2864D7C-35FA-46B5-8554-43A1771F0FBB}" type="datetimeFigureOut">
               <a:rPr lang="en-GB" smtClean="0"/>
-              <a:t>06/05/2015</a:t>
+              <a:t>05/06/2015</a:t>
             </a:fld>
             <a:endParaRPr lang="en-GB"/>
           </a:p>
@@ -1011,7 +1364,7 @@
           <a:p>
             <a:fld id="{F2864D7C-35FA-46B5-8554-43A1771F0FBB}" type="datetimeFigureOut">
               <a:rPr lang="en-GB" smtClean="0"/>
-              <a:t>06/05/2015</a:t>
+              <a:t>05/06/2015</a:t>
             </a:fld>
             <a:endParaRPr lang="en-GB"/>
           </a:p>
@@ -1243,7 +1596,7 @@
           <a:p>
             <a:fld id="{F2864D7C-35FA-46B5-8554-43A1771F0FBB}" type="datetimeFigureOut">
               <a:rPr lang="en-GB" smtClean="0"/>
-              <a:t>06/05/2015</a:t>
+              <a:t>05/06/2015</a:t>
             </a:fld>
             <a:endParaRPr lang="en-GB"/>
           </a:p>
@@ -1610,7 +1963,7 @@
           <a:p>
             <a:fld id="{F2864D7C-35FA-46B5-8554-43A1771F0FBB}" type="datetimeFigureOut">
               <a:rPr lang="en-GB" smtClean="0"/>
-              <a:t>06/05/2015</a:t>
+              <a:t>05/06/2015</a:t>
             </a:fld>
             <a:endParaRPr lang="en-GB"/>
           </a:p>
@@ -1728,7 +2081,7 @@
           <a:p>
             <a:fld id="{F2864D7C-35FA-46B5-8554-43A1771F0FBB}" type="datetimeFigureOut">
               <a:rPr lang="en-GB" smtClean="0"/>
-              <a:t>06/05/2015</a:t>
+              <a:t>05/06/2015</a:t>
             </a:fld>
             <a:endParaRPr lang="en-GB"/>
           </a:p>
@@ -1823,7 +2176,7 @@
           <a:p>
             <a:fld id="{F2864D7C-35FA-46B5-8554-43A1771F0FBB}" type="datetimeFigureOut">
               <a:rPr lang="en-GB" smtClean="0"/>
-              <a:t>06/05/2015</a:t>
+              <a:t>05/06/2015</a:t>
             </a:fld>
             <a:endParaRPr lang="en-GB"/>
           </a:p>
@@ -2100,7 +2453,7 @@
           <a:p>
             <a:fld id="{F2864D7C-35FA-46B5-8554-43A1771F0FBB}" type="datetimeFigureOut">
               <a:rPr lang="en-GB" smtClean="0"/>
-              <a:t>06/05/2015</a:t>
+              <a:t>05/06/2015</a:t>
             </a:fld>
             <a:endParaRPr lang="en-GB"/>
           </a:p>
@@ -2353,7 +2706,7 @@
           <a:p>
             <a:fld id="{F2864D7C-35FA-46B5-8554-43A1771F0FBB}" type="datetimeFigureOut">
               <a:rPr lang="en-GB" smtClean="0"/>
-              <a:t>06/05/2015</a:t>
+              <a:t>05/06/2015</a:t>
             </a:fld>
             <a:endParaRPr lang="en-GB"/>
           </a:p>
@@ -2566,7 +2919,7 @@
           <a:p>
             <a:fld id="{F2864D7C-35FA-46B5-8554-43A1771F0FBB}" type="datetimeFigureOut">
               <a:rPr lang="en-GB" smtClean="0"/>
-              <a:t>06/05/2015</a:t>
+              <a:t>05/06/2015</a:t>
             </a:fld>
             <a:endParaRPr lang="en-GB"/>
           </a:p>
@@ -2973,7 +3326,7 @@
       </p:grpSpPr>
       <p:sp>
         <p:nvSpPr>
-          <p:cNvPr id="68" name="Title 1"/>
+          <p:cNvPr id="10" name="Title 1"/>
           <p:cNvSpPr>
             <a:spLocks noGrp="1"/>
           </p:cNvSpPr>
@@ -2989,29 +3342,249 @@
         </p:spPr>
         <p:txBody>
           <a:bodyPr>
-            <a:noAutofit/>
+            <a:normAutofit/>
           </a:bodyPr>
           <a:lstStyle/>
           <a:p>
             <a:pPr algn="ctr"/>
             <a:r>
               <a:rPr lang="en-GB" sz="3200" dirty="0" smtClean="0"/>
-              <a:t>Current possibilities (v2.0 beta 14)</a:t>
-            </a:r>
-            <a:endParaRPr lang="en-GB" sz="3200" dirty="0"/>
-          </a:p>
-        </p:txBody>
-      </p:sp>
+              <a:t>Current (</a:t>
+            </a:r>
+            <a:r>
+              <a:rPr lang="en-GB" sz="3200" dirty="0"/>
+              <a:t>v2.0 beta 14</a:t>
+            </a:r>
+            <a:r>
+              <a:rPr lang="en-GB" sz="3200" dirty="0" smtClean="0"/>
+              <a:t>)</a:t>
+            </a:r>
+            <a:endParaRPr lang="en-GB" dirty="0"/>
+          </a:p>
+        </p:txBody>
+      </p:sp>
+      <p:sp>
+        <p:nvSpPr>
+          <p:cNvPr id="91" name="TextBox 90"/>
+          <p:cNvSpPr txBox="1"/>
+          <p:nvPr/>
+        </p:nvSpPr>
+        <p:spPr>
+          <a:xfrm>
+            <a:off x="119256" y="3799435"/>
+            <a:ext cx="1950599" cy="800219"/>
+          </a:xfrm>
+          <a:prstGeom prst="rect">
+            <a:avLst/>
+          </a:prstGeom>
+          <a:noFill/>
+        </p:spPr>
+        <p:txBody>
+          <a:bodyPr wrap="none" rtlCol="0">
+            <a:spAutoFit/>
+          </a:bodyPr>
+          <a:lstStyle/>
+          <a:p>
+            <a:pPr algn="ctr"/>
+            <a:r>
+              <a:rPr lang="en-GB" b="1" dirty="0" smtClean="0">
+                <a:solidFill>
+                  <a:prstClr val="black"/>
+                </a:solidFill>
+              </a:rPr>
+              <a:t>Data collection</a:t>
+            </a:r>
+          </a:p>
+          <a:p>
+            <a:pPr algn="ctr"/>
+            <a:r>
+              <a:rPr lang="en-GB" sz="1400" dirty="0" smtClean="0">
+                <a:solidFill>
+                  <a:prstClr val="black"/>
+                </a:solidFill>
+              </a:rPr>
+              <a:t>on 1 or more devices</a:t>
+            </a:r>
+          </a:p>
+          <a:p>
+            <a:pPr algn="ctr"/>
+            <a:r>
+              <a:rPr lang="en-GB" sz="1400" dirty="0">
+                <a:solidFill>
+                  <a:prstClr val="black"/>
+                </a:solidFill>
+              </a:rPr>
+              <a:t>r</a:t>
+            </a:r>
+            <a:r>
+              <a:rPr lang="en-GB" sz="1400" dirty="0" smtClean="0">
+                <a:solidFill>
+                  <a:prstClr val="black"/>
+                </a:solidFill>
+              </a:rPr>
+              <a:t>unning </a:t>
+            </a:r>
+            <a:r>
+              <a:rPr lang="en-GB" sz="1400" i="1" dirty="0" smtClean="0">
+                <a:solidFill>
+                  <a:prstClr val="black"/>
+                </a:solidFill>
+              </a:rPr>
+              <a:t>Sapelli Collector</a:t>
+            </a:r>
+            <a:endParaRPr lang="en-GB" sz="1400" dirty="0">
+              <a:solidFill>
+                <a:prstClr val="black"/>
+              </a:solidFill>
+            </a:endParaRPr>
+          </a:p>
+        </p:txBody>
+      </p:sp>
+      <p:grpSp>
+        <p:nvGrpSpPr>
+          <p:cNvPr id="13" name="Group 12"/>
+          <p:cNvGrpSpPr/>
+          <p:nvPr/>
+        </p:nvGrpSpPr>
+        <p:grpSpPr>
+          <a:xfrm>
+            <a:off x="528961" y="1997811"/>
+            <a:ext cx="1131188" cy="1807200"/>
+            <a:chOff x="528961" y="1997811"/>
+            <a:chExt cx="1131188" cy="1807200"/>
+          </a:xfrm>
+        </p:grpSpPr>
+        <p:pic>
+          <p:nvPicPr>
+            <p:cNvPr id="80" name="Picture 79"/>
+            <p:cNvPicPr>
+              <a:picLocks noChangeAspect="1"/>
+            </p:cNvPicPr>
+            <p:nvPr/>
+          </p:nvPicPr>
+          <p:blipFill>
+            <a:blip r:embed="rId2" cstate="print">
+              <a:extLst>
+                <a:ext uri="{28A0092B-C50C-407E-A947-70E740481C1C}">
+                  <a14:useLocalDpi xmlns:a14="http://schemas.microsoft.com/office/drawing/2010/main" val="0"/>
+                </a:ext>
+              </a:extLst>
+            </a:blip>
+            <a:stretch>
+              <a:fillRect/>
+            </a:stretch>
+          </p:blipFill>
+          <p:spPr>
+            <a:xfrm>
+              <a:off x="528961" y="1997811"/>
+              <a:ext cx="673988" cy="1350000"/>
+            </a:xfrm>
+            <a:prstGeom prst="rect">
+              <a:avLst/>
+            </a:prstGeom>
+          </p:spPr>
+        </p:pic>
+        <p:pic>
+          <p:nvPicPr>
+            <p:cNvPr id="108" name="Picture 107"/>
+            <p:cNvPicPr>
+              <a:picLocks noChangeAspect="1"/>
+            </p:cNvPicPr>
+            <p:nvPr/>
+          </p:nvPicPr>
+          <p:blipFill>
+            <a:blip r:embed="rId2" cstate="print">
+              <a:extLst>
+                <a:ext uri="{28A0092B-C50C-407E-A947-70E740481C1C}">
+                  <a14:useLocalDpi xmlns:a14="http://schemas.microsoft.com/office/drawing/2010/main" val="0"/>
+                </a:ext>
+              </a:extLst>
+            </a:blip>
+            <a:stretch>
+              <a:fillRect/>
+            </a:stretch>
+          </p:blipFill>
+          <p:spPr>
+            <a:xfrm>
+              <a:off x="681361" y="2150211"/>
+              <a:ext cx="673988" cy="1350000"/>
+            </a:xfrm>
+            <a:prstGeom prst="rect">
+              <a:avLst/>
+            </a:prstGeom>
+          </p:spPr>
+        </p:pic>
+        <p:pic>
+          <p:nvPicPr>
+            <p:cNvPr id="109" name="Picture 108"/>
+            <p:cNvPicPr>
+              <a:picLocks noChangeAspect="1"/>
+            </p:cNvPicPr>
+            <p:nvPr/>
+          </p:nvPicPr>
+          <p:blipFill>
+            <a:blip r:embed="rId2" cstate="print">
+              <a:extLst>
+                <a:ext uri="{28A0092B-C50C-407E-A947-70E740481C1C}">
+                  <a14:useLocalDpi xmlns:a14="http://schemas.microsoft.com/office/drawing/2010/main" val="0"/>
+                </a:ext>
+              </a:extLst>
+            </a:blip>
+            <a:stretch>
+              <a:fillRect/>
+            </a:stretch>
+          </p:blipFill>
+          <p:spPr>
+            <a:xfrm>
+              <a:off x="833761" y="2302611"/>
+              <a:ext cx="673988" cy="1350000"/>
+            </a:xfrm>
+            <a:prstGeom prst="rect">
+              <a:avLst/>
+            </a:prstGeom>
+          </p:spPr>
+        </p:pic>
+        <p:pic>
+          <p:nvPicPr>
+            <p:cNvPr id="110" name="Picture 109"/>
+            <p:cNvPicPr>
+              <a:picLocks noChangeAspect="1"/>
+            </p:cNvPicPr>
+            <p:nvPr/>
+          </p:nvPicPr>
+          <p:blipFill>
+            <a:blip r:embed="rId2" cstate="print">
+              <a:extLst>
+                <a:ext uri="{28A0092B-C50C-407E-A947-70E740481C1C}">
+                  <a14:useLocalDpi xmlns:a14="http://schemas.microsoft.com/office/drawing/2010/main" val="0"/>
+                </a:ext>
+              </a:extLst>
+            </a:blip>
+            <a:stretch>
+              <a:fillRect/>
+            </a:stretch>
+          </p:blipFill>
+          <p:spPr>
+            <a:xfrm>
+              <a:off x="986161" y="2455011"/>
+              <a:ext cx="673988" cy="1350000"/>
+            </a:xfrm>
+            <a:prstGeom prst="rect">
+              <a:avLst/>
+            </a:prstGeom>
+          </p:spPr>
+        </p:pic>
+      </p:grpSp>
       <p:pic>
         <p:nvPicPr>
-          <p:cNvPr id="69" name="Picture 68"/>
+          <p:cNvPr id="112" name="Picture 111"/>
           <p:cNvPicPr>
             <a:picLocks noChangeAspect="1"/>
           </p:cNvPicPr>
           <p:nvPr/>
         </p:nvPicPr>
         <p:blipFill>
-          <a:blip r:embed="rId2" cstate="print">
+          <a:blip r:embed="rId3" cstate="print">
             <a:extLst>
               <a:ext uri="{28A0092B-C50C-407E-A947-70E740481C1C}">
                 <a14:useLocalDpi xmlns:a14="http://schemas.microsoft.com/office/drawing/2010/main" val="0"/>
@@ -3024,243 +3597,32 @@
         </p:blipFill>
         <p:spPr>
           <a:xfrm>
-            <a:off x="158613" y="182667"/>
-            <a:ext cx="987158" cy="1129479"/>
+            <a:off x="144000" y="144000"/>
+            <a:ext cx="986400" cy="1128658"/>
           </a:xfrm>
           <a:prstGeom prst="rect">
             <a:avLst/>
           </a:prstGeom>
+          <a:effectLst/>
         </p:spPr>
       </p:pic>
       <p:grpSp>
         <p:nvGrpSpPr>
-          <p:cNvPr id="126" name="Group 125"/>
+          <p:cNvPr id="35" name="Group 34"/>
           <p:cNvGrpSpPr/>
           <p:nvPr/>
         </p:nvGrpSpPr>
         <p:grpSpPr>
           <a:xfrm>
-            <a:off x="761645" y="1705792"/>
-            <a:ext cx="2041238" cy="2558546"/>
-            <a:chOff x="1409025" y="1471956"/>
-            <a:chExt cx="2041238" cy="2558546"/>
+            <a:off x="1057275" y="4599654"/>
+            <a:ext cx="2159534" cy="1372746"/>
+            <a:chOff x="507647" y="4256525"/>
+            <a:chExt cx="2760251" cy="2052795"/>
           </a:xfrm>
         </p:grpSpPr>
         <p:sp>
           <p:nvSpPr>
-            <p:cNvPr id="141" name="TextBox 140"/>
-            <p:cNvSpPr txBox="1"/>
-            <p:nvPr/>
-          </p:nvSpPr>
-          <p:spPr>
-            <a:xfrm>
-              <a:off x="1499664" y="3230283"/>
-              <a:ext cx="1950599" cy="800219"/>
-            </a:xfrm>
-            <a:prstGeom prst="rect">
-              <a:avLst/>
-            </a:prstGeom>
-            <a:noFill/>
-          </p:spPr>
-          <p:txBody>
-            <a:bodyPr wrap="none" rtlCol="0">
-              <a:spAutoFit/>
-            </a:bodyPr>
-            <a:lstStyle/>
-            <a:p>
-              <a:pPr algn="ctr"/>
-              <a:r>
-                <a:rPr lang="en-GB" b="1" dirty="0" smtClean="0">
-                  <a:solidFill>
-                    <a:prstClr val="black"/>
-                  </a:solidFill>
-                </a:rPr>
-                <a:t>Data collection</a:t>
-              </a:r>
-            </a:p>
-            <a:p>
-              <a:pPr algn="ctr"/>
-              <a:r>
-                <a:rPr lang="en-GB" sz="1400" dirty="0" smtClean="0">
-                  <a:solidFill>
-                    <a:prstClr val="black"/>
-                  </a:solidFill>
-                </a:rPr>
-                <a:t>on 1 or more phones</a:t>
-              </a:r>
-            </a:p>
-            <a:p>
-              <a:pPr algn="ctr"/>
-              <a:r>
-                <a:rPr lang="en-GB" sz="1400" dirty="0">
-                  <a:solidFill>
-                    <a:prstClr val="black"/>
-                  </a:solidFill>
-                </a:rPr>
-                <a:t>r</a:t>
-              </a:r>
-              <a:r>
-                <a:rPr lang="en-GB" sz="1400" dirty="0" smtClean="0">
-                  <a:solidFill>
-                    <a:prstClr val="black"/>
-                  </a:solidFill>
-                </a:rPr>
-                <a:t>unning </a:t>
-              </a:r>
-              <a:r>
-                <a:rPr lang="en-GB" sz="1400" i="1" dirty="0" smtClean="0">
-                  <a:solidFill>
-                    <a:prstClr val="black"/>
-                  </a:solidFill>
-                </a:rPr>
-                <a:t>Sapelli Collector</a:t>
-              </a:r>
-              <a:endParaRPr lang="en-GB" sz="1400" dirty="0">
-                <a:solidFill>
-                  <a:prstClr val="black"/>
-                </a:solidFill>
-              </a:endParaRPr>
-            </a:p>
-          </p:txBody>
-        </p:sp>
-        <p:pic>
-          <p:nvPicPr>
-            <p:cNvPr id="142" name="Picture 141"/>
-            <p:cNvPicPr>
-              <a:picLocks noChangeAspect="1"/>
-            </p:cNvPicPr>
-            <p:nvPr/>
-          </p:nvPicPr>
-          <p:blipFill>
-            <a:blip r:embed="rId3">
-              <a:extLst>
-                <a:ext uri="{28A0092B-C50C-407E-A947-70E740481C1C}">
-                  <a14:useLocalDpi xmlns:a14="http://schemas.microsoft.com/office/drawing/2010/main" val="0"/>
-                </a:ext>
-              </a:extLst>
-            </a:blip>
-            <a:stretch>
-              <a:fillRect/>
-            </a:stretch>
-          </p:blipFill>
-          <p:spPr>
-            <a:xfrm>
-              <a:off x="1409025" y="1471956"/>
-              <a:ext cx="1301127" cy="1301127"/>
-            </a:xfrm>
-            <a:prstGeom prst="rect">
-              <a:avLst/>
-            </a:prstGeom>
-          </p:spPr>
-        </p:pic>
-        <p:pic>
-          <p:nvPicPr>
-            <p:cNvPr id="143" name="Picture 142"/>
-            <p:cNvPicPr>
-              <a:picLocks noChangeAspect="1"/>
-            </p:cNvPicPr>
-            <p:nvPr/>
-          </p:nvPicPr>
-          <p:blipFill>
-            <a:blip r:embed="rId3">
-              <a:extLst>
-                <a:ext uri="{28A0092B-C50C-407E-A947-70E740481C1C}">
-                  <a14:useLocalDpi xmlns:a14="http://schemas.microsoft.com/office/drawing/2010/main" val="0"/>
-                </a:ext>
-              </a:extLst>
-            </a:blip>
-            <a:stretch>
-              <a:fillRect/>
-            </a:stretch>
-          </p:blipFill>
-          <p:spPr>
-            <a:xfrm>
-              <a:off x="1561425" y="1624356"/>
-              <a:ext cx="1301127" cy="1301127"/>
-            </a:xfrm>
-            <a:prstGeom prst="rect">
-              <a:avLst/>
-            </a:prstGeom>
-          </p:spPr>
-        </p:pic>
-        <p:pic>
-          <p:nvPicPr>
-            <p:cNvPr id="144" name="Picture 143"/>
-            <p:cNvPicPr>
-              <a:picLocks noChangeAspect="1"/>
-            </p:cNvPicPr>
-            <p:nvPr/>
-          </p:nvPicPr>
-          <p:blipFill>
-            <a:blip r:embed="rId3">
-              <a:extLst>
-                <a:ext uri="{28A0092B-C50C-407E-A947-70E740481C1C}">
-                  <a14:useLocalDpi xmlns:a14="http://schemas.microsoft.com/office/drawing/2010/main" val="0"/>
-                </a:ext>
-              </a:extLst>
-            </a:blip>
-            <a:stretch>
-              <a:fillRect/>
-            </a:stretch>
-          </p:blipFill>
-          <p:spPr>
-            <a:xfrm>
-              <a:off x="1713825" y="1776756"/>
-              <a:ext cx="1301127" cy="1301127"/>
-            </a:xfrm>
-            <a:prstGeom prst="rect">
-              <a:avLst/>
-            </a:prstGeom>
-          </p:spPr>
-        </p:pic>
-        <p:pic>
-          <p:nvPicPr>
-            <p:cNvPr id="145" name="Picture 144"/>
-            <p:cNvPicPr>
-              <a:picLocks noChangeAspect="1"/>
-            </p:cNvPicPr>
-            <p:nvPr/>
-          </p:nvPicPr>
-          <p:blipFill>
-            <a:blip r:embed="rId3">
-              <a:extLst>
-                <a:ext uri="{28A0092B-C50C-407E-A947-70E740481C1C}">
-                  <a14:useLocalDpi xmlns:a14="http://schemas.microsoft.com/office/drawing/2010/main" val="0"/>
-                </a:ext>
-              </a:extLst>
-            </a:blip>
-            <a:stretch>
-              <a:fillRect/>
-            </a:stretch>
-          </p:blipFill>
-          <p:spPr>
-            <a:xfrm>
-              <a:off x="1866225" y="1929156"/>
-              <a:ext cx="1301127" cy="1301127"/>
-            </a:xfrm>
-            <a:prstGeom prst="rect">
-              <a:avLst/>
-            </a:prstGeom>
-          </p:spPr>
-        </p:pic>
-      </p:grpSp>
-      <p:grpSp>
-        <p:nvGrpSpPr>
-          <p:cNvPr id="127" name="Group 126"/>
-          <p:cNvGrpSpPr/>
-          <p:nvPr/>
-        </p:nvGrpSpPr>
-        <p:grpSpPr>
-          <a:xfrm>
-            <a:off x="1706304" y="4388257"/>
-            <a:ext cx="1631152" cy="1547323"/>
-            <a:chOff x="507647" y="4256525"/>
-            <a:chExt cx="2760251" cy="2052795"/>
-          </a:xfrm>
-        </p:grpSpPr>
-        <p:sp>
-          <p:nvSpPr>
-            <p:cNvPr id="139" name="Bent Arrow 138"/>
+            <p:cNvPr id="36" name="Bent Arrow 35"/>
             <p:cNvSpPr/>
             <p:nvPr/>
           </p:nvSpPr>
@@ -3309,14 +3671,14 @@
         </p:sp>
         <p:sp>
           <p:nvSpPr>
-            <p:cNvPr id="140" name="TextBox 139"/>
+            <p:cNvPr id="37" name="TextBox 36"/>
             <p:cNvSpPr txBox="1"/>
             <p:nvPr/>
           </p:nvSpPr>
           <p:spPr>
             <a:xfrm>
-              <a:off x="705663" y="5209570"/>
-              <a:ext cx="2308653" cy="694143"/>
+              <a:off x="601113" y="5209569"/>
+              <a:ext cx="2413204" cy="833383"/>
             </a:xfrm>
             <a:prstGeom prst="rect">
               <a:avLst/>
@@ -3324,7 +3686,7 @@
             <a:noFill/>
           </p:spPr>
           <p:txBody>
-            <a:bodyPr wrap="none" rtlCol="0">
+            <a:bodyPr wrap="square" rtlCol="0">
               <a:spAutoFit/>
             </a:bodyPr>
             <a:lstStyle/>
@@ -3360,13 +3722,13 @@
       </p:grpSp>
       <p:grpSp>
         <p:nvGrpSpPr>
-          <p:cNvPr id="128" name="Group 127"/>
+          <p:cNvPr id="38" name="Group 37"/>
           <p:cNvGrpSpPr/>
           <p:nvPr/>
         </p:nvGrpSpPr>
         <p:grpSpPr>
           <a:xfrm>
-            <a:off x="3269398" y="4946401"/>
+            <a:off x="3092614" y="4983409"/>
             <a:ext cx="900000" cy="1800000"/>
             <a:chOff x="2965178" y="4919828"/>
             <a:chExt cx="900000" cy="1800000"/>
@@ -3374,7 +3736,7 @@
         </p:grpSpPr>
         <p:pic>
           <p:nvPicPr>
-            <p:cNvPr id="137" name="Picture 136"/>
+            <p:cNvPr id="39" name="Picture 38"/>
             <p:cNvPicPr>
               <a:picLocks noChangeAspect="1"/>
             </p:cNvPicPr>
@@ -3404,7 +3766,7 @@
         </p:pic>
         <p:pic>
           <p:nvPicPr>
-            <p:cNvPr id="138" name="Picture 137"/>
+            <p:cNvPr id="40" name="Picture 39"/>
             <p:cNvPicPr>
               <a:picLocks noChangeAspect="1"/>
             </p:cNvPicPr>
@@ -3435,13 +3797,13 @@
       </p:grpSp>
       <p:sp>
         <p:nvSpPr>
-          <p:cNvPr id="130" name="TextBox 129"/>
+          <p:cNvPr id="44" name="TextBox 43"/>
           <p:cNvSpPr txBox="1"/>
           <p:nvPr/>
         </p:nvSpPr>
         <p:spPr>
           <a:xfrm>
-            <a:off x="4850733" y="6034790"/>
+            <a:off x="4850733" y="6071798"/>
             <a:ext cx="3198632" cy="523220"/>
           </a:xfrm>
           <a:prstGeom prst="rect">
@@ -3485,14 +3847,14 @@
       </p:sp>
       <p:sp>
         <p:nvSpPr>
-          <p:cNvPr id="131" name="Right Arrow 130"/>
+          <p:cNvPr id="45" name="Right Arrow 44"/>
           <p:cNvSpPr/>
           <p:nvPr/>
         </p:nvSpPr>
         <p:spPr>
           <a:xfrm>
-            <a:off x="4143475" y="6166747"/>
-            <a:ext cx="707258" cy="259307"/>
+            <a:off x="3877995" y="6203754"/>
+            <a:ext cx="970447" cy="259307"/>
           </a:xfrm>
           <a:prstGeom prst="rightArrow">
             <a:avLst>
@@ -3529,7 +3891,7 @@
     </p:spTree>
     <p:extLst>
       <p:ext uri="{BB962C8B-B14F-4D97-AF65-F5344CB8AC3E}">
-        <p14:creationId xmlns:p14="http://schemas.microsoft.com/office/powerpoint/2010/main" val="3079290316"/>
+        <p14:creationId xmlns:p14="http://schemas.microsoft.com/office/powerpoint/2010/main" val="3286416174"/>
       </p:ext>
     </p:extLst>
   </p:cSld>
@@ -3587,244 +3949,162 @@
           <a:p>
             <a:pPr algn="ctr"/>
             <a:r>
-              <a:rPr lang="en-GB" sz="3100" dirty="0" smtClean="0"/>
+              <a:rPr lang="en-GB" sz="3200" dirty="0"/>
               <a:t>Soon (v2.0 final)</a:t>
             </a:r>
-            <a:endParaRPr lang="en-GB" sz="4000" dirty="0"/>
-          </a:p>
-        </p:txBody>
-      </p:sp>
-      <p:pic>
-        <p:nvPicPr>
-          <p:cNvPr id="42" name="Picture 41"/>
-          <p:cNvPicPr>
-            <a:picLocks noChangeAspect="1"/>
-          </p:cNvPicPr>
+            <a:endParaRPr lang="en-GB" dirty="0"/>
+          </a:p>
+        </p:txBody>
+      </p:sp>
+      <p:sp>
+        <p:nvSpPr>
+          <p:cNvPr id="84" name="TextBox 83"/>
+          <p:cNvSpPr txBox="1"/>
           <p:nvPr/>
-        </p:nvPicPr>
-        <p:blipFill>
-          <a:blip r:embed="rId2" cstate="print">
-            <a:extLst>
-              <a:ext uri="{28A0092B-C50C-407E-A947-70E740481C1C}">
-                <a14:useLocalDpi xmlns:a14="http://schemas.microsoft.com/office/drawing/2010/main" val="0"/>
-              </a:ext>
-            </a:extLst>
-          </a:blip>
-          <a:stretch>
-            <a:fillRect/>
-          </a:stretch>
-        </p:blipFill>
+        </p:nvSpPr>
         <p:spPr>
           <a:xfrm>
-            <a:off x="158613" y="182667"/>
-            <a:ext cx="987158" cy="1129479"/>
+            <a:off x="4867936" y="3799435"/>
+            <a:ext cx="1815049" cy="800219"/>
           </a:xfrm>
           <a:prstGeom prst="rect">
             <a:avLst/>
           </a:prstGeom>
+          <a:noFill/>
         </p:spPr>
-      </p:pic>
+        <p:txBody>
+          <a:bodyPr wrap="none" rtlCol="0">
+            <a:spAutoFit/>
+          </a:bodyPr>
+          <a:lstStyle/>
+          <a:p>
+            <a:pPr algn="ctr"/>
+            <a:r>
+              <a:rPr lang="en-GB" b="1" dirty="0" smtClean="0">
+                <a:solidFill>
+                  <a:prstClr val="black"/>
+                </a:solidFill>
+              </a:rPr>
+              <a:t>Data aggregation</a:t>
+            </a:r>
+          </a:p>
+          <a:p>
+            <a:pPr algn="ctr"/>
+            <a:r>
+              <a:rPr lang="en-GB" sz="1400" dirty="0" smtClean="0">
+                <a:solidFill>
+                  <a:prstClr val="black"/>
+                </a:solidFill>
+              </a:rPr>
+              <a:t>on a device </a:t>
+            </a:r>
+            <a:r>
+              <a:rPr lang="en-GB" sz="1400" dirty="0">
+                <a:solidFill>
+                  <a:prstClr val="black"/>
+                </a:solidFill>
+              </a:rPr>
+              <a:t>running</a:t>
+            </a:r>
+          </a:p>
+          <a:p>
+            <a:pPr algn="ctr"/>
+            <a:r>
+              <a:rPr lang="en-GB" sz="1400" i="1" dirty="0" err="1">
+                <a:solidFill>
+                  <a:prstClr val="black"/>
+                </a:solidFill>
+              </a:rPr>
+              <a:t>Sapelli</a:t>
+            </a:r>
+            <a:r>
+              <a:rPr lang="en-GB" sz="1400" i="1" dirty="0">
+                <a:solidFill>
+                  <a:prstClr val="black"/>
+                </a:solidFill>
+              </a:rPr>
+              <a:t> Collector</a:t>
+            </a:r>
+          </a:p>
+        </p:txBody>
+      </p:sp>
       <p:grpSp>
         <p:nvGrpSpPr>
-          <p:cNvPr id="44" name="Group 43"/>
+          <p:cNvPr id="47" name="Group 46"/>
           <p:cNvGrpSpPr/>
           <p:nvPr/>
         </p:nvGrpSpPr>
         <p:grpSpPr>
           <a:xfrm>
-            <a:off x="761645" y="1705792"/>
-            <a:ext cx="7287720" cy="5040609"/>
-            <a:chOff x="416046" y="1705792"/>
-            <a:chExt cx="7287720" cy="5040609"/>
+            <a:off x="2169548" y="2648822"/>
+            <a:ext cx="2746132" cy="1156189"/>
+            <a:chOff x="2266530" y="3029822"/>
+            <a:chExt cx="2741827" cy="1156189"/>
           </a:xfrm>
         </p:grpSpPr>
+        <p:sp>
+          <p:nvSpPr>
+            <p:cNvPr id="48" name="TextBox 47"/>
+            <p:cNvSpPr txBox="1"/>
+            <p:nvPr/>
+          </p:nvSpPr>
+          <p:spPr>
+            <a:xfrm>
+              <a:off x="2819343" y="3782222"/>
+              <a:ext cx="1636201" cy="403789"/>
+            </a:xfrm>
+            <a:prstGeom prst="rect">
+              <a:avLst/>
+            </a:prstGeom>
+            <a:noFill/>
+          </p:spPr>
+          <p:txBody>
+            <a:bodyPr wrap="none" rtlCol="0">
+              <a:spAutoFit/>
+            </a:bodyPr>
+            <a:lstStyle/>
+            <a:p>
+              <a:pPr algn="ctr"/>
+              <a:r>
+                <a:rPr lang="en-GB" sz="1600" dirty="0">
+                  <a:solidFill>
+                    <a:prstClr val="black"/>
+                  </a:solidFill>
+                </a:rPr>
+                <a:t>SMS messages</a:t>
+              </a:r>
+            </a:p>
+          </p:txBody>
+        </p:sp>
         <p:grpSp>
           <p:nvGrpSpPr>
-            <p:cNvPr id="47" name="Group 46"/>
+            <p:cNvPr id="49" name="Group 48"/>
             <p:cNvGrpSpPr/>
             <p:nvPr/>
           </p:nvGrpSpPr>
           <p:grpSpPr>
             <a:xfrm>
-              <a:off x="4588541" y="2071068"/>
-              <a:ext cx="1815049" cy="2193270"/>
-              <a:chOff x="4486720" y="1484881"/>
-              <a:chExt cx="1815049" cy="2193270"/>
+              <a:off x="2266530" y="3262104"/>
+              <a:ext cx="2741827" cy="250809"/>
+              <a:chOff x="2352264" y="3271628"/>
+              <a:chExt cx="2668090" cy="250809"/>
             </a:xfrm>
           </p:grpSpPr>
-          <p:pic>
-            <p:nvPicPr>
-              <p:cNvPr id="87" name="Picture 86"/>
-              <p:cNvPicPr>
-                <a:picLocks noChangeAspect="1"/>
-              </p:cNvPicPr>
-              <p:nvPr/>
-            </p:nvPicPr>
-            <p:blipFill>
-              <a:blip r:embed="rId3">
-                <a:extLst>
-                  <a:ext uri="{28A0092B-C50C-407E-A947-70E740481C1C}">
-                    <a14:useLocalDpi xmlns:a14="http://schemas.microsoft.com/office/drawing/2010/main" val="0"/>
-                  </a:ext>
-                </a:extLst>
-              </a:blip>
-              <a:stretch>
-                <a:fillRect/>
-              </a:stretch>
-            </p:blipFill>
-            <p:spPr>
-              <a:xfrm>
-                <a:off x="4743680" y="1484881"/>
-                <a:ext cx="1301127" cy="1301127"/>
-              </a:xfrm>
-              <a:prstGeom prst="rect">
-                <a:avLst/>
-              </a:prstGeom>
-            </p:spPr>
-          </p:pic>
-          <p:sp>
-            <p:nvSpPr>
-              <p:cNvPr id="88" name="TextBox 87"/>
-              <p:cNvSpPr txBox="1"/>
-              <p:nvPr/>
-            </p:nvSpPr>
-            <p:spPr>
-              <a:xfrm>
-                <a:off x="4486720" y="2877932"/>
-                <a:ext cx="1815049" cy="800219"/>
-              </a:xfrm>
-              <a:prstGeom prst="rect">
-                <a:avLst/>
-              </a:prstGeom>
-              <a:noFill/>
-            </p:spPr>
-            <p:txBody>
-              <a:bodyPr wrap="none" rtlCol="0">
-                <a:spAutoFit/>
-              </a:bodyPr>
-              <a:lstStyle/>
-              <a:p>
-                <a:pPr algn="ctr"/>
-                <a:r>
-                  <a:rPr lang="en-GB" b="1" dirty="0" smtClean="0">
-                    <a:solidFill>
-                      <a:prstClr val="black"/>
-                    </a:solidFill>
-                  </a:rPr>
-                  <a:t>Data aggregation</a:t>
-                </a:r>
-              </a:p>
-              <a:p>
-                <a:pPr algn="ctr"/>
-                <a:r>
-                  <a:rPr lang="en-GB" sz="1400" dirty="0" smtClean="0">
-                    <a:solidFill>
-                      <a:prstClr val="black"/>
-                    </a:solidFill>
-                  </a:rPr>
-                  <a:t>on a phone </a:t>
-                </a:r>
-                <a:r>
-                  <a:rPr lang="en-GB" sz="1400" dirty="0">
-                    <a:solidFill>
-                      <a:prstClr val="black"/>
-                    </a:solidFill>
-                  </a:rPr>
-                  <a:t>running</a:t>
-                </a:r>
-              </a:p>
-              <a:p>
-                <a:pPr algn="ctr"/>
-                <a:r>
-                  <a:rPr lang="en-GB" sz="1400" i="1" dirty="0" err="1">
-                    <a:solidFill>
-                      <a:prstClr val="black"/>
-                    </a:solidFill>
-                  </a:rPr>
-                  <a:t>Sapelli</a:t>
-                </a:r>
-                <a:r>
-                  <a:rPr lang="en-GB" sz="1400" i="1" dirty="0">
-                    <a:solidFill>
-                      <a:prstClr val="black"/>
-                    </a:solidFill>
-                  </a:rPr>
-                  <a:t> Collector</a:t>
-                </a:r>
-              </a:p>
-            </p:txBody>
-          </p:sp>
-        </p:grpSp>
-        <p:grpSp>
-          <p:nvGrpSpPr>
-            <p:cNvPr id="48" name="Group 47"/>
-            <p:cNvGrpSpPr/>
-            <p:nvPr/>
-          </p:nvGrpSpPr>
-          <p:grpSpPr>
-            <a:xfrm>
-              <a:off x="2339937" y="2378369"/>
-              <a:ext cx="2340000" cy="957994"/>
-              <a:chOff x="2356741" y="1856631"/>
-              <a:chExt cx="2340000" cy="957994"/>
-            </a:xfrm>
-          </p:grpSpPr>
-          <p:pic>
-            <p:nvPicPr>
-              <p:cNvPr id="83" name="Picture 2" descr="https://twimg0-a.akamaihd.net/profile_images/1266620046/celltower_icon.png"/>
-              <p:cNvPicPr>
-                <a:picLocks noChangeAspect="1" noChangeArrowheads="1"/>
-              </p:cNvPicPr>
-              <p:nvPr/>
-            </p:nvPicPr>
-            <p:blipFill>
-              <a:blip r:embed="rId4">
-                <a:extLst>
-                  <a:ext uri="{28A0092B-C50C-407E-A947-70E740481C1C}">
-                    <a14:useLocalDpi xmlns:a14="http://schemas.microsoft.com/office/drawing/2010/main" val="0"/>
-                  </a:ext>
-                </a:extLst>
-              </a:blip>
-              <a:srcRect/>
-              <a:stretch>
-                <a:fillRect/>
-              </a:stretch>
-            </p:blipFill>
-            <p:spPr bwMode="auto">
-              <a:xfrm>
-                <a:off x="3156066" y="1856631"/>
-                <a:ext cx="629999" cy="630000"/>
-              </a:xfrm>
-              <a:prstGeom prst="rect">
-                <a:avLst/>
-              </a:prstGeom>
-              <a:noFill/>
-              <a:extLst>
-                <a:ext uri="{909E8E84-426E-40DD-AFC4-6F175D3DCCD1}">
-                  <a14:hiddenFill xmlns:a14="http://schemas.microsoft.com/office/drawing/2010/main">
-                    <a:solidFill>
-                      <a:srgbClr val="FFFFFF"/>
-                    </a:solidFill>
-                  </a14:hiddenFill>
-                </a:ext>
-              </a:extLst>
-            </p:spPr>
-          </p:pic>
           <p:cxnSp>
             <p:nvCxnSpPr>
-              <p:cNvPr id="84" name="Gerade Verbindung mit Pfeil 10"/>
+              <p:cNvPr id="51" name="Gerade Verbindung mit Pfeil 10"/>
               <p:cNvCxnSpPr/>
               <p:nvPr/>
             </p:nvCxnSpPr>
             <p:spPr>
               <a:xfrm>
-                <a:off x="2356741" y="2069674"/>
-                <a:ext cx="2340000" cy="0"/>
+                <a:off x="2352264" y="3271628"/>
+                <a:ext cx="2668090" cy="0"/>
               </a:xfrm>
               <a:prstGeom prst="straightConnector1">
                 <a:avLst/>
               </a:prstGeom>
-              <a:ln>
+              <a:ln w="12700">
                 <a:tailEnd type="arrow"/>
               </a:ln>
             </p:spPr>
@@ -3845,19 +4125,19 @@
           </p:cxnSp>
           <p:cxnSp>
             <p:nvCxnSpPr>
-              <p:cNvPr id="85" name="Gerade Verbindung mit Pfeil 11"/>
+              <p:cNvPr id="52" name="Gerade Verbindung mit Pfeil 11"/>
               <p:cNvCxnSpPr/>
               <p:nvPr/>
             </p:nvCxnSpPr>
             <p:spPr>
               <a:xfrm flipH="1">
-                <a:off x="2356741" y="2279963"/>
-                <a:ext cx="2340000" cy="0"/>
+                <a:off x="2352264" y="3522437"/>
+                <a:ext cx="2668090" cy="0"/>
               </a:xfrm>
               <a:prstGeom prst="straightConnector1">
                 <a:avLst/>
               </a:prstGeom>
-              <a:ln>
+              <a:ln w="12700">
                 <a:prstDash val="sysDash"/>
                 <a:tailEnd type="arrow"/>
               </a:ln>
@@ -3877,621 +4157,349 @@
               </a:fontRef>
             </p:style>
           </p:cxnSp>
-          <p:sp>
-            <p:nvSpPr>
-              <p:cNvPr id="86" name="TextBox 85"/>
-              <p:cNvSpPr txBox="1"/>
-              <p:nvPr/>
-            </p:nvSpPr>
-            <p:spPr>
-              <a:xfrm>
-                <a:off x="2772861" y="2476071"/>
-                <a:ext cx="1396408" cy="338554"/>
-              </a:xfrm>
-              <a:prstGeom prst="rect">
-                <a:avLst/>
-              </a:prstGeom>
-              <a:noFill/>
-            </p:spPr>
-            <p:txBody>
-              <a:bodyPr wrap="none" rtlCol="0">
-                <a:spAutoFit/>
-              </a:bodyPr>
-              <a:lstStyle/>
-              <a:p>
-                <a:pPr algn="ctr"/>
-                <a:r>
-                  <a:rPr lang="en-GB" sz="1600" dirty="0">
-                    <a:solidFill>
-                      <a:prstClr val="black"/>
-                    </a:solidFill>
-                  </a:rPr>
-                  <a:t>SMS messages</a:t>
-                </a:r>
-              </a:p>
-            </p:txBody>
-          </p:sp>
         </p:grpSp>
-        <p:grpSp>
-          <p:nvGrpSpPr>
-            <p:cNvPr id="49" name="Group 48"/>
-            <p:cNvGrpSpPr/>
+        <p:pic>
+          <p:nvPicPr>
+            <p:cNvPr id="50" name="Picture 49"/>
+            <p:cNvPicPr>
+              <a:picLocks noChangeAspect="1"/>
+            </p:cNvPicPr>
             <p:nvPr/>
-          </p:nvGrpSpPr>
-          <p:grpSpPr>
-            <a:xfrm>
-              <a:off x="416046" y="1705792"/>
-              <a:ext cx="2041238" cy="2558546"/>
-              <a:chOff x="1409025" y="1471956"/>
-              <a:chExt cx="2041238" cy="2558546"/>
-            </a:xfrm>
-          </p:grpSpPr>
-          <p:sp>
-            <p:nvSpPr>
-              <p:cNvPr id="78" name="TextBox 77"/>
-              <p:cNvSpPr txBox="1"/>
-              <p:nvPr/>
-            </p:nvSpPr>
-            <p:spPr>
-              <a:xfrm>
-                <a:off x="1499664" y="3230283"/>
-                <a:ext cx="1950599" cy="800219"/>
-              </a:xfrm>
-              <a:prstGeom prst="rect">
-                <a:avLst/>
-              </a:prstGeom>
-              <a:noFill/>
-            </p:spPr>
-            <p:txBody>
-              <a:bodyPr wrap="none" rtlCol="0">
-                <a:spAutoFit/>
-              </a:bodyPr>
-              <a:lstStyle/>
-              <a:p>
-                <a:pPr algn="ctr"/>
-                <a:r>
-                  <a:rPr lang="en-GB" b="1" dirty="0" smtClean="0">
-                    <a:solidFill>
-                      <a:prstClr val="black"/>
-                    </a:solidFill>
-                  </a:rPr>
-                  <a:t>Data collection</a:t>
-                </a:r>
-              </a:p>
-              <a:p>
-                <a:pPr algn="ctr"/>
-                <a:r>
-                  <a:rPr lang="en-GB" sz="1400" dirty="0" smtClean="0">
-                    <a:solidFill>
-                      <a:prstClr val="black"/>
-                    </a:solidFill>
-                  </a:rPr>
-                  <a:t>on 1 or more phones</a:t>
-                </a:r>
-              </a:p>
-              <a:p>
-                <a:pPr algn="ctr"/>
-                <a:r>
-                  <a:rPr lang="en-GB" sz="1400" dirty="0">
-                    <a:solidFill>
-                      <a:prstClr val="black"/>
-                    </a:solidFill>
-                  </a:rPr>
-                  <a:t>r</a:t>
-                </a:r>
-                <a:r>
-                  <a:rPr lang="en-GB" sz="1400" dirty="0" smtClean="0">
-                    <a:solidFill>
-                      <a:prstClr val="black"/>
-                    </a:solidFill>
-                  </a:rPr>
-                  <a:t>unning </a:t>
-                </a:r>
-                <a:r>
-                  <a:rPr lang="en-GB" sz="1400" i="1" dirty="0" smtClean="0">
-                    <a:solidFill>
-                      <a:prstClr val="black"/>
-                    </a:solidFill>
-                  </a:rPr>
-                  <a:t>Sapelli Collector</a:t>
-                </a:r>
-                <a:endParaRPr lang="en-GB" sz="1400" dirty="0">
-                  <a:solidFill>
-                    <a:prstClr val="black"/>
-                  </a:solidFill>
-                </a:endParaRPr>
-              </a:p>
-            </p:txBody>
-          </p:sp>
-          <p:pic>
-            <p:nvPicPr>
-              <p:cNvPr id="79" name="Picture 78"/>
-              <p:cNvPicPr>
-                <a:picLocks noChangeAspect="1"/>
-              </p:cNvPicPr>
-              <p:nvPr/>
-            </p:nvPicPr>
-            <p:blipFill>
-              <a:blip r:embed="rId3">
-                <a:extLst>
-                  <a:ext uri="{28A0092B-C50C-407E-A947-70E740481C1C}">
-                    <a14:useLocalDpi xmlns:a14="http://schemas.microsoft.com/office/drawing/2010/main" val="0"/>
-                  </a:ext>
-                </a:extLst>
-              </a:blip>
-              <a:stretch>
-                <a:fillRect/>
-              </a:stretch>
-            </p:blipFill>
-            <p:spPr>
-              <a:xfrm>
-                <a:off x="1409025" y="1471956"/>
-                <a:ext cx="1301127" cy="1301127"/>
-              </a:xfrm>
-              <a:prstGeom prst="rect">
-                <a:avLst/>
-              </a:prstGeom>
-            </p:spPr>
-          </p:pic>
-          <p:pic>
-            <p:nvPicPr>
-              <p:cNvPr id="80" name="Picture 79"/>
-              <p:cNvPicPr>
-                <a:picLocks noChangeAspect="1"/>
-              </p:cNvPicPr>
-              <p:nvPr/>
-            </p:nvPicPr>
-            <p:blipFill>
-              <a:blip r:embed="rId3">
-                <a:extLst>
-                  <a:ext uri="{28A0092B-C50C-407E-A947-70E740481C1C}">
-                    <a14:useLocalDpi xmlns:a14="http://schemas.microsoft.com/office/drawing/2010/main" val="0"/>
-                  </a:ext>
-                </a:extLst>
-              </a:blip>
-              <a:stretch>
-                <a:fillRect/>
-              </a:stretch>
-            </p:blipFill>
-            <p:spPr>
-              <a:xfrm>
-                <a:off x="1561425" y="1624356"/>
-                <a:ext cx="1301127" cy="1301127"/>
-              </a:xfrm>
-              <a:prstGeom prst="rect">
-                <a:avLst/>
-              </a:prstGeom>
-            </p:spPr>
-          </p:pic>
-          <p:pic>
-            <p:nvPicPr>
-              <p:cNvPr id="81" name="Picture 80"/>
-              <p:cNvPicPr>
-                <a:picLocks noChangeAspect="1"/>
-              </p:cNvPicPr>
-              <p:nvPr/>
-            </p:nvPicPr>
-            <p:blipFill>
-              <a:blip r:embed="rId3">
-                <a:extLst>
-                  <a:ext uri="{28A0092B-C50C-407E-A947-70E740481C1C}">
-                    <a14:useLocalDpi xmlns:a14="http://schemas.microsoft.com/office/drawing/2010/main" val="0"/>
-                  </a:ext>
-                </a:extLst>
-              </a:blip>
-              <a:stretch>
-                <a:fillRect/>
-              </a:stretch>
-            </p:blipFill>
-            <p:spPr>
-              <a:xfrm>
-                <a:off x="1713825" y="1776756"/>
-                <a:ext cx="1301127" cy="1301127"/>
-              </a:xfrm>
-              <a:prstGeom prst="rect">
-                <a:avLst/>
-              </a:prstGeom>
-            </p:spPr>
-          </p:pic>
-          <p:pic>
-            <p:nvPicPr>
-              <p:cNvPr id="82" name="Picture 81"/>
-              <p:cNvPicPr>
-                <a:picLocks noChangeAspect="1"/>
-              </p:cNvPicPr>
-              <p:nvPr/>
-            </p:nvPicPr>
-            <p:blipFill>
-              <a:blip r:embed="rId3">
-                <a:extLst>
-                  <a:ext uri="{28A0092B-C50C-407E-A947-70E740481C1C}">
-                    <a14:useLocalDpi xmlns:a14="http://schemas.microsoft.com/office/drawing/2010/main" val="0"/>
-                  </a:ext>
-                </a:extLst>
-              </a:blip>
-              <a:stretch>
-                <a:fillRect/>
-              </a:stretch>
-            </p:blipFill>
-            <p:spPr>
-              <a:xfrm>
-                <a:off x="1866225" y="1929156"/>
-                <a:ext cx="1301127" cy="1301127"/>
-              </a:xfrm>
-              <a:prstGeom prst="rect">
-                <a:avLst/>
-              </a:prstGeom>
-            </p:spPr>
-          </p:pic>
-        </p:grpSp>
-        <p:grpSp>
-          <p:nvGrpSpPr>
-            <p:cNvPr id="64" name="Group 63"/>
-            <p:cNvGrpSpPr/>
-            <p:nvPr/>
-          </p:nvGrpSpPr>
-          <p:grpSpPr>
-            <a:xfrm>
-              <a:off x="1360705" y="4388257"/>
-              <a:ext cx="1631152" cy="1547323"/>
-              <a:chOff x="507647" y="4256525"/>
-              <a:chExt cx="2760251" cy="2052795"/>
-            </a:xfrm>
-          </p:grpSpPr>
-          <p:sp>
-            <p:nvSpPr>
-              <p:cNvPr id="76" name="Bent Arrow 75"/>
-              <p:cNvSpPr/>
-              <p:nvPr/>
-            </p:nvSpPr>
-            <p:spPr>
-              <a:xfrm rot="10800000" flipH="1">
-                <a:off x="507647" y="4256525"/>
-                <a:ext cx="2760251" cy="2052795"/>
-              </a:xfrm>
-              <a:prstGeom prst="bentArrow">
-                <a:avLst>
-                  <a:gd name="adj1" fmla="val 6174"/>
-                  <a:gd name="adj2" fmla="val 7493"/>
-                  <a:gd name="adj3" fmla="val 17360"/>
-                  <a:gd name="adj4" fmla="val 23378"/>
-                </a:avLst>
-              </a:prstGeom>
-            </p:spPr>
-            <p:style>
-              <a:lnRef idx="2">
-                <a:schemeClr val="accent1">
-                  <a:shade val="50000"/>
-                </a:schemeClr>
-              </a:lnRef>
-              <a:fillRef idx="1">
-                <a:schemeClr val="accent1"/>
-              </a:fillRef>
-              <a:effectRef idx="0">
-                <a:schemeClr val="accent1"/>
-              </a:effectRef>
-              <a:fontRef idx="minor">
-                <a:schemeClr val="lt1"/>
-              </a:fontRef>
-            </p:style>
-            <p:txBody>
-              <a:bodyPr rtlCol="0" anchor="ctr"/>
-              <a:lstStyle/>
-              <a:p>
-                <a:pPr algn="ctr"/>
-                <a:endParaRPr lang="en-GB">
-                  <a:solidFill>
-                    <a:prstClr val="black"/>
-                  </a:solidFill>
-                </a:endParaRPr>
-              </a:p>
-            </p:txBody>
-          </p:sp>
-          <p:sp>
-            <p:nvSpPr>
-              <p:cNvPr id="77" name="TextBox 76"/>
-              <p:cNvSpPr txBox="1"/>
-              <p:nvPr/>
-            </p:nvSpPr>
-            <p:spPr>
-              <a:xfrm>
-                <a:off x="705663" y="5209570"/>
-                <a:ext cx="2308653" cy="694143"/>
-              </a:xfrm>
-              <a:prstGeom prst="rect">
-                <a:avLst/>
-              </a:prstGeom>
-              <a:noFill/>
-            </p:spPr>
-            <p:txBody>
-              <a:bodyPr wrap="none" rtlCol="0">
-                <a:spAutoFit/>
-              </a:bodyPr>
-              <a:lstStyle/>
-              <a:p>
-                <a:pPr algn="ctr"/>
-                <a:r>
-                  <a:rPr lang="en-GB" sz="1400" dirty="0" smtClean="0">
-                    <a:solidFill>
-                      <a:prstClr val="black"/>
-                    </a:solidFill>
-                  </a:rPr>
-                  <a:t>Export collected</a:t>
-                </a:r>
-              </a:p>
-              <a:p>
-                <a:pPr algn="ctr"/>
-                <a:r>
-                  <a:rPr lang="en-GB" sz="1400" dirty="0" smtClean="0">
-                    <a:solidFill>
-                      <a:prstClr val="black"/>
-                    </a:solidFill>
-                  </a:rPr>
-                  <a:t>data to file(s)</a:t>
-                </a:r>
-                <a:endParaRPr lang="en-GB" sz="1400" dirty="0">
-                  <a:solidFill>
-                    <a:prstClr val="black"/>
-                  </a:solidFill>
-                </a:endParaRPr>
-              </a:p>
-            </p:txBody>
-          </p:sp>
-        </p:grpSp>
-        <p:grpSp>
-          <p:nvGrpSpPr>
-            <p:cNvPr id="65" name="Group 64"/>
-            <p:cNvGrpSpPr/>
-            <p:nvPr/>
-          </p:nvGrpSpPr>
-          <p:grpSpPr>
-            <a:xfrm>
-              <a:off x="2923799" y="4946401"/>
-              <a:ext cx="900000" cy="1800000"/>
-              <a:chOff x="2965178" y="4919828"/>
-              <a:chExt cx="900000" cy="1800000"/>
-            </a:xfrm>
-          </p:grpSpPr>
-          <p:pic>
-            <p:nvPicPr>
-              <p:cNvPr id="74" name="Picture 73"/>
-              <p:cNvPicPr>
-                <a:picLocks noChangeAspect="1"/>
-              </p:cNvPicPr>
-              <p:nvPr/>
-            </p:nvPicPr>
-            <p:blipFill>
-              <a:blip r:embed="rId5" cstate="print">
-                <a:extLst>
-                  <a:ext uri="{28A0092B-C50C-407E-A947-70E740481C1C}">
-                    <a14:useLocalDpi xmlns:a14="http://schemas.microsoft.com/office/drawing/2010/main" val="0"/>
-                  </a:ext>
-                </a:extLst>
-              </a:blip>
-              <a:stretch>
-                <a:fillRect/>
-              </a:stretch>
-            </p:blipFill>
-            <p:spPr>
-              <a:xfrm>
-                <a:off x="2965178" y="5819828"/>
-                <a:ext cx="900000" cy="900000"/>
-              </a:xfrm>
-              <a:prstGeom prst="rect">
-                <a:avLst/>
-              </a:prstGeom>
-            </p:spPr>
-          </p:pic>
-          <p:pic>
-            <p:nvPicPr>
-              <p:cNvPr id="75" name="Picture 74"/>
-              <p:cNvPicPr>
-                <a:picLocks noChangeAspect="1"/>
-              </p:cNvPicPr>
-              <p:nvPr/>
-            </p:nvPicPr>
-            <p:blipFill>
-              <a:blip r:embed="rId6" cstate="print">
-                <a:extLst>
-                  <a:ext uri="{28A0092B-C50C-407E-A947-70E740481C1C}">
-                    <a14:useLocalDpi xmlns:a14="http://schemas.microsoft.com/office/drawing/2010/main" val="0"/>
-                  </a:ext>
-                </a:extLst>
-              </a:blip>
-              <a:stretch>
-                <a:fillRect/>
-              </a:stretch>
-            </p:blipFill>
-            <p:spPr>
-              <a:xfrm>
-                <a:off x="2965178" y="4919828"/>
-                <a:ext cx="900000" cy="900000"/>
-              </a:xfrm>
-              <a:prstGeom prst="rect">
-                <a:avLst/>
-              </a:prstGeom>
-            </p:spPr>
-          </p:pic>
-        </p:grpSp>
-        <p:grpSp>
-          <p:nvGrpSpPr>
-            <p:cNvPr id="66" name="Group 65"/>
-            <p:cNvGrpSpPr/>
-            <p:nvPr/>
-          </p:nvGrpSpPr>
-          <p:grpSpPr>
-            <a:xfrm flipH="1">
-              <a:off x="3905594" y="4388256"/>
-              <a:ext cx="1631152" cy="1547323"/>
-              <a:chOff x="507647" y="4256525"/>
-              <a:chExt cx="2760251" cy="2052795"/>
-            </a:xfrm>
-          </p:grpSpPr>
-          <p:sp>
-            <p:nvSpPr>
-              <p:cNvPr id="72" name="Bent Arrow 71"/>
-              <p:cNvSpPr/>
-              <p:nvPr/>
-            </p:nvSpPr>
-            <p:spPr>
-              <a:xfrm rot="10800000" flipH="1">
-                <a:off x="507647" y="4256525"/>
-                <a:ext cx="2760251" cy="2052795"/>
-              </a:xfrm>
-              <a:prstGeom prst="bentArrow">
-                <a:avLst>
-                  <a:gd name="adj1" fmla="val 6174"/>
-                  <a:gd name="adj2" fmla="val 7493"/>
-                  <a:gd name="adj3" fmla="val 17360"/>
-                  <a:gd name="adj4" fmla="val 23378"/>
-                </a:avLst>
-              </a:prstGeom>
-            </p:spPr>
-            <p:style>
-              <a:lnRef idx="2">
-                <a:schemeClr val="accent1">
-                  <a:shade val="50000"/>
-                </a:schemeClr>
-              </a:lnRef>
-              <a:fillRef idx="1">
-                <a:schemeClr val="accent1"/>
-              </a:fillRef>
-              <a:effectRef idx="0">
-                <a:schemeClr val="accent1"/>
-              </a:effectRef>
-              <a:fontRef idx="minor">
-                <a:schemeClr val="lt1"/>
-              </a:fontRef>
-            </p:style>
-            <p:txBody>
-              <a:bodyPr rtlCol="0" anchor="ctr"/>
-              <a:lstStyle/>
-              <a:p>
-                <a:pPr algn="ctr"/>
-                <a:endParaRPr lang="en-GB">
-                  <a:solidFill>
-                    <a:prstClr val="black"/>
-                  </a:solidFill>
-                </a:endParaRPr>
-              </a:p>
-            </p:txBody>
-          </p:sp>
-          <p:sp>
-            <p:nvSpPr>
-              <p:cNvPr id="73" name="TextBox 72"/>
-              <p:cNvSpPr txBox="1"/>
-              <p:nvPr/>
-            </p:nvSpPr>
-            <p:spPr>
-              <a:xfrm>
-                <a:off x="572251" y="5209570"/>
-                <a:ext cx="2575466" cy="694143"/>
-              </a:xfrm>
-              <a:prstGeom prst="rect">
-                <a:avLst/>
-              </a:prstGeom>
-              <a:noFill/>
-            </p:spPr>
-            <p:txBody>
-              <a:bodyPr wrap="none" rtlCol="0">
-                <a:spAutoFit/>
-              </a:bodyPr>
-              <a:lstStyle/>
-              <a:p>
-                <a:pPr algn="ctr"/>
-                <a:r>
-                  <a:rPr lang="en-GB" sz="1400" dirty="0" smtClean="0">
-                    <a:solidFill>
-                      <a:prstClr val="black"/>
-                    </a:solidFill>
-                  </a:rPr>
-                  <a:t>Export aggregated</a:t>
-                </a:r>
-              </a:p>
-              <a:p>
-                <a:pPr algn="ctr"/>
-                <a:r>
-                  <a:rPr lang="en-GB" sz="1400" dirty="0" smtClean="0">
-                    <a:solidFill>
-                      <a:prstClr val="black"/>
-                    </a:solidFill>
-                  </a:rPr>
-                  <a:t>data to file(s)</a:t>
-                </a:r>
-                <a:endParaRPr lang="en-GB" sz="1400" dirty="0">
-                  <a:solidFill>
-                    <a:prstClr val="black"/>
-                  </a:solidFill>
-                </a:endParaRPr>
-              </a:p>
-            </p:txBody>
-          </p:sp>
-        </p:grpSp>
-        <p:sp>
-          <p:nvSpPr>
-            <p:cNvPr id="67" name="TextBox 66"/>
-            <p:cNvSpPr txBox="1"/>
-            <p:nvPr/>
-          </p:nvSpPr>
+          </p:nvPicPr>
+          <p:blipFill>
+            <a:blip r:embed="rId2" cstate="print">
+              <a:extLst>
+                <a:ext uri="{28A0092B-C50C-407E-A947-70E740481C1C}">
+                  <a14:useLocalDpi xmlns:a14="http://schemas.microsoft.com/office/drawing/2010/main" val="0"/>
+                </a:ext>
+              </a:extLst>
+            </a:blip>
+            <a:stretch>
+              <a:fillRect/>
+            </a:stretch>
+          </p:blipFill>
           <p:spPr>
             <a:xfrm>
-              <a:off x="4505134" y="6034790"/>
-              <a:ext cx="3198632" cy="523220"/>
+              <a:off x="3306224" y="3029822"/>
+              <a:ext cx="662439" cy="752400"/>
             </a:xfrm>
             <a:prstGeom prst="rect">
               <a:avLst/>
             </a:prstGeom>
-            <a:noFill/>
+            <a:effectLst>
+              <a:glow rad="38100">
+                <a:schemeClr val="bg1">
+                  <a:alpha val="50000"/>
+                </a:schemeClr>
+              </a:glow>
+            </a:effectLst>
           </p:spPr>
-          <p:txBody>
-            <a:bodyPr wrap="none" rtlCol="0">
-              <a:spAutoFit/>
-            </a:bodyPr>
-            <a:lstStyle/>
-            <a:p>
-              <a:pPr algn="ctr"/>
-              <a:r>
-                <a:rPr lang="en-GB" sz="1400" dirty="0" smtClean="0">
-                  <a:solidFill>
-                    <a:prstClr val="black"/>
-                  </a:solidFill>
-                </a:rPr>
-                <a:t>Use in spreadsheet (e.g. Excel), database,</a:t>
-              </a:r>
-            </a:p>
-            <a:p>
-              <a:pPr algn="ctr"/>
-              <a:r>
-                <a:rPr lang="en-GB" sz="1400" dirty="0" smtClean="0">
-                  <a:solidFill>
-                    <a:prstClr val="black"/>
-                  </a:solidFill>
-                </a:rPr>
-                <a:t>or GIS software (e.g. QGIS, ArcGIS)</a:t>
-              </a:r>
-              <a:endParaRPr lang="en-GB" sz="1400" dirty="0">
+        </p:pic>
+      </p:grpSp>
+      <p:sp>
+        <p:nvSpPr>
+          <p:cNvPr id="91" name="TextBox 90"/>
+          <p:cNvSpPr txBox="1"/>
+          <p:nvPr/>
+        </p:nvSpPr>
+        <p:spPr>
+          <a:xfrm>
+            <a:off x="119256" y="3799435"/>
+            <a:ext cx="1950599" cy="800219"/>
+          </a:xfrm>
+          <a:prstGeom prst="rect">
+            <a:avLst/>
+          </a:prstGeom>
+          <a:noFill/>
+        </p:spPr>
+        <p:txBody>
+          <a:bodyPr wrap="none" rtlCol="0">
+            <a:spAutoFit/>
+          </a:bodyPr>
+          <a:lstStyle/>
+          <a:p>
+            <a:pPr algn="ctr"/>
+            <a:r>
+              <a:rPr lang="en-GB" b="1" dirty="0" smtClean="0">
                 <a:solidFill>
                   <a:prstClr val="black"/>
                 </a:solidFill>
-              </a:endParaRPr>
-            </a:p>
-          </p:txBody>
-        </p:sp>
+              </a:rPr>
+              <a:t>Data collection</a:t>
+            </a:r>
+          </a:p>
+          <a:p>
+            <a:pPr algn="ctr"/>
+            <a:r>
+              <a:rPr lang="en-GB" sz="1400" dirty="0" smtClean="0">
+                <a:solidFill>
+                  <a:prstClr val="black"/>
+                </a:solidFill>
+              </a:rPr>
+              <a:t>on 1 or more devices</a:t>
+            </a:r>
+          </a:p>
+          <a:p>
+            <a:pPr algn="ctr"/>
+            <a:r>
+              <a:rPr lang="en-GB" sz="1400" dirty="0">
+                <a:solidFill>
+                  <a:prstClr val="black"/>
+                </a:solidFill>
+              </a:rPr>
+              <a:t>r</a:t>
+            </a:r>
+            <a:r>
+              <a:rPr lang="en-GB" sz="1400" dirty="0" smtClean="0">
+                <a:solidFill>
+                  <a:prstClr val="black"/>
+                </a:solidFill>
+              </a:rPr>
+              <a:t>unning </a:t>
+            </a:r>
+            <a:r>
+              <a:rPr lang="en-GB" sz="1400" i="1" dirty="0" smtClean="0">
+                <a:solidFill>
+                  <a:prstClr val="black"/>
+                </a:solidFill>
+              </a:rPr>
+              <a:t>Sapelli Collector</a:t>
+            </a:r>
+            <a:endParaRPr lang="en-GB" sz="1400" dirty="0">
+              <a:solidFill>
+                <a:prstClr val="black"/>
+              </a:solidFill>
+            </a:endParaRPr>
+          </a:p>
+        </p:txBody>
+      </p:sp>
+      <p:grpSp>
+        <p:nvGrpSpPr>
+          <p:cNvPr id="13" name="Group 12"/>
+          <p:cNvGrpSpPr/>
+          <p:nvPr/>
+        </p:nvGrpSpPr>
+        <p:grpSpPr>
+          <a:xfrm>
+            <a:off x="528961" y="1997811"/>
+            <a:ext cx="1131188" cy="1807200"/>
+            <a:chOff x="528961" y="1997811"/>
+            <a:chExt cx="1131188" cy="1807200"/>
+          </a:xfrm>
+        </p:grpSpPr>
+        <p:pic>
+          <p:nvPicPr>
+            <p:cNvPr id="80" name="Picture 79"/>
+            <p:cNvPicPr>
+              <a:picLocks noChangeAspect="1"/>
+            </p:cNvPicPr>
+            <p:nvPr/>
+          </p:nvPicPr>
+          <p:blipFill>
+            <a:blip r:embed="rId3" cstate="print">
+              <a:extLst>
+                <a:ext uri="{28A0092B-C50C-407E-A947-70E740481C1C}">
+                  <a14:useLocalDpi xmlns:a14="http://schemas.microsoft.com/office/drawing/2010/main" val="0"/>
+                </a:ext>
+              </a:extLst>
+            </a:blip>
+            <a:stretch>
+              <a:fillRect/>
+            </a:stretch>
+          </p:blipFill>
+          <p:spPr>
+            <a:xfrm>
+              <a:off x="528961" y="1997811"/>
+              <a:ext cx="673988" cy="1350000"/>
+            </a:xfrm>
+            <a:prstGeom prst="rect">
+              <a:avLst/>
+            </a:prstGeom>
+          </p:spPr>
+        </p:pic>
+        <p:pic>
+          <p:nvPicPr>
+            <p:cNvPr id="108" name="Picture 107"/>
+            <p:cNvPicPr>
+              <a:picLocks noChangeAspect="1"/>
+            </p:cNvPicPr>
+            <p:nvPr/>
+          </p:nvPicPr>
+          <p:blipFill>
+            <a:blip r:embed="rId3" cstate="print">
+              <a:extLst>
+                <a:ext uri="{28A0092B-C50C-407E-A947-70E740481C1C}">
+                  <a14:useLocalDpi xmlns:a14="http://schemas.microsoft.com/office/drawing/2010/main" val="0"/>
+                </a:ext>
+              </a:extLst>
+            </a:blip>
+            <a:stretch>
+              <a:fillRect/>
+            </a:stretch>
+          </p:blipFill>
+          <p:spPr>
+            <a:xfrm>
+              <a:off x="681361" y="2150211"/>
+              <a:ext cx="673988" cy="1350000"/>
+            </a:xfrm>
+            <a:prstGeom prst="rect">
+              <a:avLst/>
+            </a:prstGeom>
+          </p:spPr>
+        </p:pic>
+        <p:pic>
+          <p:nvPicPr>
+            <p:cNvPr id="109" name="Picture 108"/>
+            <p:cNvPicPr>
+              <a:picLocks noChangeAspect="1"/>
+            </p:cNvPicPr>
+            <p:nvPr/>
+          </p:nvPicPr>
+          <p:blipFill>
+            <a:blip r:embed="rId3" cstate="print">
+              <a:extLst>
+                <a:ext uri="{28A0092B-C50C-407E-A947-70E740481C1C}">
+                  <a14:useLocalDpi xmlns:a14="http://schemas.microsoft.com/office/drawing/2010/main" val="0"/>
+                </a:ext>
+              </a:extLst>
+            </a:blip>
+            <a:stretch>
+              <a:fillRect/>
+            </a:stretch>
+          </p:blipFill>
+          <p:spPr>
+            <a:xfrm>
+              <a:off x="833761" y="2302611"/>
+              <a:ext cx="673988" cy="1350000"/>
+            </a:xfrm>
+            <a:prstGeom prst="rect">
+              <a:avLst/>
+            </a:prstGeom>
+          </p:spPr>
+        </p:pic>
+        <p:pic>
+          <p:nvPicPr>
+            <p:cNvPr id="110" name="Picture 109"/>
+            <p:cNvPicPr>
+              <a:picLocks noChangeAspect="1"/>
+            </p:cNvPicPr>
+            <p:nvPr/>
+          </p:nvPicPr>
+          <p:blipFill>
+            <a:blip r:embed="rId3" cstate="print">
+              <a:extLst>
+                <a:ext uri="{28A0092B-C50C-407E-A947-70E740481C1C}">
+                  <a14:useLocalDpi xmlns:a14="http://schemas.microsoft.com/office/drawing/2010/main" val="0"/>
+                </a:ext>
+              </a:extLst>
+            </a:blip>
+            <a:stretch>
+              <a:fillRect/>
+            </a:stretch>
+          </p:blipFill>
+          <p:spPr>
+            <a:xfrm>
+              <a:off x="986161" y="2455011"/>
+              <a:ext cx="673988" cy="1350000"/>
+            </a:xfrm>
+            <a:prstGeom prst="rect">
+              <a:avLst/>
+            </a:prstGeom>
+          </p:spPr>
+        </p:pic>
+      </p:grpSp>
+      <p:pic>
+        <p:nvPicPr>
+          <p:cNvPr id="111" name="Picture 110"/>
+          <p:cNvPicPr>
+            <a:picLocks noChangeAspect="1"/>
+          </p:cNvPicPr>
+          <p:nvPr/>
+        </p:nvPicPr>
+        <p:blipFill>
+          <a:blip r:embed="rId3" cstate="print">
+            <a:extLst>
+              <a:ext uri="{28A0092B-C50C-407E-A947-70E740481C1C}">
+                <a14:useLocalDpi xmlns:a14="http://schemas.microsoft.com/office/drawing/2010/main" val="0"/>
+              </a:ext>
+            </a:extLst>
+          </a:blip>
+          <a:stretch>
+            <a:fillRect/>
+          </a:stretch>
+        </p:blipFill>
+        <p:spPr>
+          <a:xfrm>
+            <a:off x="5425079" y="2455011"/>
+            <a:ext cx="673988" cy="1350000"/>
+          </a:xfrm>
+          <a:prstGeom prst="rect">
+            <a:avLst/>
+          </a:prstGeom>
+        </p:spPr>
+      </p:pic>
+      <p:pic>
+        <p:nvPicPr>
+          <p:cNvPr id="112" name="Picture 111"/>
+          <p:cNvPicPr>
+            <a:picLocks noChangeAspect="1"/>
+          </p:cNvPicPr>
+          <p:nvPr/>
+        </p:nvPicPr>
+        <p:blipFill>
+          <a:blip r:embed="rId4" cstate="print">
+            <a:extLst>
+              <a:ext uri="{28A0092B-C50C-407E-A947-70E740481C1C}">
+                <a14:useLocalDpi xmlns:a14="http://schemas.microsoft.com/office/drawing/2010/main" val="0"/>
+              </a:ext>
+            </a:extLst>
+          </a:blip>
+          <a:stretch>
+            <a:fillRect/>
+          </a:stretch>
+        </p:blipFill>
+        <p:spPr>
+          <a:xfrm>
+            <a:off x="144000" y="144000"/>
+            <a:ext cx="986400" cy="1128658"/>
+          </a:xfrm>
+          <a:prstGeom prst="rect">
+            <a:avLst/>
+          </a:prstGeom>
+          <a:effectLst/>
+        </p:spPr>
+      </p:pic>
+      <p:grpSp>
+        <p:nvGrpSpPr>
+          <p:cNvPr id="46" name="Group 45"/>
+          <p:cNvGrpSpPr/>
+          <p:nvPr/>
+        </p:nvGrpSpPr>
+        <p:grpSpPr>
+          <a:xfrm>
+            <a:off x="1057275" y="4599654"/>
+            <a:ext cx="2159534" cy="1372746"/>
+            <a:chOff x="507647" y="4256525"/>
+            <a:chExt cx="2760251" cy="2052795"/>
+          </a:xfrm>
+        </p:grpSpPr>
         <p:sp>
           <p:nvSpPr>
-            <p:cNvPr id="68" name="Right Arrow 67"/>
+            <p:cNvPr id="53" name="Bent Arrow 52"/>
             <p:cNvSpPr/>
             <p:nvPr/>
           </p:nvSpPr>
           <p:spPr>
-            <a:xfrm>
-              <a:off x="3797876" y="6166747"/>
-              <a:ext cx="707258" cy="259307"/>
+            <a:xfrm rot="10800000" flipH="1">
+              <a:off x="507647" y="4256525"/>
+              <a:ext cx="2760251" cy="2052795"/>
             </a:xfrm>
-            <a:prstGeom prst="rightArrow">
+            <a:prstGeom prst="bentArrow">
               <a:avLst>
-                <a:gd name="adj1" fmla="val 37734"/>
-                <a:gd name="adj2" fmla="val 95995"/>
+                <a:gd name="adj1" fmla="val 6174"/>
+                <a:gd name="adj2" fmla="val 7493"/>
+                <a:gd name="adj3" fmla="val 17360"/>
+                <a:gd name="adj4" fmla="val 23378"/>
               </a:avLst>
             </a:prstGeom>
           </p:spPr>
@@ -4516,15 +4524,351 @@
             <a:lstStyle/>
             <a:p>
               <a:pPr algn="ctr"/>
-              <a:endParaRPr lang="en-GB"/>
+              <a:endParaRPr lang="en-GB">
+                <a:solidFill>
+                  <a:prstClr val="black"/>
+                </a:solidFill>
+              </a:endParaRPr>
+            </a:p>
+          </p:txBody>
+        </p:sp>
+        <p:sp>
+          <p:nvSpPr>
+            <p:cNvPr id="54" name="TextBox 53"/>
+            <p:cNvSpPr txBox="1"/>
+            <p:nvPr/>
+          </p:nvSpPr>
+          <p:spPr>
+            <a:xfrm>
+              <a:off x="601113" y="5209569"/>
+              <a:ext cx="2413204" cy="833383"/>
+            </a:xfrm>
+            <a:prstGeom prst="rect">
+              <a:avLst/>
+            </a:prstGeom>
+            <a:noFill/>
+          </p:spPr>
+          <p:txBody>
+            <a:bodyPr wrap="square" rtlCol="0">
+              <a:spAutoFit/>
+            </a:bodyPr>
+            <a:lstStyle/>
+            <a:p>
+              <a:pPr algn="ctr"/>
+              <a:r>
+                <a:rPr lang="en-GB" sz="1400" dirty="0" smtClean="0">
+                  <a:solidFill>
+                    <a:prstClr val="black"/>
+                  </a:solidFill>
+                </a:rPr>
+                <a:t>Export collected</a:t>
+              </a:r>
+            </a:p>
+            <a:p>
+              <a:pPr algn="ctr"/>
+              <a:r>
+                <a:rPr lang="en-GB" sz="1400" dirty="0" smtClean="0">
+                  <a:solidFill>
+                    <a:prstClr val="black"/>
+                  </a:solidFill>
+                </a:rPr>
+                <a:t>data to file(s)</a:t>
+              </a:r>
+              <a:endParaRPr lang="en-GB" sz="1400" dirty="0">
+                <a:solidFill>
+                  <a:prstClr val="black"/>
+                </a:solidFill>
+              </a:endParaRPr>
             </a:p>
           </p:txBody>
         </p:sp>
       </p:grpSp>
+      <p:grpSp>
+        <p:nvGrpSpPr>
+          <p:cNvPr id="55" name="Group 54"/>
+          <p:cNvGrpSpPr/>
+          <p:nvPr/>
+        </p:nvGrpSpPr>
+        <p:grpSpPr>
+          <a:xfrm>
+            <a:off x="3092614" y="4983409"/>
+            <a:ext cx="900000" cy="1800000"/>
+            <a:chOff x="2965178" y="4919828"/>
+            <a:chExt cx="900000" cy="1800000"/>
+          </a:xfrm>
+        </p:grpSpPr>
+        <p:pic>
+          <p:nvPicPr>
+            <p:cNvPr id="56" name="Picture 55"/>
+            <p:cNvPicPr>
+              <a:picLocks noChangeAspect="1"/>
+            </p:cNvPicPr>
+            <p:nvPr/>
+          </p:nvPicPr>
+          <p:blipFill>
+            <a:blip r:embed="rId5" cstate="print">
+              <a:extLst>
+                <a:ext uri="{28A0092B-C50C-407E-A947-70E740481C1C}">
+                  <a14:useLocalDpi xmlns:a14="http://schemas.microsoft.com/office/drawing/2010/main" val="0"/>
+                </a:ext>
+              </a:extLst>
+            </a:blip>
+            <a:stretch>
+              <a:fillRect/>
+            </a:stretch>
+          </p:blipFill>
+          <p:spPr>
+            <a:xfrm>
+              <a:off x="2965178" y="5819828"/>
+              <a:ext cx="900000" cy="900000"/>
+            </a:xfrm>
+            <a:prstGeom prst="rect">
+              <a:avLst/>
+            </a:prstGeom>
+          </p:spPr>
+        </p:pic>
+        <p:pic>
+          <p:nvPicPr>
+            <p:cNvPr id="57" name="Picture 56"/>
+            <p:cNvPicPr>
+              <a:picLocks noChangeAspect="1"/>
+            </p:cNvPicPr>
+            <p:nvPr/>
+          </p:nvPicPr>
+          <p:blipFill>
+            <a:blip r:embed="rId6" cstate="print">
+              <a:extLst>
+                <a:ext uri="{28A0092B-C50C-407E-A947-70E740481C1C}">
+                  <a14:useLocalDpi xmlns:a14="http://schemas.microsoft.com/office/drawing/2010/main" val="0"/>
+                </a:ext>
+              </a:extLst>
+            </a:blip>
+            <a:stretch>
+              <a:fillRect/>
+            </a:stretch>
+          </p:blipFill>
+          <p:spPr>
+            <a:xfrm>
+              <a:off x="2965178" y="4919828"/>
+              <a:ext cx="900000" cy="900000"/>
+            </a:xfrm>
+            <a:prstGeom prst="rect">
+              <a:avLst/>
+            </a:prstGeom>
+          </p:spPr>
+        </p:pic>
+      </p:grpSp>
+      <p:grpSp>
+        <p:nvGrpSpPr>
+          <p:cNvPr id="58" name="Group 57"/>
+          <p:cNvGrpSpPr/>
+          <p:nvPr/>
+        </p:nvGrpSpPr>
+        <p:grpSpPr>
+          <a:xfrm flipH="1">
+            <a:off x="3880286" y="4599654"/>
+            <a:ext cx="1936314" cy="1372933"/>
+            <a:chOff x="507647" y="4256525"/>
+            <a:chExt cx="2760251" cy="2052795"/>
+          </a:xfrm>
+        </p:grpSpPr>
+        <p:sp>
+          <p:nvSpPr>
+            <p:cNvPr id="59" name="Bent Arrow 58"/>
+            <p:cNvSpPr/>
+            <p:nvPr/>
+          </p:nvSpPr>
+          <p:spPr>
+            <a:xfrm rot="10800000" flipH="1">
+              <a:off x="507647" y="4256525"/>
+              <a:ext cx="2760251" cy="2052795"/>
+            </a:xfrm>
+            <a:prstGeom prst="bentArrow">
+              <a:avLst>
+                <a:gd name="adj1" fmla="val 6174"/>
+                <a:gd name="adj2" fmla="val 7493"/>
+                <a:gd name="adj3" fmla="val 17360"/>
+                <a:gd name="adj4" fmla="val 23378"/>
+              </a:avLst>
+            </a:prstGeom>
+          </p:spPr>
+          <p:style>
+            <a:lnRef idx="2">
+              <a:schemeClr val="accent1">
+                <a:shade val="50000"/>
+              </a:schemeClr>
+            </a:lnRef>
+            <a:fillRef idx="1">
+              <a:schemeClr val="accent1"/>
+            </a:fillRef>
+            <a:effectRef idx="0">
+              <a:schemeClr val="accent1"/>
+            </a:effectRef>
+            <a:fontRef idx="minor">
+              <a:schemeClr val="lt1"/>
+            </a:fontRef>
+          </p:style>
+          <p:txBody>
+            <a:bodyPr rtlCol="0" anchor="ctr"/>
+            <a:lstStyle/>
+            <a:p>
+              <a:pPr algn="ctr"/>
+              <a:endParaRPr lang="en-GB">
+                <a:solidFill>
+                  <a:prstClr val="black"/>
+                </a:solidFill>
+              </a:endParaRPr>
+            </a:p>
+          </p:txBody>
+        </p:sp>
+        <p:sp>
+          <p:nvSpPr>
+            <p:cNvPr id="60" name="TextBox 59"/>
+            <p:cNvSpPr txBox="1"/>
+            <p:nvPr/>
+          </p:nvSpPr>
+          <p:spPr>
+            <a:xfrm>
+              <a:off x="611745" y="5209570"/>
+              <a:ext cx="2390256" cy="834043"/>
+            </a:xfrm>
+            <a:prstGeom prst="rect">
+              <a:avLst/>
+            </a:prstGeom>
+            <a:noFill/>
+          </p:spPr>
+          <p:txBody>
+            <a:bodyPr wrap="square" rtlCol="0">
+              <a:spAutoFit/>
+            </a:bodyPr>
+            <a:lstStyle/>
+            <a:p>
+              <a:pPr algn="ctr"/>
+              <a:r>
+                <a:rPr lang="en-GB" sz="1400" dirty="0" smtClean="0">
+                  <a:solidFill>
+                    <a:prstClr val="black"/>
+                  </a:solidFill>
+                </a:rPr>
+                <a:t>Export aggregated</a:t>
+              </a:r>
+            </a:p>
+            <a:p>
+              <a:pPr algn="ctr"/>
+              <a:r>
+                <a:rPr lang="en-GB" sz="1400" dirty="0" smtClean="0">
+                  <a:solidFill>
+                    <a:prstClr val="black"/>
+                  </a:solidFill>
+                </a:rPr>
+                <a:t>data to file(s)</a:t>
+              </a:r>
+              <a:endParaRPr lang="en-GB" sz="1400" dirty="0">
+                <a:solidFill>
+                  <a:prstClr val="black"/>
+                </a:solidFill>
+              </a:endParaRPr>
+            </a:p>
+          </p:txBody>
+        </p:sp>
+      </p:grpSp>
+      <p:sp>
+        <p:nvSpPr>
+          <p:cNvPr id="61" name="TextBox 60"/>
+          <p:cNvSpPr txBox="1"/>
+          <p:nvPr/>
+        </p:nvSpPr>
+        <p:spPr>
+          <a:xfrm>
+            <a:off x="4850733" y="6071798"/>
+            <a:ext cx="3198632" cy="523220"/>
+          </a:xfrm>
+          <a:prstGeom prst="rect">
+            <a:avLst/>
+          </a:prstGeom>
+          <a:noFill/>
+        </p:spPr>
+        <p:txBody>
+          <a:bodyPr wrap="none" rtlCol="0">
+            <a:spAutoFit/>
+          </a:bodyPr>
+          <a:lstStyle/>
+          <a:p>
+            <a:pPr algn="ctr"/>
+            <a:r>
+              <a:rPr lang="en-GB" sz="1400" dirty="0" smtClean="0">
+                <a:solidFill>
+                  <a:prstClr val="black"/>
+                </a:solidFill>
+              </a:rPr>
+              <a:t>Use in spreadsheet (e.g. Excel), database,</a:t>
+            </a:r>
+          </a:p>
+          <a:p>
+            <a:pPr algn="ctr"/>
+            <a:r>
+              <a:rPr lang="en-GB" sz="1400" dirty="0" smtClean="0">
+                <a:solidFill>
+                  <a:prstClr val="black"/>
+                </a:solidFill>
+              </a:rPr>
+              <a:t>or GIS software (e.g. QGIS, ArcGIS)</a:t>
+            </a:r>
+            <a:endParaRPr lang="en-GB" sz="1400" dirty="0">
+              <a:solidFill>
+                <a:prstClr val="black"/>
+              </a:solidFill>
+            </a:endParaRPr>
+          </a:p>
+        </p:txBody>
+      </p:sp>
+      <p:sp>
+        <p:nvSpPr>
+          <p:cNvPr id="62" name="Right Arrow 61"/>
+          <p:cNvSpPr/>
+          <p:nvPr/>
+        </p:nvSpPr>
+        <p:spPr>
+          <a:xfrm>
+            <a:off x="3877995" y="6203754"/>
+            <a:ext cx="970447" cy="259307"/>
+          </a:xfrm>
+          <a:prstGeom prst="rightArrow">
+            <a:avLst>
+              <a:gd name="adj1" fmla="val 37734"/>
+              <a:gd name="adj2" fmla="val 95995"/>
+            </a:avLst>
+          </a:prstGeom>
+        </p:spPr>
+        <p:style>
+          <a:lnRef idx="2">
+            <a:schemeClr val="accent1">
+              <a:shade val="50000"/>
+            </a:schemeClr>
+          </a:lnRef>
+          <a:fillRef idx="1">
+            <a:schemeClr val="accent1"/>
+          </a:fillRef>
+          <a:effectRef idx="0">
+            <a:schemeClr val="accent1"/>
+          </a:effectRef>
+          <a:fontRef idx="minor">
+            <a:schemeClr val="lt1"/>
+          </a:fontRef>
+        </p:style>
+        <p:txBody>
+          <a:bodyPr rtlCol="0" anchor="ctr"/>
+          <a:lstStyle/>
+          <a:p>
+            <a:pPr algn="ctr"/>
+            <a:endParaRPr lang="en-GB"/>
+          </a:p>
+        </p:txBody>
+      </p:sp>
     </p:spTree>
     <p:extLst>
       <p:ext uri="{BB962C8B-B14F-4D97-AF65-F5344CB8AC3E}">
-        <p14:creationId xmlns:p14="http://schemas.microsoft.com/office/powerpoint/2010/main" val="1567223802"/>
+        <p14:creationId xmlns:p14="http://schemas.microsoft.com/office/powerpoint/2010/main" val="4142269526"/>
       </p:ext>
     </p:extLst>
   </p:cSld>
@@ -4589,1156 +4933,109 @@
           </a:p>
         </p:txBody>
       </p:sp>
-      <p:pic>
-        <p:nvPicPr>
-          <p:cNvPr id="81" name="Picture 80"/>
-          <p:cNvPicPr>
-            <a:picLocks noChangeAspect="1"/>
-          </p:cNvPicPr>
+      <p:sp>
+        <p:nvSpPr>
+          <p:cNvPr id="84" name="TextBox 83"/>
+          <p:cNvSpPr txBox="1"/>
           <p:nvPr/>
-        </p:nvPicPr>
-        <p:blipFill>
-          <a:blip r:embed="rId2" cstate="print">
-            <a:extLst>
-              <a:ext uri="{28A0092B-C50C-407E-A947-70E740481C1C}">
-                <a14:useLocalDpi xmlns:a14="http://schemas.microsoft.com/office/drawing/2010/main" val="0"/>
-              </a:ext>
-            </a:extLst>
-          </a:blip>
-          <a:stretch>
-            <a:fillRect/>
-          </a:stretch>
-        </p:blipFill>
+        </p:nvSpPr>
         <p:spPr>
           <a:xfrm>
-            <a:off x="158613" y="182667"/>
-            <a:ext cx="987158" cy="1129479"/>
+            <a:off x="4867936" y="3799435"/>
+            <a:ext cx="1815049" cy="800219"/>
           </a:xfrm>
           <a:prstGeom prst="rect">
             <a:avLst/>
           </a:prstGeom>
+          <a:noFill/>
         </p:spPr>
-      </p:pic>
+        <p:txBody>
+          <a:bodyPr wrap="none" rtlCol="0">
+            <a:spAutoFit/>
+          </a:bodyPr>
+          <a:lstStyle/>
+          <a:p>
+            <a:pPr algn="ctr"/>
+            <a:r>
+              <a:rPr lang="en-GB" b="1" dirty="0" smtClean="0">
+                <a:solidFill>
+                  <a:prstClr val="black"/>
+                </a:solidFill>
+              </a:rPr>
+              <a:t>Data aggregation</a:t>
+            </a:r>
+          </a:p>
+          <a:p>
+            <a:pPr algn="ctr"/>
+            <a:r>
+              <a:rPr lang="en-GB" sz="1400" dirty="0" smtClean="0">
+                <a:solidFill>
+                  <a:prstClr val="black"/>
+                </a:solidFill>
+              </a:rPr>
+              <a:t>on a device </a:t>
+            </a:r>
+            <a:r>
+              <a:rPr lang="en-GB" sz="1400" dirty="0">
+                <a:solidFill>
+                  <a:prstClr val="black"/>
+                </a:solidFill>
+              </a:rPr>
+              <a:t>running</a:t>
+            </a:r>
+          </a:p>
+          <a:p>
+            <a:pPr algn="ctr"/>
+            <a:r>
+              <a:rPr lang="en-GB" sz="1400" i="1" dirty="0" err="1">
+                <a:solidFill>
+                  <a:prstClr val="black"/>
+                </a:solidFill>
+              </a:rPr>
+              <a:t>Sapelli</a:t>
+            </a:r>
+            <a:r>
+              <a:rPr lang="en-GB" sz="1400" i="1" dirty="0">
+                <a:solidFill>
+                  <a:prstClr val="black"/>
+                </a:solidFill>
+              </a:rPr>
+              <a:t> Collector</a:t>
+            </a:r>
+          </a:p>
+        </p:txBody>
+      </p:sp>
       <p:grpSp>
         <p:nvGrpSpPr>
-          <p:cNvPr id="9" name="Group 8"/>
+          <p:cNvPr id="96" name="Group 95"/>
           <p:cNvGrpSpPr/>
           <p:nvPr/>
         </p:nvGrpSpPr>
         <p:grpSpPr>
           <a:xfrm>
-            <a:off x="761645" y="1508708"/>
-            <a:ext cx="10668710" cy="5237693"/>
-            <a:chOff x="416046" y="1508708"/>
-            <a:chExt cx="10668710" cy="5237693"/>
+            <a:off x="1057275" y="4599654"/>
+            <a:ext cx="2159534" cy="1372746"/>
+            <a:chOff x="507647" y="4256525"/>
+            <a:chExt cx="2760251" cy="2052795"/>
           </a:xfrm>
         </p:grpSpPr>
-        <p:grpSp>
-          <p:nvGrpSpPr>
-            <p:cNvPr id="6" name="Group 5"/>
-            <p:cNvGrpSpPr/>
-            <p:nvPr/>
-          </p:nvGrpSpPr>
-          <p:grpSpPr>
-            <a:xfrm>
-              <a:off x="6309957" y="1508708"/>
-              <a:ext cx="2340000" cy="1292993"/>
-              <a:chOff x="6460717" y="1525362"/>
-              <a:chExt cx="2340000" cy="1292993"/>
-            </a:xfrm>
-          </p:grpSpPr>
-          <p:cxnSp>
-            <p:nvCxnSpPr>
-              <p:cNvPr id="39" name="Gerade Verbindung mit Pfeil 10"/>
-              <p:cNvCxnSpPr/>
-              <p:nvPr/>
-            </p:nvCxnSpPr>
-            <p:spPr>
-              <a:xfrm>
-                <a:off x="6460717" y="2608066"/>
-                <a:ext cx="2340000" cy="0"/>
-              </a:xfrm>
-              <a:prstGeom prst="straightConnector1">
-                <a:avLst/>
-              </a:prstGeom>
-              <a:ln>
-                <a:tailEnd type="arrow"/>
-              </a:ln>
-            </p:spPr>
-            <p:style>
-              <a:lnRef idx="1">
-                <a:schemeClr val="accent1"/>
-              </a:lnRef>
-              <a:fillRef idx="0">
-                <a:schemeClr val="accent1"/>
-              </a:fillRef>
-              <a:effectRef idx="0">
-                <a:schemeClr val="accent1"/>
-              </a:effectRef>
-              <a:fontRef idx="minor">
-                <a:schemeClr val="tx1"/>
-              </a:fontRef>
-            </p:style>
-          </p:cxnSp>
-          <p:cxnSp>
-            <p:nvCxnSpPr>
-              <p:cNvPr id="40" name="Gerade Verbindung mit Pfeil 11"/>
-              <p:cNvCxnSpPr/>
-              <p:nvPr/>
-            </p:nvCxnSpPr>
-            <p:spPr>
-              <a:xfrm flipH="1">
-                <a:off x="6460717" y="2818355"/>
-                <a:ext cx="2340000" cy="0"/>
-              </a:xfrm>
-              <a:prstGeom prst="straightConnector1">
-                <a:avLst/>
-              </a:prstGeom>
-              <a:ln>
-                <a:prstDash val="sysDash"/>
-                <a:tailEnd type="arrow"/>
-              </a:ln>
-            </p:spPr>
-            <p:style>
-              <a:lnRef idx="1">
-                <a:schemeClr val="accent1"/>
-              </a:lnRef>
-              <a:fillRef idx="0">
-                <a:schemeClr val="accent1"/>
-              </a:fillRef>
-              <a:effectRef idx="0">
-                <a:schemeClr val="accent1"/>
-              </a:effectRef>
-              <a:fontRef idx="minor">
-                <a:schemeClr val="tx1"/>
-              </a:fontRef>
-            </p:style>
-          </p:cxnSp>
-          <p:sp>
-            <p:nvSpPr>
-              <p:cNvPr id="41" name="TextBox 40"/>
-              <p:cNvSpPr txBox="1"/>
-              <p:nvPr/>
-            </p:nvSpPr>
-            <p:spPr>
-              <a:xfrm>
-                <a:off x="6494795" y="2169839"/>
-                <a:ext cx="2305922" cy="338554"/>
-              </a:xfrm>
-              <a:prstGeom prst="rect">
-                <a:avLst/>
-              </a:prstGeom>
-              <a:noFill/>
-            </p:spPr>
-            <p:txBody>
-              <a:bodyPr wrap="square" rtlCol="0">
-                <a:spAutoFit/>
-              </a:bodyPr>
-              <a:lstStyle/>
-              <a:p>
-                <a:pPr algn="ctr"/>
-                <a:r>
-                  <a:rPr lang="en-GB" sz="1600" dirty="0" smtClean="0"/>
-                  <a:t>HTTP over Wi-Fi/cellular</a:t>
-                </a:r>
-              </a:p>
-            </p:txBody>
-          </p:sp>
-          <p:pic>
-            <p:nvPicPr>
-              <p:cNvPr id="42" name="Picture 2" descr="http://www.dailymobile.net/wp-content/uploads/2012/09/black-wifi-icon-hi.png"/>
-              <p:cNvPicPr>
-                <a:picLocks noChangeAspect="1" noChangeArrowheads="1"/>
-              </p:cNvPicPr>
-              <p:nvPr/>
-            </p:nvPicPr>
-            <p:blipFill>
-              <a:blip r:embed="rId3" cstate="print">
-                <a:clrChange>
-                  <a:clrFrom>
-                    <a:srgbClr val="000000">
-                      <a:alpha val="0"/>
-                    </a:srgbClr>
-                  </a:clrFrom>
-                  <a:clrTo>
-                    <a:srgbClr val="000000">
-                      <a:alpha val="0"/>
-                    </a:srgbClr>
-                  </a:clrTo>
-                </a:clrChange>
-                <a:extLst>
-                  <a:ext uri="{28A0092B-C50C-407E-A947-70E740481C1C}">
-                    <a14:useLocalDpi xmlns:a14="http://schemas.microsoft.com/office/drawing/2010/main" val="0"/>
-                  </a:ext>
-                </a:extLst>
-              </a:blip>
-              <a:srcRect/>
-              <a:stretch>
-                <a:fillRect/>
-              </a:stretch>
-            </p:blipFill>
-            <p:spPr bwMode="auto">
-              <a:xfrm>
-                <a:off x="7248178" y="1525362"/>
-                <a:ext cx="799156" cy="630000"/>
-              </a:xfrm>
-              <a:prstGeom prst="rect">
-                <a:avLst/>
-              </a:prstGeom>
-              <a:noFill/>
-              <a:extLst>
-                <a:ext uri="{909E8E84-426E-40DD-AFC4-6F175D3DCCD1}">
-                  <a14:hiddenFill xmlns:a14="http://schemas.microsoft.com/office/drawing/2010/main">
-                    <a:solidFill>
-                      <a:srgbClr val="FFFFFF"/>
-                    </a:solidFill>
-                  </a14:hiddenFill>
-                </a:ext>
-              </a:extLst>
-            </p:spPr>
-          </p:pic>
-        </p:grpSp>
-        <p:grpSp>
-          <p:nvGrpSpPr>
-            <p:cNvPr id="5" name="Group 4"/>
-            <p:cNvGrpSpPr/>
-            <p:nvPr/>
-          </p:nvGrpSpPr>
-          <p:grpSpPr>
-            <a:xfrm>
-              <a:off x="1095646" y="1635595"/>
-              <a:ext cx="8882199" cy="81803"/>
-              <a:chOff x="950954" y="3916432"/>
-              <a:chExt cx="7133138" cy="85011"/>
-            </a:xfrm>
-          </p:grpSpPr>
-          <p:cxnSp>
-            <p:nvCxnSpPr>
-              <p:cNvPr id="43" name="Elbow Connector 42"/>
-              <p:cNvCxnSpPr/>
-              <p:nvPr/>
-            </p:nvCxnSpPr>
-            <p:spPr>
-              <a:xfrm rot="16200000" flipH="1">
-                <a:off x="4419773" y="447613"/>
-                <a:ext cx="32200" cy="6969838"/>
-              </a:xfrm>
-              <a:prstGeom prst="bentConnector3">
-                <a:avLst>
-                  <a:gd name="adj1" fmla="val -709938"/>
-                </a:avLst>
-              </a:prstGeom>
-              <a:ln>
-                <a:tailEnd type="arrow"/>
-              </a:ln>
-            </p:spPr>
-            <p:style>
-              <a:lnRef idx="1">
-                <a:schemeClr val="accent1"/>
-              </a:lnRef>
-              <a:fillRef idx="0">
-                <a:schemeClr val="accent1"/>
-              </a:fillRef>
-              <a:effectRef idx="0">
-                <a:schemeClr val="accent1"/>
-              </a:effectRef>
-              <a:fontRef idx="minor">
-                <a:schemeClr val="tx1"/>
-              </a:fontRef>
-            </p:style>
-          </p:cxnSp>
-          <p:cxnSp>
-            <p:nvCxnSpPr>
-              <p:cNvPr id="44" name="Elbow Connector 43"/>
-              <p:cNvCxnSpPr/>
-              <p:nvPr/>
-            </p:nvCxnSpPr>
-            <p:spPr>
-              <a:xfrm rot="16200000" flipH="1">
-                <a:off x="4583073" y="500425"/>
-                <a:ext cx="32199" cy="6969838"/>
-              </a:xfrm>
-              <a:prstGeom prst="bentConnector3">
-                <a:avLst>
-                  <a:gd name="adj1" fmla="val -1316342"/>
-                </a:avLst>
-              </a:prstGeom>
-              <a:ln>
-                <a:prstDash val="sysDash"/>
-                <a:headEnd type="arrow"/>
-                <a:tailEnd type="none"/>
-              </a:ln>
-            </p:spPr>
-            <p:style>
-              <a:lnRef idx="1">
-                <a:schemeClr val="accent1"/>
-              </a:lnRef>
-              <a:fillRef idx="0">
-                <a:schemeClr val="accent1"/>
-              </a:fillRef>
-              <a:effectRef idx="0">
-                <a:schemeClr val="accent1"/>
-              </a:effectRef>
-              <a:fontRef idx="minor">
-                <a:schemeClr val="tx1"/>
-              </a:fontRef>
-            </p:style>
-          </p:cxnSp>
-        </p:grpSp>
-        <p:grpSp>
-          <p:nvGrpSpPr>
-            <p:cNvPr id="82" name="Group 81"/>
-            <p:cNvGrpSpPr/>
-            <p:nvPr/>
-          </p:nvGrpSpPr>
-          <p:grpSpPr>
-            <a:xfrm>
-              <a:off x="4588541" y="2071068"/>
-              <a:ext cx="1815049" cy="2193270"/>
-              <a:chOff x="4486720" y="1484881"/>
-              <a:chExt cx="1815049" cy="2193270"/>
-            </a:xfrm>
-          </p:grpSpPr>
-          <p:pic>
-            <p:nvPicPr>
-              <p:cNvPr id="83" name="Picture 82"/>
-              <p:cNvPicPr>
-                <a:picLocks noChangeAspect="1"/>
-              </p:cNvPicPr>
-              <p:nvPr/>
-            </p:nvPicPr>
-            <p:blipFill>
-              <a:blip r:embed="rId4">
-                <a:extLst>
-                  <a:ext uri="{28A0092B-C50C-407E-A947-70E740481C1C}">
-                    <a14:useLocalDpi xmlns:a14="http://schemas.microsoft.com/office/drawing/2010/main" val="0"/>
-                  </a:ext>
-                </a:extLst>
-              </a:blip>
-              <a:stretch>
-                <a:fillRect/>
-              </a:stretch>
-            </p:blipFill>
-            <p:spPr>
-              <a:xfrm>
-                <a:off x="4743680" y="1484881"/>
-                <a:ext cx="1301127" cy="1301127"/>
-              </a:xfrm>
-              <a:prstGeom prst="rect">
-                <a:avLst/>
-              </a:prstGeom>
-            </p:spPr>
-          </p:pic>
-          <p:sp>
-            <p:nvSpPr>
-              <p:cNvPr id="84" name="TextBox 83"/>
-              <p:cNvSpPr txBox="1"/>
-              <p:nvPr/>
-            </p:nvSpPr>
-            <p:spPr>
-              <a:xfrm>
-                <a:off x="4486720" y="2877932"/>
-                <a:ext cx="1815049" cy="800219"/>
-              </a:xfrm>
-              <a:prstGeom prst="rect">
-                <a:avLst/>
-              </a:prstGeom>
-              <a:noFill/>
-            </p:spPr>
-            <p:txBody>
-              <a:bodyPr wrap="none" rtlCol="0">
-                <a:spAutoFit/>
-              </a:bodyPr>
-              <a:lstStyle/>
-              <a:p>
-                <a:pPr algn="ctr"/>
-                <a:r>
-                  <a:rPr lang="en-GB" b="1" dirty="0" smtClean="0">
-                    <a:solidFill>
-                      <a:prstClr val="black"/>
-                    </a:solidFill>
-                  </a:rPr>
-                  <a:t>Data aggregation</a:t>
-                </a:r>
-              </a:p>
-              <a:p>
-                <a:pPr algn="ctr"/>
-                <a:r>
-                  <a:rPr lang="en-GB" sz="1400" dirty="0" smtClean="0">
-                    <a:solidFill>
-                      <a:prstClr val="black"/>
-                    </a:solidFill>
-                  </a:rPr>
-                  <a:t>on a phone </a:t>
-                </a:r>
-                <a:r>
-                  <a:rPr lang="en-GB" sz="1400" dirty="0">
-                    <a:solidFill>
-                      <a:prstClr val="black"/>
-                    </a:solidFill>
-                  </a:rPr>
-                  <a:t>running</a:t>
-                </a:r>
-              </a:p>
-              <a:p>
-                <a:pPr algn="ctr"/>
-                <a:r>
-                  <a:rPr lang="en-GB" sz="1400" i="1" dirty="0" err="1">
-                    <a:solidFill>
-                      <a:prstClr val="black"/>
-                    </a:solidFill>
-                  </a:rPr>
-                  <a:t>Sapelli</a:t>
-                </a:r>
-                <a:r>
-                  <a:rPr lang="en-GB" sz="1400" i="1" dirty="0">
-                    <a:solidFill>
-                      <a:prstClr val="black"/>
-                    </a:solidFill>
-                  </a:rPr>
-                  <a:t> Collector</a:t>
-                </a:r>
-              </a:p>
-            </p:txBody>
-          </p:sp>
-        </p:grpSp>
-        <p:grpSp>
-          <p:nvGrpSpPr>
-            <p:cNvPr id="85" name="Group 84"/>
-            <p:cNvGrpSpPr/>
-            <p:nvPr/>
-          </p:nvGrpSpPr>
-          <p:grpSpPr>
-            <a:xfrm>
-              <a:off x="2339937" y="2378369"/>
-              <a:ext cx="2340000" cy="957994"/>
-              <a:chOff x="2356741" y="1856631"/>
-              <a:chExt cx="2340000" cy="957994"/>
-            </a:xfrm>
-          </p:grpSpPr>
-          <p:pic>
-            <p:nvPicPr>
-              <p:cNvPr id="86" name="Picture 2" descr="https://twimg0-a.akamaihd.net/profile_images/1266620046/celltower_icon.png"/>
-              <p:cNvPicPr>
-                <a:picLocks noChangeAspect="1" noChangeArrowheads="1"/>
-              </p:cNvPicPr>
-              <p:nvPr/>
-            </p:nvPicPr>
-            <p:blipFill>
-              <a:blip r:embed="rId5">
-                <a:extLst>
-                  <a:ext uri="{28A0092B-C50C-407E-A947-70E740481C1C}">
-                    <a14:useLocalDpi xmlns:a14="http://schemas.microsoft.com/office/drawing/2010/main" val="0"/>
-                  </a:ext>
-                </a:extLst>
-              </a:blip>
-              <a:srcRect/>
-              <a:stretch>
-                <a:fillRect/>
-              </a:stretch>
-            </p:blipFill>
-            <p:spPr bwMode="auto">
-              <a:xfrm>
-                <a:off x="3156066" y="1856631"/>
-                <a:ext cx="629999" cy="630000"/>
-              </a:xfrm>
-              <a:prstGeom prst="rect">
-                <a:avLst/>
-              </a:prstGeom>
-              <a:noFill/>
-              <a:extLst>
-                <a:ext uri="{909E8E84-426E-40DD-AFC4-6F175D3DCCD1}">
-                  <a14:hiddenFill xmlns:a14="http://schemas.microsoft.com/office/drawing/2010/main">
-                    <a:solidFill>
-                      <a:srgbClr val="FFFFFF"/>
-                    </a:solidFill>
-                  </a14:hiddenFill>
-                </a:ext>
-              </a:extLst>
-            </p:spPr>
-          </p:pic>
-          <p:cxnSp>
-            <p:nvCxnSpPr>
-              <p:cNvPr id="87" name="Gerade Verbindung mit Pfeil 10"/>
-              <p:cNvCxnSpPr/>
-              <p:nvPr/>
-            </p:nvCxnSpPr>
-            <p:spPr>
-              <a:xfrm>
-                <a:off x="2356741" y="2069674"/>
-                <a:ext cx="2340000" cy="0"/>
-              </a:xfrm>
-              <a:prstGeom prst="straightConnector1">
-                <a:avLst/>
-              </a:prstGeom>
-              <a:ln>
-                <a:tailEnd type="arrow"/>
-              </a:ln>
-            </p:spPr>
-            <p:style>
-              <a:lnRef idx="1">
-                <a:schemeClr val="accent1"/>
-              </a:lnRef>
-              <a:fillRef idx="0">
-                <a:schemeClr val="accent1"/>
-              </a:fillRef>
-              <a:effectRef idx="0">
-                <a:schemeClr val="accent1"/>
-              </a:effectRef>
-              <a:fontRef idx="minor">
-                <a:schemeClr val="tx1"/>
-              </a:fontRef>
-            </p:style>
-          </p:cxnSp>
-          <p:cxnSp>
-            <p:nvCxnSpPr>
-              <p:cNvPr id="88" name="Gerade Verbindung mit Pfeil 11"/>
-              <p:cNvCxnSpPr/>
-              <p:nvPr/>
-            </p:nvCxnSpPr>
-            <p:spPr>
-              <a:xfrm flipH="1">
-                <a:off x="2356741" y="2279963"/>
-                <a:ext cx="2340000" cy="0"/>
-              </a:xfrm>
-              <a:prstGeom prst="straightConnector1">
-                <a:avLst/>
-              </a:prstGeom>
-              <a:ln>
-                <a:prstDash val="sysDash"/>
-                <a:tailEnd type="arrow"/>
-              </a:ln>
-            </p:spPr>
-            <p:style>
-              <a:lnRef idx="1">
-                <a:schemeClr val="accent1"/>
-              </a:lnRef>
-              <a:fillRef idx="0">
-                <a:schemeClr val="accent1"/>
-              </a:fillRef>
-              <a:effectRef idx="0">
-                <a:schemeClr val="accent1"/>
-              </a:effectRef>
-              <a:fontRef idx="minor">
-                <a:schemeClr val="tx1"/>
-              </a:fontRef>
-            </p:style>
-          </p:cxnSp>
-          <p:sp>
-            <p:nvSpPr>
-              <p:cNvPr id="89" name="TextBox 88"/>
-              <p:cNvSpPr txBox="1"/>
-              <p:nvPr/>
-            </p:nvSpPr>
-            <p:spPr>
-              <a:xfrm>
-                <a:off x="2772861" y="2476071"/>
-                <a:ext cx="1396408" cy="338554"/>
-              </a:xfrm>
-              <a:prstGeom prst="rect">
-                <a:avLst/>
-              </a:prstGeom>
-              <a:noFill/>
-            </p:spPr>
-            <p:txBody>
-              <a:bodyPr wrap="none" rtlCol="0">
-                <a:spAutoFit/>
-              </a:bodyPr>
-              <a:lstStyle/>
-              <a:p>
-                <a:pPr algn="ctr"/>
-                <a:r>
-                  <a:rPr lang="en-GB" sz="1600" dirty="0">
-                    <a:solidFill>
-                      <a:prstClr val="black"/>
-                    </a:solidFill>
-                  </a:rPr>
-                  <a:t>SMS messages</a:t>
-                </a:r>
-              </a:p>
-            </p:txBody>
-          </p:sp>
-        </p:grpSp>
-        <p:grpSp>
-          <p:nvGrpSpPr>
-            <p:cNvPr id="90" name="Group 89"/>
-            <p:cNvGrpSpPr/>
-            <p:nvPr/>
-          </p:nvGrpSpPr>
-          <p:grpSpPr>
-            <a:xfrm>
-              <a:off x="416046" y="1705792"/>
-              <a:ext cx="2041238" cy="2558546"/>
-              <a:chOff x="1409025" y="1471956"/>
-              <a:chExt cx="2041238" cy="2558546"/>
-            </a:xfrm>
-          </p:grpSpPr>
-          <p:sp>
-            <p:nvSpPr>
-              <p:cNvPr id="91" name="TextBox 90"/>
-              <p:cNvSpPr txBox="1"/>
-              <p:nvPr/>
-            </p:nvSpPr>
-            <p:spPr>
-              <a:xfrm>
-                <a:off x="1499664" y="3230283"/>
-                <a:ext cx="1950599" cy="800219"/>
-              </a:xfrm>
-              <a:prstGeom prst="rect">
-                <a:avLst/>
-              </a:prstGeom>
-              <a:noFill/>
-            </p:spPr>
-            <p:txBody>
-              <a:bodyPr wrap="none" rtlCol="0">
-                <a:spAutoFit/>
-              </a:bodyPr>
-              <a:lstStyle/>
-              <a:p>
-                <a:pPr algn="ctr"/>
-                <a:r>
-                  <a:rPr lang="en-GB" b="1" dirty="0" smtClean="0">
-                    <a:solidFill>
-                      <a:prstClr val="black"/>
-                    </a:solidFill>
-                  </a:rPr>
-                  <a:t>Data collection</a:t>
-                </a:r>
-              </a:p>
-              <a:p>
-                <a:pPr algn="ctr"/>
-                <a:r>
-                  <a:rPr lang="en-GB" sz="1400" dirty="0" smtClean="0">
-                    <a:solidFill>
-                      <a:prstClr val="black"/>
-                    </a:solidFill>
-                  </a:rPr>
-                  <a:t>on 1 or more phones</a:t>
-                </a:r>
-              </a:p>
-              <a:p>
-                <a:pPr algn="ctr"/>
-                <a:r>
-                  <a:rPr lang="en-GB" sz="1400" dirty="0">
-                    <a:solidFill>
-                      <a:prstClr val="black"/>
-                    </a:solidFill>
-                  </a:rPr>
-                  <a:t>r</a:t>
-                </a:r>
-                <a:r>
-                  <a:rPr lang="en-GB" sz="1400" dirty="0" smtClean="0">
-                    <a:solidFill>
-                      <a:prstClr val="black"/>
-                    </a:solidFill>
-                  </a:rPr>
-                  <a:t>unning </a:t>
-                </a:r>
-                <a:r>
-                  <a:rPr lang="en-GB" sz="1400" i="1" dirty="0" smtClean="0">
-                    <a:solidFill>
-                      <a:prstClr val="black"/>
-                    </a:solidFill>
-                  </a:rPr>
-                  <a:t>Sapelli Collector</a:t>
-                </a:r>
-                <a:endParaRPr lang="en-GB" sz="1400" dirty="0">
-                  <a:solidFill>
-                    <a:prstClr val="black"/>
-                  </a:solidFill>
-                </a:endParaRPr>
-              </a:p>
-            </p:txBody>
-          </p:sp>
-          <p:pic>
-            <p:nvPicPr>
-              <p:cNvPr id="92" name="Picture 91"/>
-              <p:cNvPicPr>
-                <a:picLocks noChangeAspect="1"/>
-              </p:cNvPicPr>
-              <p:nvPr/>
-            </p:nvPicPr>
-            <p:blipFill>
-              <a:blip r:embed="rId4">
-                <a:extLst>
-                  <a:ext uri="{28A0092B-C50C-407E-A947-70E740481C1C}">
-                    <a14:useLocalDpi xmlns:a14="http://schemas.microsoft.com/office/drawing/2010/main" val="0"/>
-                  </a:ext>
-                </a:extLst>
-              </a:blip>
-              <a:stretch>
-                <a:fillRect/>
-              </a:stretch>
-            </p:blipFill>
-            <p:spPr>
-              <a:xfrm>
-                <a:off x="1409025" y="1471956"/>
-                <a:ext cx="1301127" cy="1301127"/>
-              </a:xfrm>
-              <a:prstGeom prst="rect">
-                <a:avLst/>
-              </a:prstGeom>
-            </p:spPr>
-          </p:pic>
-          <p:pic>
-            <p:nvPicPr>
-              <p:cNvPr id="93" name="Picture 92"/>
-              <p:cNvPicPr>
-                <a:picLocks noChangeAspect="1"/>
-              </p:cNvPicPr>
-              <p:nvPr/>
-            </p:nvPicPr>
-            <p:blipFill>
-              <a:blip r:embed="rId4">
-                <a:extLst>
-                  <a:ext uri="{28A0092B-C50C-407E-A947-70E740481C1C}">
-                    <a14:useLocalDpi xmlns:a14="http://schemas.microsoft.com/office/drawing/2010/main" val="0"/>
-                  </a:ext>
-                </a:extLst>
-              </a:blip>
-              <a:stretch>
-                <a:fillRect/>
-              </a:stretch>
-            </p:blipFill>
-            <p:spPr>
-              <a:xfrm>
-                <a:off x="1561425" y="1624356"/>
-                <a:ext cx="1301127" cy="1301127"/>
-              </a:xfrm>
-              <a:prstGeom prst="rect">
-                <a:avLst/>
-              </a:prstGeom>
-            </p:spPr>
-          </p:pic>
-          <p:pic>
-            <p:nvPicPr>
-              <p:cNvPr id="94" name="Picture 93"/>
-              <p:cNvPicPr>
-                <a:picLocks noChangeAspect="1"/>
-              </p:cNvPicPr>
-              <p:nvPr/>
-            </p:nvPicPr>
-            <p:blipFill>
-              <a:blip r:embed="rId4">
-                <a:extLst>
-                  <a:ext uri="{28A0092B-C50C-407E-A947-70E740481C1C}">
-                    <a14:useLocalDpi xmlns:a14="http://schemas.microsoft.com/office/drawing/2010/main" val="0"/>
-                  </a:ext>
-                </a:extLst>
-              </a:blip>
-              <a:stretch>
-                <a:fillRect/>
-              </a:stretch>
-            </p:blipFill>
-            <p:spPr>
-              <a:xfrm>
-                <a:off x="1713825" y="1776756"/>
-                <a:ext cx="1301127" cy="1301127"/>
-              </a:xfrm>
-              <a:prstGeom prst="rect">
-                <a:avLst/>
-              </a:prstGeom>
-            </p:spPr>
-          </p:pic>
-          <p:pic>
-            <p:nvPicPr>
-              <p:cNvPr id="95" name="Picture 94"/>
-              <p:cNvPicPr>
-                <a:picLocks noChangeAspect="1"/>
-              </p:cNvPicPr>
-              <p:nvPr/>
-            </p:nvPicPr>
-            <p:blipFill>
-              <a:blip r:embed="rId4">
-                <a:extLst>
-                  <a:ext uri="{28A0092B-C50C-407E-A947-70E740481C1C}">
-                    <a14:useLocalDpi xmlns:a14="http://schemas.microsoft.com/office/drawing/2010/main" val="0"/>
-                  </a:ext>
-                </a:extLst>
-              </a:blip>
-              <a:stretch>
-                <a:fillRect/>
-              </a:stretch>
-            </p:blipFill>
-            <p:spPr>
-              <a:xfrm>
-                <a:off x="1866225" y="1929156"/>
-                <a:ext cx="1301127" cy="1301127"/>
-              </a:xfrm>
-              <a:prstGeom prst="rect">
-                <a:avLst/>
-              </a:prstGeom>
-            </p:spPr>
-          </p:pic>
-        </p:grpSp>
-        <p:grpSp>
-          <p:nvGrpSpPr>
-            <p:cNvPr id="96" name="Group 95"/>
-            <p:cNvGrpSpPr/>
-            <p:nvPr/>
-          </p:nvGrpSpPr>
-          <p:grpSpPr>
-            <a:xfrm>
-              <a:off x="1360705" y="4388257"/>
-              <a:ext cx="1631152" cy="1547323"/>
-              <a:chOff x="507647" y="4256525"/>
-              <a:chExt cx="2760251" cy="2052795"/>
-            </a:xfrm>
-          </p:grpSpPr>
-          <p:sp>
-            <p:nvSpPr>
-              <p:cNvPr id="97" name="Bent Arrow 96"/>
-              <p:cNvSpPr/>
-              <p:nvPr/>
-            </p:nvSpPr>
-            <p:spPr>
-              <a:xfrm rot="10800000" flipH="1">
-                <a:off x="507647" y="4256525"/>
-                <a:ext cx="2760251" cy="2052795"/>
-              </a:xfrm>
-              <a:prstGeom prst="bentArrow">
-                <a:avLst>
-                  <a:gd name="adj1" fmla="val 6174"/>
-                  <a:gd name="adj2" fmla="val 7493"/>
-                  <a:gd name="adj3" fmla="val 17360"/>
-                  <a:gd name="adj4" fmla="val 23378"/>
-                </a:avLst>
-              </a:prstGeom>
-            </p:spPr>
-            <p:style>
-              <a:lnRef idx="2">
-                <a:schemeClr val="accent1">
-                  <a:shade val="50000"/>
-                </a:schemeClr>
-              </a:lnRef>
-              <a:fillRef idx="1">
-                <a:schemeClr val="accent1"/>
-              </a:fillRef>
-              <a:effectRef idx="0">
-                <a:schemeClr val="accent1"/>
-              </a:effectRef>
-              <a:fontRef idx="minor">
-                <a:schemeClr val="lt1"/>
-              </a:fontRef>
-            </p:style>
-            <p:txBody>
-              <a:bodyPr rtlCol="0" anchor="ctr"/>
-              <a:lstStyle/>
-              <a:p>
-                <a:pPr algn="ctr"/>
-                <a:endParaRPr lang="en-GB">
-                  <a:solidFill>
-                    <a:prstClr val="black"/>
-                  </a:solidFill>
-                </a:endParaRPr>
-              </a:p>
-            </p:txBody>
-          </p:sp>
-          <p:sp>
-            <p:nvSpPr>
-              <p:cNvPr id="98" name="TextBox 97"/>
-              <p:cNvSpPr txBox="1"/>
-              <p:nvPr/>
-            </p:nvSpPr>
-            <p:spPr>
-              <a:xfrm>
-                <a:off x="705663" y="5209570"/>
-                <a:ext cx="2308653" cy="694143"/>
-              </a:xfrm>
-              <a:prstGeom prst="rect">
-                <a:avLst/>
-              </a:prstGeom>
-              <a:noFill/>
-            </p:spPr>
-            <p:txBody>
-              <a:bodyPr wrap="none" rtlCol="0">
-                <a:spAutoFit/>
-              </a:bodyPr>
-              <a:lstStyle/>
-              <a:p>
-                <a:pPr algn="ctr"/>
-                <a:r>
-                  <a:rPr lang="en-GB" sz="1400" dirty="0" smtClean="0">
-                    <a:solidFill>
-                      <a:prstClr val="black"/>
-                    </a:solidFill>
-                  </a:rPr>
-                  <a:t>Export collected</a:t>
-                </a:r>
-              </a:p>
-              <a:p>
-                <a:pPr algn="ctr"/>
-                <a:r>
-                  <a:rPr lang="en-GB" sz="1400" dirty="0" smtClean="0">
-                    <a:solidFill>
-                      <a:prstClr val="black"/>
-                    </a:solidFill>
-                  </a:rPr>
-                  <a:t>data to file(s)</a:t>
-                </a:r>
-                <a:endParaRPr lang="en-GB" sz="1400" dirty="0">
-                  <a:solidFill>
-                    <a:prstClr val="black"/>
-                  </a:solidFill>
-                </a:endParaRPr>
-              </a:p>
-            </p:txBody>
-          </p:sp>
-        </p:grpSp>
-        <p:grpSp>
-          <p:nvGrpSpPr>
-            <p:cNvPr id="99" name="Group 98"/>
-            <p:cNvGrpSpPr/>
-            <p:nvPr/>
-          </p:nvGrpSpPr>
-          <p:grpSpPr>
-            <a:xfrm>
-              <a:off x="2923799" y="4946401"/>
-              <a:ext cx="900000" cy="1800000"/>
-              <a:chOff x="2965178" y="4919828"/>
-              <a:chExt cx="900000" cy="1800000"/>
-            </a:xfrm>
-          </p:grpSpPr>
-          <p:pic>
-            <p:nvPicPr>
-              <p:cNvPr id="100" name="Picture 99"/>
-              <p:cNvPicPr>
-                <a:picLocks noChangeAspect="1"/>
-              </p:cNvPicPr>
-              <p:nvPr/>
-            </p:nvPicPr>
-            <p:blipFill>
-              <a:blip r:embed="rId6" cstate="print">
-                <a:extLst>
-                  <a:ext uri="{28A0092B-C50C-407E-A947-70E740481C1C}">
-                    <a14:useLocalDpi xmlns:a14="http://schemas.microsoft.com/office/drawing/2010/main" val="0"/>
-                  </a:ext>
-                </a:extLst>
-              </a:blip>
-              <a:stretch>
-                <a:fillRect/>
-              </a:stretch>
-            </p:blipFill>
-            <p:spPr>
-              <a:xfrm>
-                <a:off x="2965178" y="5819828"/>
-                <a:ext cx="900000" cy="900000"/>
-              </a:xfrm>
-              <a:prstGeom prst="rect">
-                <a:avLst/>
-              </a:prstGeom>
-            </p:spPr>
-          </p:pic>
-          <p:pic>
-            <p:nvPicPr>
-              <p:cNvPr id="101" name="Picture 100"/>
-              <p:cNvPicPr>
-                <a:picLocks noChangeAspect="1"/>
-              </p:cNvPicPr>
-              <p:nvPr/>
-            </p:nvPicPr>
-            <p:blipFill>
-              <a:blip r:embed="rId7" cstate="print">
-                <a:extLst>
-                  <a:ext uri="{28A0092B-C50C-407E-A947-70E740481C1C}">
-                    <a14:useLocalDpi xmlns:a14="http://schemas.microsoft.com/office/drawing/2010/main" val="0"/>
-                  </a:ext>
-                </a:extLst>
-              </a:blip>
-              <a:stretch>
-                <a:fillRect/>
-              </a:stretch>
-            </p:blipFill>
-            <p:spPr>
-              <a:xfrm>
-                <a:off x="2965178" y="4919828"/>
-                <a:ext cx="900000" cy="900000"/>
-              </a:xfrm>
-              <a:prstGeom prst="rect">
-                <a:avLst/>
-              </a:prstGeom>
-            </p:spPr>
-          </p:pic>
-        </p:grpSp>
-        <p:grpSp>
-          <p:nvGrpSpPr>
-            <p:cNvPr id="102" name="Group 101"/>
-            <p:cNvGrpSpPr/>
-            <p:nvPr/>
-          </p:nvGrpSpPr>
-          <p:grpSpPr>
-            <a:xfrm flipH="1">
-              <a:off x="3905594" y="4388256"/>
-              <a:ext cx="1631152" cy="1547323"/>
-              <a:chOff x="507647" y="4256525"/>
-              <a:chExt cx="2760251" cy="2052795"/>
-            </a:xfrm>
-          </p:grpSpPr>
-          <p:sp>
-            <p:nvSpPr>
-              <p:cNvPr id="103" name="Bent Arrow 102"/>
-              <p:cNvSpPr/>
-              <p:nvPr/>
-            </p:nvSpPr>
-            <p:spPr>
-              <a:xfrm rot="10800000" flipH="1">
-                <a:off x="507647" y="4256525"/>
-                <a:ext cx="2760251" cy="2052795"/>
-              </a:xfrm>
-              <a:prstGeom prst="bentArrow">
-                <a:avLst>
-                  <a:gd name="adj1" fmla="val 6174"/>
-                  <a:gd name="adj2" fmla="val 7493"/>
-                  <a:gd name="adj3" fmla="val 17360"/>
-                  <a:gd name="adj4" fmla="val 23378"/>
-                </a:avLst>
-              </a:prstGeom>
-            </p:spPr>
-            <p:style>
-              <a:lnRef idx="2">
-                <a:schemeClr val="accent1">
-                  <a:shade val="50000"/>
-                </a:schemeClr>
-              </a:lnRef>
-              <a:fillRef idx="1">
-                <a:schemeClr val="accent1"/>
-              </a:fillRef>
-              <a:effectRef idx="0">
-                <a:schemeClr val="accent1"/>
-              </a:effectRef>
-              <a:fontRef idx="minor">
-                <a:schemeClr val="lt1"/>
-              </a:fontRef>
-            </p:style>
-            <p:txBody>
-              <a:bodyPr rtlCol="0" anchor="ctr"/>
-              <a:lstStyle/>
-              <a:p>
-                <a:pPr algn="ctr"/>
-                <a:endParaRPr lang="en-GB">
-                  <a:solidFill>
-                    <a:prstClr val="black"/>
-                  </a:solidFill>
-                </a:endParaRPr>
-              </a:p>
-            </p:txBody>
-          </p:sp>
-          <p:sp>
-            <p:nvSpPr>
-              <p:cNvPr id="104" name="TextBox 103"/>
-              <p:cNvSpPr txBox="1"/>
-              <p:nvPr/>
-            </p:nvSpPr>
-            <p:spPr>
-              <a:xfrm>
-                <a:off x="572251" y="5209570"/>
-                <a:ext cx="2575466" cy="694143"/>
-              </a:xfrm>
-              <a:prstGeom prst="rect">
-                <a:avLst/>
-              </a:prstGeom>
-              <a:noFill/>
-            </p:spPr>
-            <p:txBody>
-              <a:bodyPr wrap="none" rtlCol="0">
-                <a:spAutoFit/>
-              </a:bodyPr>
-              <a:lstStyle/>
-              <a:p>
-                <a:pPr algn="ctr"/>
-                <a:r>
-                  <a:rPr lang="en-GB" sz="1400" dirty="0" smtClean="0">
-                    <a:solidFill>
-                      <a:prstClr val="black"/>
-                    </a:solidFill>
-                  </a:rPr>
-                  <a:t>Export aggregated</a:t>
-                </a:r>
-              </a:p>
-              <a:p>
-                <a:pPr algn="ctr"/>
-                <a:r>
-                  <a:rPr lang="en-GB" sz="1400" dirty="0" smtClean="0">
-                    <a:solidFill>
-                      <a:prstClr val="black"/>
-                    </a:solidFill>
-                  </a:rPr>
-                  <a:t>data to file(s)</a:t>
-                </a:r>
-                <a:endParaRPr lang="en-GB" sz="1400" dirty="0">
-                  <a:solidFill>
-                    <a:prstClr val="black"/>
-                  </a:solidFill>
-                </a:endParaRPr>
-              </a:p>
-            </p:txBody>
-          </p:sp>
-        </p:grpSp>
         <p:sp>
           <p:nvSpPr>
-            <p:cNvPr id="105" name="TextBox 104"/>
-            <p:cNvSpPr txBox="1"/>
-            <p:nvPr/>
-          </p:nvSpPr>
-          <p:spPr>
-            <a:xfrm>
-              <a:off x="4505134" y="6034790"/>
-              <a:ext cx="3198632" cy="523220"/>
-            </a:xfrm>
-            <a:prstGeom prst="rect">
-              <a:avLst/>
-            </a:prstGeom>
-            <a:noFill/>
-          </p:spPr>
-          <p:txBody>
-            <a:bodyPr wrap="none" rtlCol="0">
-              <a:spAutoFit/>
-            </a:bodyPr>
-            <a:lstStyle/>
-            <a:p>
-              <a:pPr algn="ctr"/>
-              <a:r>
-                <a:rPr lang="en-GB" sz="1400" dirty="0" smtClean="0">
-                  <a:solidFill>
-                    <a:prstClr val="black"/>
-                  </a:solidFill>
-                </a:rPr>
-                <a:t>Use in spreadsheet (e.g. Excel), database,</a:t>
-              </a:r>
-            </a:p>
-            <a:p>
-              <a:pPr algn="ctr"/>
-              <a:r>
-                <a:rPr lang="en-GB" sz="1400" dirty="0" smtClean="0">
-                  <a:solidFill>
-                    <a:prstClr val="black"/>
-                  </a:solidFill>
-                </a:rPr>
-                <a:t>or GIS software (e.g. QGIS, ArcGIS)</a:t>
-              </a:r>
-              <a:endParaRPr lang="en-GB" sz="1400" dirty="0">
-                <a:solidFill>
-                  <a:prstClr val="black"/>
-                </a:solidFill>
-              </a:endParaRPr>
-            </a:p>
-          </p:txBody>
-        </p:sp>
-        <p:sp>
-          <p:nvSpPr>
-            <p:cNvPr id="106" name="Right Arrow 105"/>
+            <p:cNvPr id="97" name="Bent Arrow 96"/>
             <p:cNvSpPr/>
             <p:nvPr/>
           </p:nvSpPr>
           <p:spPr>
-            <a:xfrm>
-              <a:off x="3797876" y="6166747"/>
-              <a:ext cx="707258" cy="259307"/>
+            <a:xfrm rot="10800000" flipH="1">
+              <a:off x="507647" y="4256525"/>
+              <a:ext cx="2760251" cy="2052795"/>
             </a:xfrm>
-            <a:prstGeom prst="rightArrow">
+            <a:prstGeom prst="bentArrow">
               <a:avLst>
-                <a:gd name="adj1" fmla="val 37734"/>
-                <a:gd name="adj2" fmla="val 95995"/>
+                <a:gd name="adj1" fmla="val 6174"/>
+                <a:gd name="adj2" fmla="val 7493"/>
+                <a:gd name="adj3" fmla="val 17360"/>
+                <a:gd name="adj4" fmla="val 23378"/>
               </a:avLst>
             </a:prstGeom>
           </p:spPr>
@@ -5763,136 +5060,1126 @@
             <a:lstStyle/>
             <a:p>
               <a:pPr algn="ctr"/>
-              <a:endParaRPr lang="en-GB"/>
+              <a:endParaRPr lang="en-GB">
+                <a:solidFill>
+                  <a:prstClr val="black"/>
+                </a:solidFill>
+              </a:endParaRPr>
+            </a:p>
+          </p:txBody>
+        </p:sp>
+        <p:sp>
+          <p:nvSpPr>
+            <p:cNvPr id="98" name="TextBox 97"/>
+            <p:cNvSpPr txBox="1"/>
+            <p:nvPr/>
+          </p:nvSpPr>
+          <p:spPr>
+            <a:xfrm>
+              <a:off x="601113" y="5209569"/>
+              <a:ext cx="2413204" cy="833383"/>
+            </a:xfrm>
+            <a:prstGeom prst="rect">
+              <a:avLst/>
+            </a:prstGeom>
+            <a:noFill/>
+          </p:spPr>
+          <p:txBody>
+            <a:bodyPr wrap="square" rtlCol="0">
+              <a:spAutoFit/>
+            </a:bodyPr>
+            <a:lstStyle/>
+            <a:p>
+              <a:pPr algn="ctr"/>
+              <a:r>
+                <a:rPr lang="en-GB" sz="1400" dirty="0" smtClean="0">
+                  <a:solidFill>
+                    <a:prstClr val="black"/>
+                  </a:solidFill>
+                </a:rPr>
+                <a:t>Export collected</a:t>
+              </a:r>
+            </a:p>
+            <a:p>
+              <a:pPr algn="ctr"/>
+              <a:r>
+                <a:rPr lang="en-GB" sz="1400" dirty="0" smtClean="0">
+                  <a:solidFill>
+                    <a:prstClr val="black"/>
+                  </a:solidFill>
+                </a:rPr>
+                <a:t>data to file(s)</a:t>
+              </a:r>
+              <a:endParaRPr lang="en-GB" sz="1400" dirty="0">
+                <a:solidFill>
+                  <a:prstClr val="black"/>
+                </a:solidFill>
+              </a:endParaRPr>
+            </a:p>
+          </p:txBody>
+        </p:sp>
+      </p:grpSp>
+      <p:grpSp>
+        <p:nvGrpSpPr>
+          <p:cNvPr id="99" name="Group 98"/>
+          <p:cNvGrpSpPr/>
+          <p:nvPr/>
+        </p:nvGrpSpPr>
+        <p:grpSpPr>
+          <a:xfrm>
+            <a:off x="3092614" y="4983409"/>
+            <a:ext cx="900000" cy="1800000"/>
+            <a:chOff x="2965178" y="4919828"/>
+            <a:chExt cx="900000" cy="1800000"/>
+          </a:xfrm>
+        </p:grpSpPr>
+        <p:pic>
+          <p:nvPicPr>
+            <p:cNvPr id="100" name="Picture 99"/>
+            <p:cNvPicPr>
+              <a:picLocks noChangeAspect="1"/>
+            </p:cNvPicPr>
+            <p:nvPr/>
+          </p:nvPicPr>
+          <p:blipFill>
+            <a:blip r:embed="rId2" cstate="print">
+              <a:extLst>
+                <a:ext uri="{28A0092B-C50C-407E-A947-70E740481C1C}">
+                  <a14:useLocalDpi xmlns:a14="http://schemas.microsoft.com/office/drawing/2010/main" val="0"/>
+                </a:ext>
+              </a:extLst>
+            </a:blip>
+            <a:stretch>
+              <a:fillRect/>
+            </a:stretch>
+          </p:blipFill>
+          <p:spPr>
+            <a:xfrm>
+              <a:off x="2965178" y="5819828"/>
+              <a:ext cx="900000" cy="900000"/>
+            </a:xfrm>
+            <a:prstGeom prst="rect">
+              <a:avLst/>
+            </a:prstGeom>
+          </p:spPr>
+        </p:pic>
+        <p:pic>
+          <p:nvPicPr>
+            <p:cNvPr id="101" name="Picture 100"/>
+            <p:cNvPicPr>
+              <a:picLocks noChangeAspect="1"/>
+            </p:cNvPicPr>
+            <p:nvPr/>
+          </p:nvPicPr>
+          <p:blipFill>
+            <a:blip r:embed="rId3" cstate="print">
+              <a:extLst>
+                <a:ext uri="{28A0092B-C50C-407E-A947-70E740481C1C}">
+                  <a14:useLocalDpi xmlns:a14="http://schemas.microsoft.com/office/drawing/2010/main" val="0"/>
+                </a:ext>
+              </a:extLst>
+            </a:blip>
+            <a:stretch>
+              <a:fillRect/>
+            </a:stretch>
+          </p:blipFill>
+          <p:spPr>
+            <a:xfrm>
+              <a:off x="2965178" y="4919828"/>
+              <a:ext cx="900000" cy="900000"/>
+            </a:xfrm>
+            <a:prstGeom prst="rect">
+              <a:avLst/>
+            </a:prstGeom>
+          </p:spPr>
+        </p:pic>
+      </p:grpSp>
+      <p:grpSp>
+        <p:nvGrpSpPr>
+          <p:cNvPr id="102" name="Group 101"/>
+          <p:cNvGrpSpPr/>
+          <p:nvPr/>
+        </p:nvGrpSpPr>
+        <p:grpSpPr>
+          <a:xfrm flipH="1">
+            <a:off x="3880286" y="4599654"/>
+            <a:ext cx="1936314" cy="1372933"/>
+            <a:chOff x="507647" y="4256525"/>
+            <a:chExt cx="2760251" cy="2052795"/>
+          </a:xfrm>
+        </p:grpSpPr>
+        <p:sp>
+          <p:nvSpPr>
+            <p:cNvPr id="103" name="Bent Arrow 102"/>
+            <p:cNvSpPr/>
+            <p:nvPr/>
+          </p:nvSpPr>
+          <p:spPr>
+            <a:xfrm rot="10800000" flipH="1">
+              <a:off x="507647" y="4256525"/>
+              <a:ext cx="2760251" cy="2052795"/>
+            </a:xfrm>
+            <a:prstGeom prst="bentArrow">
+              <a:avLst>
+                <a:gd name="adj1" fmla="val 6174"/>
+                <a:gd name="adj2" fmla="val 7493"/>
+                <a:gd name="adj3" fmla="val 17360"/>
+                <a:gd name="adj4" fmla="val 23378"/>
+              </a:avLst>
+            </a:prstGeom>
+          </p:spPr>
+          <p:style>
+            <a:lnRef idx="2">
+              <a:schemeClr val="accent1">
+                <a:shade val="50000"/>
+              </a:schemeClr>
+            </a:lnRef>
+            <a:fillRef idx="1">
+              <a:schemeClr val="accent1"/>
+            </a:fillRef>
+            <a:effectRef idx="0">
+              <a:schemeClr val="accent1"/>
+            </a:effectRef>
+            <a:fontRef idx="minor">
+              <a:schemeClr val="lt1"/>
+            </a:fontRef>
+          </p:style>
+          <p:txBody>
+            <a:bodyPr rtlCol="0" anchor="ctr"/>
+            <a:lstStyle/>
+            <a:p>
+              <a:pPr algn="ctr"/>
+              <a:endParaRPr lang="en-GB">
+                <a:solidFill>
+                  <a:prstClr val="black"/>
+                </a:solidFill>
+              </a:endParaRPr>
+            </a:p>
+          </p:txBody>
+        </p:sp>
+        <p:sp>
+          <p:nvSpPr>
+            <p:cNvPr id="104" name="TextBox 103"/>
+            <p:cNvSpPr txBox="1"/>
+            <p:nvPr/>
+          </p:nvSpPr>
+          <p:spPr>
+            <a:xfrm>
+              <a:off x="611745" y="5209570"/>
+              <a:ext cx="2390256" cy="834043"/>
+            </a:xfrm>
+            <a:prstGeom prst="rect">
+              <a:avLst/>
+            </a:prstGeom>
+            <a:noFill/>
+          </p:spPr>
+          <p:txBody>
+            <a:bodyPr wrap="square" rtlCol="0">
+              <a:spAutoFit/>
+            </a:bodyPr>
+            <a:lstStyle/>
+            <a:p>
+              <a:pPr algn="ctr"/>
+              <a:r>
+                <a:rPr lang="en-GB" sz="1400" dirty="0" smtClean="0">
+                  <a:solidFill>
+                    <a:prstClr val="black"/>
+                  </a:solidFill>
+                </a:rPr>
+                <a:t>Export aggregated</a:t>
+              </a:r>
+            </a:p>
+            <a:p>
+              <a:pPr algn="ctr"/>
+              <a:r>
+                <a:rPr lang="en-GB" sz="1400" dirty="0" smtClean="0">
+                  <a:solidFill>
+                    <a:prstClr val="black"/>
+                  </a:solidFill>
+                </a:rPr>
+                <a:t>data to file(s)</a:t>
+              </a:r>
+              <a:endParaRPr lang="en-GB" sz="1400" dirty="0">
+                <a:solidFill>
+                  <a:prstClr val="black"/>
+                </a:solidFill>
+              </a:endParaRPr>
+            </a:p>
+          </p:txBody>
+        </p:sp>
+      </p:grpSp>
+      <p:sp>
+        <p:nvSpPr>
+          <p:cNvPr id="105" name="TextBox 104"/>
+          <p:cNvSpPr txBox="1"/>
+          <p:nvPr/>
+        </p:nvSpPr>
+        <p:spPr>
+          <a:xfrm>
+            <a:off x="4850733" y="6071798"/>
+            <a:ext cx="3198632" cy="523220"/>
+          </a:xfrm>
+          <a:prstGeom prst="rect">
+            <a:avLst/>
+          </a:prstGeom>
+          <a:noFill/>
+        </p:spPr>
+        <p:txBody>
+          <a:bodyPr wrap="none" rtlCol="0">
+            <a:spAutoFit/>
+          </a:bodyPr>
+          <a:lstStyle/>
+          <a:p>
+            <a:pPr algn="ctr"/>
+            <a:r>
+              <a:rPr lang="en-GB" sz="1400" dirty="0" smtClean="0">
+                <a:solidFill>
+                  <a:prstClr val="black"/>
+                </a:solidFill>
+              </a:rPr>
+              <a:t>Use in spreadsheet (e.g. Excel), database,</a:t>
+            </a:r>
+          </a:p>
+          <a:p>
+            <a:pPr algn="ctr"/>
+            <a:r>
+              <a:rPr lang="en-GB" sz="1400" dirty="0" smtClean="0">
+                <a:solidFill>
+                  <a:prstClr val="black"/>
+                </a:solidFill>
+              </a:rPr>
+              <a:t>or GIS software (e.g. QGIS, ArcGIS)</a:t>
+            </a:r>
+            <a:endParaRPr lang="en-GB" sz="1400" dirty="0">
+              <a:solidFill>
+                <a:prstClr val="black"/>
+              </a:solidFill>
+            </a:endParaRPr>
+          </a:p>
+        </p:txBody>
+      </p:sp>
+      <p:sp>
+        <p:nvSpPr>
+          <p:cNvPr id="106" name="Right Arrow 105"/>
+          <p:cNvSpPr/>
+          <p:nvPr/>
+        </p:nvSpPr>
+        <p:spPr>
+          <a:xfrm>
+            <a:off x="3877995" y="6203754"/>
+            <a:ext cx="970447" cy="259307"/>
+          </a:xfrm>
+          <a:prstGeom prst="rightArrow">
+            <a:avLst>
+              <a:gd name="adj1" fmla="val 37734"/>
+              <a:gd name="adj2" fmla="val 95995"/>
+            </a:avLst>
+          </a:prstGeom>
+        </p:spPr>
+        <p:style>
+          <a:lnRef idx="2">
+            <a:schemeClr val="accent1">
+              <a:shade val="50000"/>
+            </a:schemeClr>
+          </a:lnRef>
+          <a:fillRef idx="1">
+            <a:schemeClr val="accent1"/>
+          </a:fillRef>
+          <a:effectRef idx="0">
+            <a:schemeClr val="accent1"/>
+          </a:effectRef>
+          <a:fontRef idx="minor">
+            <a:schemeClr val="lt1"/>
+          </a:fontRef>
+        </p:style>
+        <p:txBody>
+          <a:bodyPr rtlCol="0" anchor="ctr"/>
+          <a:lstStyle/>
+          <a:p>
+            <a:pPr algn="ctr"/>
+            <a:endParaRPr lang="en-GB"/>
+          </a:p>
+        </p:txBody>
+      </p:sp>
+      <p:sp>
+        <p:nvSpPr>
+          <p:cNvPr id="107" name="TextBox 106"/>
+          <p:cNvSpPr txBox="1"/>
+          <p:nvPr/>
+        </p:nvSpPr>
+        <p:spPr>
+          <a:xfrm>
+            <a:off x="9369836" y="3799435"/>
+            <a:ext cx="2788327" cy="861774"/>
+          </a:xfrm>
+          <a:prstGeom prst="rect">
+            <a:avLst/>
+          </a:prstGeom>
+          <a:noFill/>
+        </p:spPr>
+        <p:txBody>
+          <a:bodyPr wrap="none" rtlCol="0">
+            <a:spAutoFit/>
+          </a:bodyPr>
+          <a:lstStyle/>
+          <a:p>
+            <a:pPr algn="ctr"/>
+            <a:r>
+              <a:rPr lang="en-GB" b="1" dirty="0" smtClean="0">
+                <a:solidFill>
+                  <a:prstClr val="black"/>
+                </a:solidFill>
+              </a:rPr>
+              <a:t>Data storage, sharing,</a:t>
+            </a:r>
+          </a:p>
+          <a:p>
+            <a:pPr algn="ctr"/>
+            <a:r>
+              <a:rPr lang="en-GB" b="1" dirty="0" smtClean="0">
+                <a:solidFill>
+                  <a:prstClr val="black"/>
+                </a:solidFill>
+              </a:rPr>
+              <a:t>editing &amp; visualisation</a:t>
+            </a:r>
+          </a:p>
+          <a:p>
+            <a:pPr algn="ctr"/>
+            <a:r>
+              <a:rPr lang="en-GB" sz="1400" dirty="0" smtClean="0">
+                <a:solidFill>
+                  <a:prstClr val="black"/>
+                </a:solidFill>
+              </a:rPr>
+              <a:t>Using </a:t>
+            </a:r>
+            <a:r>
+              <a:rPr lang="en-GB" sz="1400" i="1" dirty="0" err="1" smtClean="0">
+                <a:solidFill>
+                  <a:prstClr val="black"/>
+                </a:solidFill>
+              </a:rPr>
+              <a:t>GeoKey</a:t>
+            </a:r>
+            <a:r>
+              <a:rPr lang="en-GB" sz="1400" dirty="0" smtClean="0">
+                <a:solidFill>
+                  <a:prstClr val="black"/>
+                </a:solidFill>
+              </a:rPr>
+              <a:t> or another online GIS</a:t>
+            </a:r>
+            <a:endParaRPr lang="en-GB" sz="1400" i="1" dirty="0">
+              <a:solidFill>
+                <a:prstClr val="black"/>
+              </a:solidFill>
+            </a:endParaRPr>
+          </a:p>
+        </p:txBody>
+      </p:sp>
+      <p:pic>
+        <p:nvPicPr>
+          <p:cNvPr id="11" name="Picture 10"/>
+          <p:cNvPicPr>
+            <a:picLocks noChangeAspect="1"/>
+          </p:cNvPicPr>
+          <p:nvPr/>
+        </p:nvPicPr>
+        <p:blipFill>
+          <a:blip r:embed="rId4" cstate="print">
+            <a:extLst>
+              <a:ext uri="{28A0092B-C50C-407E-A947-70E740481C1C}">
+                <a14:useLocalDpi xmlns:a14="http://schemas.microsoft.com/office/drawing/2010/main" val="0"/>
+              </a:ext>
+            </a:extLst>
+          </a:blip>
+          <a:stretch>
+            <a:fillRect/>
+          </a:stretch>
+        </p:blipFill>
+        <p:spPr>
+          <a:xfrm>
+            <a:off x="11062800" y="144000"/>
+            <a:ext cx="986400" cy="986400"/>
+          </a:xfrm>
+          <a:prstGeom prst="rect">
+            <a:avLst/>
+          </a:prstGeom>
+        </p:spPr>
+      </p:pic>
+      <p:grpSp>
+        <p:nvGrpSpPr>
+          <p:cNvPr id="12" name="Group 11"/>
+          <p:cNvGrpSpPr/>
+          <p:nvPr/>
+        </p:nvGrpSpPr>
+        <p:grpSpPr>
+          <a:xfrm>
+            <a:off x="681362" y="1919353"/>
+            <a:ext cx="10224763" cy="446719"/>
+            <a:chOff x="681362" y="1919353"/>
+            <a:chExt cx="10459575" cy="446719"/>
+          </a:xfrm>
+        </p:grpSpPr>
+        <p:cxnSp>
+          <p:nvCxnSpPr>
+            <p:cNvPr id="60" name="Elbow Connector 59"/>
+            <p:cNvCxnSpPr/>
+            <p:nvPr/>
+          </p:nvCxnSpPr>
+          <p:spPr>
+            <a:xfrm rot="16200000" flipH="1">
+              <a:off x="5550587" y="-2949872"/>
+              <a:ext cx="446718" cy="10185169"/>
+            </a:xfrm>
+            <a:prstGeom prst="bentConnector3">
+              <a:avLst>
+                <a:gd name="adj1" fmla="val -68136"/>
+              </a:avLst>
+            </a:prstGeom>
+            <a:ln w="12700">
+              <a:tailEnd type="arrow"/>
+            </a:ln>
+          </p:spPr>
+          <p:style>
+            <a:lnRef idx="1">
+              <a:schemeClr val="accent1"/>
+            </a:lnRef>
+            <a:fillRef idx="0">
+              <a:schemeClr val="accent1"/>
+            </a:fillRef>
+            <a:effectRef idx="0">
+              <a:schemeClr val="accent1"/>
+            </a:effectRef>
+            <a:fontRef idx="minor">
+              <a:schemeClr val="tx1"/>
+            </a:fontRef>
+          </p:style>
+        </p:cxnSp>
+        <p:cxnSp>
+          <p:nvCxnSpPr>
+            <p:cNvPr id="61" name="Elbow Connector 60"/>
+            <p:cNvCxnSpPr/>
+            <p:nvPr/>
+          </p:nvCxnSpPr>
+          <p:spPr>
+            <a:xfrm rot="16200000" flipH="1">
+              <a:off x="5825001" y="-2949865"/>
+              <a:ext cx="446704" cy="10185169"/>
+            </a:xfrm>
+            <a:prstGeom prst="bentConnector3">
+              <a:avLst>
+                <a:gd name="adj1" fmla="val -123321"/>
+              </a:avLst>
+            </a:prstGeom>
+            <a:ln w="12700">
+              <a:prstDash val="sysDash"/>
+              <a:headEnd type="arrow"/>
+              <a:tailEnd type="none"/>
+            </a:ln>
+          </p:spPr>
+          <p:style>
+            <a:lnRef idx="1">
+              <a:schemeClr val="accent1"/>
+            </a:lnRef>
+            <a:fillRef idx="0">
+              <a:schemeClr val="accent1"/>
+            </a:fillRef>
+            <a:effectRef idx="0">
+              <a:schemeClr val="accent1"/>
+            </a:effectRef>
+            <a:fontRef idx="minor">
+              <a:schemeClr val="tx1"/>
+            </a:fontRef>
+          </p:style>
+        </p:cxnSp>
+      </p:grpSp>
+      <p:sp>
+        <p:nvSpPr>
+          <p:cNvPr id="58" name="TextBox 57"/>
+          <p:cNvSpPr txBox="1"/>
+          <p:nvPr/>
+        </p:nvSpPr>
+        <p:spPr>
+          <a:xfrm>
+            <a:off x="6627713" y="2472435"/>
+            <a:ext cx="2706140" cy="403789"/>
+          </a:xfrm>
+          <a:prstGeom prst="rect">
+            <a:avLst/>
+          </a:prstGeom>
+          <a:noFill/>
+        </p:spPr>
+        <p:txBody>
+          <a:bodyPr wrap="square" rtlCol="0">
+            <a:spAutoFit/>
+          </a:bodyPr>
+          <a:lstStyle/>
+          <a:p>
+            <a:pPr algn="ctr"/>
+            <a:r>
+              <a:rPr lang="en-GB" sz="1600" dirty="0" smtClean="0"/>
+              <a:t>HTTP over Wi-Fi/cellular</a:t>
+            </a:r>
+          </a:p>
+        </p:txBody>
+      </p:sp>
+      <p:grpSp>
+        <p:nvGrpSpPr>
+          <p:cNvPr id="55" name="Group 54"/>
+          <p:cNvGrpSpPr/>
+          <p:nvPr/>
+        </p:nvGrpSpPr>
+        <p:grpSpPr>
+          <a:xfrm>
+            <a:off x="6608466" y="2880931"/>
+            <a:ext cx="2746134" cy="250809"/>
+            <a:chOff x="6886815" y="3271628"/>
+            <a:chExt cx="2668092" cy="250809"/>
+          </a:xfrm>
+        </p:grpSpPr>
+        <p:cxnSp>
+          <p:nvCxnSpPr>
+            <p:cNvPr id="56" name="Gerade Verbindung mit Pfeil 10"/>
+            <p:cNvCxnSpPr/>
+            <p:nvPr/>
+          </p:nvCxnSpPr>
+          <p:spPr>
+            <a:xfrm>
+              <a:off x="6886815" y="3271628"/>
+              <a:ext cx="2668090" cy="0"/>
+            </a:xfrm>
+            <a:prstGeom prst="straightConnector1">
+              <a:avLst/>
+            </a:prstGeom>
+            <a:ln w="12700">
+              <a:tailEnd type="arrow"/>
+            </a:ln>
+          </p:spPr>
+          <p:style>
+            <a:lnRef idx="1">
+              <a:schemeClr val="accent1"/>
+            </a:lnRef>
+            <a:fillRef idx="0">
+              <a:schemeClr val="accent1"/>
+            </a:fillRef>
+            <a:effectRef idx="0">
+              <a:schemeClr val="accent1"/>
+            </a:effectRef>
+            <a:fontRef idx="minor">
+              <a:schemeClr val="tx1"/>
+            </a:fontRef>
+          </p:style>
+        </p:cxnSp>
+        <p:cxnSp>
+          <p:nvCxnSpPr>
+            <p:cNvPr id="57" name="Gerade Verbindung mit Pfeil 11"/>
+            <p:cNvCxnSpPr/>
+            <p:nvPr/>
+          </p:nvCxnSpPr>
+          <p:spPr>
+            <a:xfrm flipH="1">
+              <a:off x="6886817" y="3522437"/>
+              <a:ext cx="2668090" cy="0"/>
+            </a:xfrm>
+            <a:prstGeom prst="straightConnector1">
+              <a:avLst/>
+            </a:prstGeom>
+            <a:ln w="12700">
+              <a:prstDash val="sysDash"/>
+              <a:tailEnd type="arrow"/>
+            </a:ln>
+          </p:spPr>
+          <p:style>
+            <a:lnRef idx="1">
+              <a:schemeClr val="accent1"/>
+            </a:lnRef>
+            <a:fillRef idx="0">
+              <a:schemeClr val="accent1"/>
+            </a:fillRef>
+            <a:effectRef idx="0">
+              <a:schemeClr val="accent1"/>
+            </a:effectRef>
+            <a:fontRef idx="minor">
+              <a:schemeClr val="tx1"/>
+            </a:fontRef>
+          </p:style>
+        </p:cxnSp>
+      </p:grpSp>
+      <p:grpSp>
+        <p:nvGrpSpPr>
+          <p:cNvPr id="47" name="Group 46"/>
+          <p:cNvGrpSpPr/>
+          <p:nvPr/>
+        </p:nvGrpSpPr>
+        <p:grpSpPr>
+          <a:xfrm>
+            <a:off x="2169548" y="2648822"/>
+            <a:ext cx="2746132" cy="1156189"/>
+            <a:chOff x="2266530" y="3029822"/>
+            <a:chExt cx="2741827" cy="1156189"/>
+          </a:xfrm>
+        </p:grpSpPr>
+        <p:sp>
+          <p:nvSpPr>
+            <p:cNvPr id="48" name="TextBox 47"/>
+            <p:cNvSpPr txBox="1"/>
+            <p:nvPr/>
+          </p:nvSpPr>
+          <p:spPr>
+            <a:xfrm>
+              <a:off x="2819343" y="3782222"/>
+              <a:ext cx="1636201" cy="403789"/>
+            </a:xfrm>
+            <a:prstGeom prst="rect">
+              <a:avLst/>
+            </a:prstGeom>
+            <a:noFill/>
+          </p:spPr>
+          <p:txBody>
+            <a:bodyPr wrap="none" rtlCol="0">
+              <a:spAutoFit/>
+            </a:bodyPr>
+            <a:lstStyle/>
+            <a:p>
+              <a:pPr algn="ctr"/>
+              <a:r>
+                <a:rPr lang="en-GB" sz="1600" dirty="0">
+                  <a:solidFill>
+                    <a:prstClr val="black"/>
+                  </a:solidFill>
+                </a:rPr>
+                <a:t>SMS messages</a:t>
+              </a:r>
             </a:p>
           </p:txBody>
         </p:sp>
         <p:grpSp>
           <p:nvGrpSpPr>
-            <p:cNvPr id="8" name="Group 7"/>
+            <p:cNvPr id="49" name="Group 48"/>
             <p:cNvGrpSpPr/>
             <p:nvPr/>
           </p:nvGrpSpPr>
           <p:grpSpPr>
             <a:xfrm>
-              <a:off x="8296429" y="2049499"/>
-              <a:ext cx="2788327" cy="2216301"/>
-              <a:chOff x="8137045" y="2126174"/>
-              <a:chExt cx="2788327" cy="2216301"/>
+              <a:off x="2266530" y="3262104"/>
+              <a:ext cx="2741827" cy="250809"/>
+              <a:chOff x="2352264" y="3271628"/>
+              <a:chExt cx="2668090" cy="250809"/>
             </a:xfrm>
           </p:grpSpPr>
-          <p:pic>
-            <p:nvPicPr>
-              <p:cNvPr id="7" name="Picture 6"/>
-              <p:cNvPicPr>
-                <a:picLocks noChangeAspect="1"/>
-              </p:cNvPicPr>
+          <p:cxnSp>
+            <p:nvCxnSpPr>
+              <p:cNvPr id="51" name="Gerade Verbindung mit Pfeil 10"/>
+              <p:cNvCxnSpPr/>
               <p:nvPr/>
-            </p:nvPicPr>
-            <p:blipFill>
-              <a:blip r:embed="rId8" cstate="print">
-                <a:extLst>
-                  <a:ext uri="{28A0092B-C50C-407E-A947-70E740481C1C}">
-                    <a14:useLocalDpi xmlns:a14="http://schemas.microsoft.com/office/drawing/2010/main" val="0"/>
-                  </a:ext>
-                </a:extLst>
-              </a:blip>
-              <a:stretch>
-                <a:fillRect/>
-              </a:stretch>
-            </p:blipFill>
+            </p:nvCxnSpPr>
             <p:spPr>
               <a:xfrm>
-                <a:off x="8815576" y="2126174"/>
-                <a:ext cx="1431241" cy="1185545"/>
+                <a:off x="2352264" y="3271628"/>
+                <a:ext cx="2668090" cy="0"/>
               </a:xfrm>
-              <a:prstGeom prst="rect">
+              <a:prstGeom prst="straightConnector1">
                 <a:avLst/>
               </a:prstGeom>
+              <a:ln w="12700">
+                <a:tailEnd type="arrow"/>
+              </a:ln>
             </p:spPr>
-          </p:pic>
-          <p:sp>
-            <p:nvSpPr>
-              <p:cNvPr id="107" name="TextBox 106"/>
-              <p:cNvSpPr txBox="1"/>
+            <p:style>
+              <a:lnRef idx="1">
+                <a:schemeClr val="accent1"/>
+              </a:lnRef>
+              <a:fillRef idx="0">
+                <a:schemeClr val="accent1"/>
+              </a:fillRef>
+              <a:effectRef idx="0">
+                <a:schemeClr val="accent1"/>
+              </a:effectRef>
+              <a:fontRef idx="minor">
+                <a:schemeClr val="tx1"/>
+              </a:fontRef>
+            </p:style>
+          </p:cxnSp>
+          <p:cxnSp>
+            <p:nvCxnSpPr>
+              <p:cNvPr id="52" name="Gerade Verbindung mit Pfeil 11"/>
+              <p:cNvCxnSpPr/>
               <p:nvPr/>
-            </p:nvSpPr>
+            </p:nvCxnSpPr>
             <p:spPr>
-              <a:xfrm>
-                <a:off x="8137045" y="3480701"/>
-                <a:ext cx="2788327" cy="861774"/>
+              <a:xfrm flipH="1">
+                <a:off x="2352264" y="3522437"/>
+                <a:ext cx="2668090" cy="0"/>
               </a:xfrm>
-              <a:prstGeom prst="rect">
+              <a:prstGeom prst="straightConnector1">
                 <a:avLst/>
               </a:prstGeom>
-              <a:noFill/>
+              <a:ln w="12700">
+                <a:prstDash val="sysDash"/>
+                <a:tailEnd type="arrow"/>
+              </a:ln>
             </p:spPr>
-            <p:txBody>
-              <a:bodyPr wrap="none" rtlCol="0">
-                <a:spAutoFit/>
-              </a:bodyPr>
-              <a:lstStyle/>
-              <a:p>
-                <a:pPr algn="ctr"/>
-                <a:r>
-                  <a:rPr lang="en-GB" b="1" dirty="0" smtClean="0">
-                    <a:solidFill>
-                      <a:prstClr val="black"/>
-                    </a:solidFill>
-                  </a:rPr>
-                  <a:t>Data storage, sharing,</a:t>
-                </a:r>
-              </a:p>
-              <a:p>
-                <a:pPr algn="ctr"/>
-                <a:r>
-                  <a:rPr lang="en-GB" b="1" dirty="0" smtClean="0">
-                    <a:solidFill>
-                      <a:prstClr val="black"/>
-                    </a:solidFill>
-                  </a:rPr>
-                  <a:t>editing &amp; visualisation</a:t>
-                </a:r>
-              </a:p>
-              <a:p>
-                <a:pPr algn="ctr"/>
-                <a:r>
-                  <a:rPr lang="en-GB" sz="1400" dirty="0" smtClean="0">
-                    <a:solidFill>
-                      <a:prstClr val="black"/>
-                    </a:solidFill>
-                  </a:rPr>
-                  <a:t>Using </a:t>
-                </a:r>
-                <a:r>
-                  <a:rPr lang="en-GB" sz="1400" i="1" dirty="0" err="1" smtClean="0">
-                    <a:solidFill>
-                      <a:prstClr val="black"/>
-                    </a:solidFill>
-                  </a:rPr>
-                  <a:t>GeoKey</a:t>
-                </a:r>
-                <a:r>
-                  <a:rPr lang="en-GB" sz="1400" dirty="0" smtClean="0">
-                    <a:solidFill>
-                      <a:prstClr val="black"/>
-                    </a:solidFill>
-                  </a:rPr>
-                  <a:t> or another online GIS</a:t>
-                </a:r>
-                <a:endParaRPr lang="en-GB" sz="1400" i="1" dirty="0">
-                  <a:solidFill>
-                    <a:prstClr val="black"/>
-                  </a:solidFill>
-                </a:endParaRPr>
-              </a:p>
-            </p:txBody>
-          </p:sp>
+            <p:style>
+              <a:lnRef idx="1">
+                <a:schemeClr val="accent1"/>
+              </a:lnRef>
+              <a:fillRef idx="0">
+                <a:schemeClr val="accent1"/>
+              </a:fillRef>
+              <a:effectRef idx="0">
+                <a:schemeClr val="accent1"/>
+              </a:effectRef>
+              <a:fontRef idx="minor">
+                <a:schemeClr val="tx1"/>
+              </a:fontRef>
+            </p:style>
+          </p:cxnSp>
         </p:grpSp>
+        <p:pic>
+          <p:nvPicPr>
+            <p:cNvPr id="50" name="Picture 49"/>
+            <p:cNvPicPr>
+              <a:picLocks noChangeAspect="1"/>
+            </p:cNvPicPr>
+            <p:nvPr/>
+          </p:nvPicPr>
+          <p:blipFill>
+            <a:blip r:embed="rId5" cstate="print">
+              <a:extLst>
+                <a:ext uri="{28A0092B-C50C-407E-A947-70E740481C1C}">
+                  <a14:useLocalDpi xmlns:a14="http://schemas.microsoft.com/office/drawing/2010/main" val="0"/>
+                </a:ext>
+              </a:extLst>
+            </a:blip>
+            <a:stretch>
+              <a:fillRect/>
+            </a:stretch>
+          </p:blipFill>
+          <p:spPr>
+            <a:xfrm>
+              <a:off x="3306224" y="3029822"/>
+              <a:ext cx="662439" cy="752400"/>
+            </a:xfrm>
+            <a:prstGeom prst="rect">
+              <a:avLst/>
+            </a:prstGeom>
+            <a:effectLst>
+              <a:glow rad="38100">
+                <a:schemeClr val="bg1">
+                  <a:alpha val="50000"/>
+                </a:schemeClr>
+              </a:glow>
+            </a:effectLst>
+          </p:spPr>
+        </p:pic>
+      </p:grpSp>
+      <p:sp>
+        <p:nvSpPr>
+          <p:cNvPr id="91" name="TextBox 90"/>
+          <p:cNvSpPr txBox="1"/>
+          <p:nvPr/>
+        </p:nvSpPr>
+        <p:spPr>
+          <a:xfrm>
+            <a:off x="119256" y="3799435"/>
+            <a:ext cx="1950599" cy="800219"/>
+          </a:xfrm>
+          <a:prstGeom prst="rect">
+            <a:avLst/>
+          </a:prstGeom>
+          <a:noFill/>
+        </p:spPr>
+        <p:txBody>
+          <a:bodyPr wrap="none" rtlCol="0">
+            <a:spAutoFit/>
+          </a:bodyPr>
+          <a:lstStyle/>
+          <a:p>
+            <a:pPr algn="ctr"/>
+            <a:r>
+              <a:rPr lang="en-GB" b="1" dirty="0" smtClean="0">
+                <a:solidFill>
+                  <a:prstClr val="black"/>
+                </a:solidFill>
+              </a:rPr>
+              <a:t>Data collection</a:t>
+            </a:r>
+          </a:p>
+          <a:p>
+            <a:pPr algn="ctr"/>
+            <a:r>
+              <a:rPr lang="en-GB" sz="1400" dirty="0" smtClean="0">
+                <a:solidFill>
+                  <a:prstClr val="black"/>
+                </a:solidFill>
+              </a:rPr>
+              <a:t>on 1 or more devices</a:t>
+            </a:r>
+          </a:p>
+          <a:p>
+            <a:pPr algn="ctr"/>
+            <a:r>
+              <a:rPr lang="en-GB" sz="1400" dirty="0">
+                <a:solidFill>
+                  <a:prstClr val="black"/>
+                </a:solidFill>
+              </a:rPr>
+              <a:t>r</a:t>
+            </a:r>
+            <a:r>
+              <a:rPr lang="en-GB" sz="1400" dirty="0" smtClean="0">
+                <a:solidFill>
+                  <a:prstClr val="black"/>
+                </a:solidFill>
+              </a:rPr>
+              <a:t>unning </a:t>
+            </a:r>
+            <a:r>
+              <a:rPr lang="en-GB" sz="1400" i="1" dirty="0" smtClean="0">
+                <a:solidFill>
+                  <a:prstClr val="black"/>
+                </a:solidFill>
+              </a:rPr>
+              <a:t>Sapelli Collector</a:t>
+            </a:r>
+            <a:endParaRPr lang="en-GB" sz="1400" dirty="0">
+              <a:solidFill>
+                <a:prstClr val="black"/>
+              </a:solidFill>
+            </a:endParaRPr>
+          </a:p>
+        </p:txBody>
+      </p:sp>
+      <p:grpSp>
+        <p:nvGrpSpPr>
+          <p:cNvPr id="13" name="Group 12"/>
+          <p:cNvGrpSpPr/>
+          <p:nvPr/>
+        </p:nvGrpSpPr>
+        <p:grpSpPr>
+          <a:xfrm>
+            <a:off x="528961" y="1997811"/>
+            <a:ext cx="1131188" cy="1807200"/>
+            <a:chOff x="528961" y="1997811"/>
+            <a:chExt cx="1131188" cy="1807200"/>
+          </a:xfrm>
+        </p:grpSpPr>
+        <p:pic>
+          <p:nvPicPr>
+            <p:cNvPr id="80" name="Picture 79"/>
+            <p:cNvPicPr>
+              <a:picLocks noChangeAspect="1"/>
+            </p:cNvPicPr>
+            <p:nvPr/>
+          </p:nvPicPr>
+          <p:blipFill>
+            <a:blip r:embed="rId6" cstate="print">
+              <a:extLst>
+                <a:ext uri="{28A0092B-C50C-407E-A947-70E740481C1C}">
+                  <a14:useLocalDpi xmlns:a14="http://schemas.microsoft.com/office/drawing/2010/main" val="0"/>
+                </a:ext>
+              </a:extLst>
+            </a:blip>
+            <a:stretch>
+              <a:fillRect/>
+            </a:stretch>
+          </p:blipFill>
+          <p:spPr>
+            <a:xfrm>
+              <a:off x="528961" y="1997811"/>
+              <a:ext cx="673988" cy="1350000"/>
+            </a:xfrm>
+            <a:prstGeom prst="rect">
+              <a:avLst/>
+            </a:prstGeom>
+          </p:spPr>
+        </p:pic>
+        <p:pic>
+          <p:nvPicPr>
+            <p:cNvPr id="108" name="Picture 107"/>
+            <p:cNvPicPr>
+              <a:picLocks noChangeAspect="1"/>
+            </p:cNvPicPr>
+            <p:nvPr/>
+          </p:nvPicPr>
+          <p:blipFill>
+            <a:blip r:embed="rId6" cstate="print">
+              <a:extLst>
+                <a:ext uri="{28A0092B-C50C-407E-A947-70E740481C1C}">
+                  <a14:useLocalDpi xmlns:a14="http://schemas.microsoft.com/office/drawing/2010/main" val="0"/>
+                </a:ext>
+              </a:extLst>
+            </a:blip>
+            <a:stretch>
+              <a:fillRect/>
+            </a:stretch>
+          </p:blipFill>
+          <p:spPr>
+            <a:xfrm>
+              <a:off x="681361" y="2150211"/>
+              <a:ext cx="673988" cy="1350000"/>
+            </a:xfrm>
+            <a:prstGeom prst="rect">
+              <a:avLst/>
+            </a:prstGeom>
+          </p:spPr>
+        </p:pic>
+        <p:pic>
+          <p:nvPicPr>
+            <p:cNvPr id="109" name="Picture 108"/>
+            <p:cNvPicPr>
+              <a:picLocks noChangeAspect="1"/>
+            </p:cNvPicPr>
+            <p:nvPr/>
+          </p:nvPicPr>
+          <p:blipFill>
+            <a:blip r:embed="rId6" cstate="print">
+              <a:extLst>
+                <a:ext uri="{28A0092B-C50C-407E-A947-70E740481C1C}">
+                  <a14:useLocalDpi xmlns:a14="http://schemas.microsoft.com/office/drawing/2010/main" val="0"/>
+                </a:ext>
+              </a:extLst>
+            </a:blip>
+            <a:stretch>
+              <a:fillRect/>
+            </a:stretch>
+          </p:blipFill>
+          <p:spPr>
+            <a:xfrm>
+              <a:off x="833761" y="2302611"/>
+              <a:ext cx="673988" cy="1350000"/>
+            </a:xfrm>
+            <a:prstGeom prst="rect">
+              <a:avLst/>
+            </a:prstGeom>
+          </p:spPr>
+        </p:pic>
+        <p:pic>
+          <p:nvPicPr>
+            <p:cNvPr id="110" name="Picture 109"/>
+            <p:cNvPicPr>
+              <a:picLocks noChangeAspect="1"/>
+            </p:cNvPicPr>
+            <p:nvPr/>
+          </p:nvPicPr>
+          <p:blipFill>
+            <a:blip r:embed="rId6" cstate="print">
+              <a:extLst>
+                <a:ext uri="{28A0092B-C50C-407E-A947-70E740481C1C}">
+                  <a14:useLocalDpi xmlns:a14="http://schemas.microsoft.com/office/drawing/2010/main" val="0"/>
+                </a:ext>
+              </a:extLst>
+            </a:blip>
+            <a:stretch>
+              <a:fillRect/>
+            </a:stretch>
+          </p:blipFill>
+          <p:spPr>
+            <a:xfrm>
+              <a:off x="986161" y="2455011"/>
+              <a:ext cx="673988" cy="1350000"/>
+            </a:xfrm>
+            <a:prstGeom prst="rect">
+              <a:avLst/>
+            </a:prstGeom>
+          </p:spPr>
+        </p:pic>
       </p:grpSp>
       <p:pic>
         <p:nvPicPr>
-          <p:cNvPr id="11" name="Picture 10"/>
+          <p:cNvPr id="4" name="Picture 3"/>
+          <p:cNvPicPr>
+            <a:picLocks noChangeAspect="1"/>
+          </p:cNvPicPr>
+          <p:nvPr/>
+        </p:nvPicPr>
+        <p:blipFill>
+          <a:blip r:embed="rId7" cstate="print">
+            <a:extLst>
+              <a:ext uri="{28A0092B-C50C-407E-A947-70E740481C1C}">
+                <a14:useLocalDpi xmlns:a14="http://schemas.microsoft.com/office/drawing/2010/main" val="0"/>
+              </a:ext>
+            </a:extLst>
+          </a:blip>
+          <a:stretch>
+            <a:fillRect/>
+          </a:stretch>
+        </p:blipFill>
+        <p:spPr>
+          <a:xfrm>
+            <a:off x="7518543" y="1753419"/>
+            <a:ext cx="924480" cy="720000"/>
+          </a:xfrm>
+          <a:prstGeom prst="rect">
+            <a:avLst/>
+          </a:prstGeom>
+        </p:spPr>
+      </p:pic>
+      <p:pic>
+        <p:nvPicPr>
+          <p:cNvPr id="111" name="Picture 110"/>
+          <p:cNvPicPr>
+            <a:picLocks noChangeAspect="1"/>
+          </p:cNvPicPr>
+          <p:nvPr/>
+        </p:nvPicPr>
+        <p:blipFill>
+          <a:blip r:embed="rId6" cstate="print">
+            <a:extLst>
+              <a:ext uri="{28A0092B-C50C-407E-A947-70E740481C1C}">
+                <a14:useLocalDpi xmlns:a14="http://schemas.microsoft.com/office/drawing/2010/main" val="0"/>
+              </a:ext>
+            </a:extLst>
+          </a:blip>
+          <a:stretch>
+            <a:fillRect/>
+          </a:stretch>
+        </p:blipFill>
+        <p:spPr>
+          <a:xfrm>
+            <a:off x="5425079" y="2455011"/>
+            <a:ext cx="673988" cy="1350000"/>
+          </a:xfrm>
+          <a:prstGeom prst="rect">
+            <a:avLst/>
+          </a:prstGeom>
+        </p:spPr>
+      </p:pic>
+      <p:pic>
+        <p:nvPicPr>
+          <p:cNvPr id="16" name="Picture 15"/>
+          <p:cNvPicPr>
+            <a:picLocks noChangeAspect="1"/>
+          </p:cNvPicPr>
+          <p:nvPr/>
+        </p:nvPicPr>
+        <p:blipFill>
+          <a:blip r:embed="rId8" cstate="print">
+            <a:extLst>
+              <a:ext uri="{28A0092B-C50C-407E-A947-70E740481C1C}">
+                <a14:useLocalDpi xmlns:a14="http://schemas.microsoft.com/office/drawing/2010/main" val="0"/>
+              </a:ext>
+            </a:extLst>
+          </a:blip>
+          <a:stretch>
+            <a:fillRect/>
+          </a:stretch>
+        </p:blipFill>
+        <p:spPr>
+          <a:xfrm>
+            <a:off x="9862499" y="2472435"/>
+            <a:ext cx="1794053" cy="1350000"/>
+          </a:xfrm>
+          <a:prstGeom prst="rect">
+            <a:avLst/>
+          </a:prstGeom>
+        </p:spPr>
+      </p:pic>
+      <p:pic>
+        <p:nvPicPr>
+          <p:cNvPr id="112" name="Picture 111"/>
           <p:cNvPicPr>
             <a:picLocks noChangeAspect="1"/>
           </p:cNvPicPr>
@@ -5912,18 +6199,19 @@
         </p:blipFill>
         <p:spPr>
           <a:xfrm>
-            <a:off x="11006879" y="182667"/>
-            <a:ext cx="986400" cy="986400"/>
+            <a:off x="144000" y="144000"/>
+            <a:ext cx="986400" cy="1128658"/>
           </a:xfrm>
           <a:prstGeom prst="rect">
             <a:avLst/>
           </a:prstGeom>
+          <a:effectLst/>
         </p:spPr>
       </p:pic>
     </p:spTree>
     <p:extLst>
       <p:ext uri="{BB962C8B-B14F-4D97-AF65-F5344CB8AC3E}">
-        <p14:creationId xmlns:p14="http://schemas.microsoft.com/office/powerpoint/2010/main" val="2018939694"/>
+        <p14:creationId xmlns:p14="http://schemas.microsoft.com/office/powerpoint/2010/main" val="2455589718"/>
       </p:ext>
     </p:extLst>
   </p:cSld>
@@ -6199,4 +6487,265 @@
     </a:ext>
   </a:extLst>
 </a:theme>
+</file>
+
+<file path=ppt/theme/theme2.xml><?xml version="1.0" encoding="utf-8"?>
+<a:theme xmlns:a="http://schemas.openxmlformats.org/drawingml/2006/main" name="Office Theme">
+  <a:themeElements>
+    <a:clrScheme name="Office">
+      <a:dk1>
+        <a:sysClr val="windowText" lastClr="000000"/>
+      </a:dk1>
+      <a:lt1>
+        <a:sysClr val="window" lastClr="FFFFFF"/>
+      </a:lt1>
+      <a:dk2>
+        <a:srgbClr val="44546A"/>
+      </a:dk2>
+      <a:lt2>
+        <a:srgbClr val="E7E6E6"/>
+      </a:lt2>
+      <a:accent1>
+        <a:srgbClr val="5B9BD5"/>
+      </a:accent1>
+      <a:accent2>
+        <a:srgbClr val="ED7D31"/>
+      </a:accent2>
+      <a:accent3>
+        <a:srgbClr val="A5A5A5"/>
+      </a:accent3>
+      <a:accent4>
+        <a:srgbClr val="FFC000"/>
+      </a:accent4>
+      <a:accent5>
+        <a:srgbClr val="4472C4"/>
+      </a:accent5>
+      <a:accent6>
+        <a:srgbClr val="70AD47"/>
+      </a:accent6>
+      <a:hlink>
+        <a:srgbClr val="0563C1"/>
+      </a:hlink>
+      <a:folHlink>
+        <a:srgbClr val="954F72"/>
+      </a:folHlink>
+    </a:clrScheme>
+    <a:fontScheme name="Office">
+      <a:majorFont>
+        <a:latin typeface="Calibri Light" panose="020F0302020204030204"/>
+        <a:ea typeface=""/>
+        <a:cs typeface=""/>
+        <a:font script="Jpan" typeface="ＭＳ Ｐゴシック"/>
+        <a:font script="Hang" typeface="맑은 고딕"/>
+        <a:font script="Hans" typeface="宋体"/>
+        <a:font script="Hant" typeface="新細明體"/>
+        <a:font script="Arab" typeface="Times New Roman"/>
+        <a:font script="Hebr" typeface="Times New Roman"/>
+        <a:font script="Thai" typeface="Angsana New"/>
+        <a:font script="Ethi" typeface="Nyala"/>
+        <a:font script="Beng" typeface="Vrinda"/>
+        <a:font script="Gujr" typeface="Shruti"/>
+        <a:font script="Khmr" typeface="MoolBoran"/>
+        <a:font script="Knda" typeface="Tunga"/>
+        <a:font script="Guru" typeface="Raavi"/>
+        <a:font script="Cans" typeface="Euphemia"/>
+        <a:font script="Cher" typeface="Plantagenet Cherokee"/>
+        <a:font script="Yiii" typeface="Microsoft Yi Baiti"/>
+        <a:font script="Tibt" typeface="Microsoft Himalaya"/>
+        <a:font script="Thaa" typeface="MV Boli"/>
+        <a:font script="Deva" typeface="Mangal"/>
+        <a:font script="Telu" typeface="Gautami"/>
+        <a:font script="Taml" typeface="Latha"/>
+        <a:font script="Syrc" typeface="Estrangelo Edessa"/>
+        <a:font script="Orya" typeface="Kalinga"/>
+        <a:font script="Mlym" typeface="Kartika"/>
+        <a:font script="Laoo" typeface="DokChampa"/>
+        <a:font script="Sinh" typeface="Iskoola Pota"/>
+        <a:font script="Mong" typeface="Mongolian Baiti"/>
+        <a:font script="Viet" typeface="Times New Roman"/>
+        <a:font script="Uigh" typeface="Microsoft Uighur"/>
+        <a:font script="Geor" typeface="Sylfaen"/>
+      </a:majorFont>
+      <a:minorFont>
+        <a:latin typeface="Calibri" panose="020F0502020204030204"/>
+        <a:ea typeface=""/>
+        <a:cs typeface=""/>
+        <a:font script="Jpan" typeface="ＭＳ Ｐゴシック"/>
+        <a:font script="Hang" typeface="맑은 고딕"/>
+        <a:font script="Hans" typeface="宋体"/>
+        <a:font script="Hant" typeface="新細明體"/>
+        <a:font script="Arab" typeface="Arial"/>
+        <a:font script="Hebr" typeface="Arial"/>
+        <a:font script="Thai" typeface="Cordia New"/>
+        <a:font script="Ethi" typeface="Nyala"/>
+        <a:font script="Beng" typeface="Vrinda"/>
+        <a:font script="Gujr" typeface="Shruti"/>
+        <a:font script="Khmr" typeface="DaunPenh"/>
+        <a:font script="Knda" typeface="Tunga"/>
+        <a:font script="Guru" typeface="Raavi"/>
+        <a:font script="Cans" typeface="Euphemia"/>
+        <a:font script="Cher" typeface="Plantagenet Cherokee"/>
+        <a:font script="Yiii" typeface="Microsoft Yi Baiti"/>
+        <a:font script="Tibt" typeface="Microsoft Himalaya"/>
+        <a:font script="Thaa" typeface="MV Boli"/>
+        <a:font script="Deva" typeface="Mangal"/>
+        <a:font script="Telu" typeface="Gautami"/>
+        <a:font script="Taml" typeface="Latha"/>
+        <a:font script="Syrc" typeface="Estrangelo Edessa"/>
+        <a:font script="Orya" typeface="Kalinga"/>
+        <a:font script="Mlym" typeface="Kartika"/>
+        <a:font script="Laoo" typeface="DokChampa"/>
+        <a:font script="Sinh" typeface="Iskoola Pota"/>
+        <a:font script="Mong" typeface="Mongolian Baiti"/>
+        <a:font script="Viet" typeface="Arial"/>
+        <a:font script="Uigh" typeface="Microsoft Uighur"/>
+        <a:font script="Geor" typeface="Sylfaen"/>
+      </a:minorFont>
+    </a:fontScheme>
+    <a:fmtScheme name="Office">
+      <a:fillStyleLst>
+        <a:solidFill>
+          <a:schemeClr val="phClr"/>
+        </a:solidFill>
+        <a:gradFill rotWithShape="1">
+          <a:gsLst>
+            <a:gs pos="0">
+              <a:schemeClr val="phClr">
+                <a:lumMod val="110000"/>
+                <a:satMod val="105000"/>
+                <a:tint val="67000"/>
+              </a:schemeClr>
+            </a:gs>
+            <a:gs pos="50000">
+              <a:schemeClr val="phClr">
+                <a:lumMod val="105000"/>
+                <a:satMod val="103000"/>
+                <a:tint val="73000"/>
+              </a:schemeClr>
+            </a:gs>
+            <a:gs pos="100000">
+              <a:schemeClr val="phClr">
+                <a:lumMod val="105000"/>
+                <a:satMod val="109000"/>
+                <a:tint val="81000"/>
+              </a:schemeClr>
+            </a:gs>
+          </a:gsLst>
+          <a:lin ang="5400000" scaled="0"/>
+        </a:gradFill>
+        <a:gradFill rotWithShape="1">
+          <a:gsLst>
+            <a:gs pos="0">
+              <a:schemeClr val="phClr">
+                <a:satMod val="103000"/>
+                <a:lumMod val="102000"/>
+                <a:tint val="94000"/>
+              </a:schemeClr>
+            </a:gs>
+            <a:gs pos="50000">
+              <a:schemeClr val="phClr">
+                <a:satMod val="110000"/>
+                <a:lumMod val="100000"/>
+                <a:shade val="100000"/>
+              </a:schemeClr>
+            </a:gs>
+            <a:gs pos="100000">
+              <a:schemeClr val="phClr">
+                <a:lumMod val="99000"/>
+                <a:satMod val="120000"/>
+                <a:shade val="78000"/>
+              </a:schemeClr>
+            </a:gs>
+          </a:gsLst>
+          <a:lin ang="5400000" scaled="0"/>
+        </a:gradFill>
+      </a:fillStyleLst>
+      <a:lnStyleLst>
+        <a:ln w="6350" cap="flat" cmpd="sng" algn="ctr">
+          <a:solidFill>
+            <a:schemeClr val="phClr"/>
+          </a:solidFill>
+          <a:prstDash val="solid"/>
+          <a:miter lim="800000"/>
+        </a:ln>
+        <a:ln w="12700" cap="flat" cmpd="sng" algn="ctr">
+          <a:solidFill>
+            <a:schemeClr val="phClr"/>
+          </a:solidFill>
+          <a:prstDash val="solid"/>
+          <a:miter lim="800000"/>
+        </a:ln>
+        <a:ln w="19050" cap="flat" cmpd="sng" algn="ctr">
+          <a:solidFill>
+            <a:schemeClr val="phClr"/>
+          </a:solidFill>
+          <a:prstDash val="solid"/>
+          <a:miter lim="800000"/>
+        </a:ln>
+      </a:lnStyleLst>
+      <a:effectStyleLst>
+        <a:effectStyle>
+          <a:effectLst/>
+        </a:effectStyle>
+        <a:effectStyle>
+          <a:effectLst/>
+        </a:effectStyle>
+        <a:effectStyle>
+          <a:effectLst>
+            <a:outerShdw blurRad="57150" dist="19050" dir="5400000" algn="ctr" rotWithShape="0">
+              <a:srgbClr val="000000">
+                <a:alpha val="63000"/>
+              </a:srgbClr>
+            </a:outerShdw>
+          </a:effectLst>
+        </a:effectStyle>
+      </a:effectStyleLst>
+      <a:bgFillStyleLst>
+        <a:solidFill>
+          <a:schemeClr val="phClr"/>
+        </a:solidFill>
+        <a:solidFill>
+          <a:schemeClr val="phClr">
+            <a:tint val="95000"/>
+            <a:satMod val="170000"/>
+          </a:schemeClr>
+        </a:solidFill>
+        <a:gradFill rotWithShape="1">
+          <a:gsLst>
+            <a:gs pos="0">
+              <a:schemeClr val="phClr">
+                <a:tint val="93000"/>
+                <a:satMod val="150000"/>
+                <a:shade val="98000"/>
+                <a:lumMod val="102000"/>
+              </a:schemeClr>
+            </a:gs>
+            <a:gs pos="50000">
+              <a:schemeClr val="phClr">
+                <a:tint val="98000"/>
+                <a:satMod val="130000"/>
+                <a:shade val="90000"/>
+                <a:lumMod val="103000"/>
+              </a:schemeClr>
+            </a:gs>
+            <a:gs pos="100000">
+              <a:schemeClr val="phClr">
+                <a:shade val="63000"/>
+                <a:satMod val="120000"/>
+              </a:schemeClr>
+            </a:gs>
+          </a:gsLst>
+          <a:lin ang="5400000" scaled="0"/>
+        </a:gradFill>
+      </a:bgFillStyleLst>
+    </a:fmtScheme>
+  </a:themeElements>
+  <a:objectDefaults/>
+  <a:extraClrSchemeLst/>
+  <a:extLst>
+    <a:ext uri="{05A4C25C-085E-4340-85A3-A5531E510DB2}">
+      <thm15:themeFamily xmlns:thm15="http://schemas.microsoft.com/office/thememl/2012/main" name="Office Theme" id="{62F939B6-93AF-4DB8-9C6B-D6C7DFDC589F}" vid="{4A3C46E8-61CC-4603-A589-7422A47A8E4A}"/>
+    </a:ext>
+  </a:extLst>
+</a:theme>
 </file>